--- a/_posts/ithome/2021/19.AutoML/19.AutoML.pptx
+++ b/_posts/ithome/2021/19.AutoML/19.AutoML.pptx
@@ -5,8 +5,8 @@
     <p:sldMasterId id="2147483648" r:id="rId1"/>
   </p:sldMasterIdLst>
   <p:sldIdLst>
-    <p:sldId id="256" r:id="rId2"/>
-    <p:sldId id="257" r:id="rId3"/>
+    <p:sldId id="257" r:id="rId2"/>
+    <p:sldId id="256" r:id="rId3"/>
   </p:sldIdLst>
   <p:sldSz cx="12192000" cy="6858000"/>
   <p:notesSz cx="6858000" cy="9144000"/>
@@ -262,7 +262,7 @@
           <a:p>
             <a:fld id="{FA72F50C-0205-344F-9362-2550D5A8C203}" type="datetimeFigureOut">
               <a:rPr lang="en-TW" smtClean="0"/>
-              <a:t>2021/9/23</a:t>
+              <a:t>2021/9/25</a:t>
             </a:fld>
             <a:endParaRPr lang="en-TW"/>
           </a:p>
@@ -462,7 +462,7 @@
           <a:p>
             <a:fld id="{FA72F50C-0205-344F-9362-2550D5A8C203}" type="datetimeFigureOut">
               <a:rPr lang="en-TW" smtClean="0"/>
-              <a:t>2021/9/23</a:t>
+              <a:t>2021/9/25</a:t>
             </a:fld>
             <a:endParaRPr lang="en-TW"/>
           </a:p>
@@ -672,7 +672,7 @@
           <a:p>
             <a:fld id="{FA72F50C-0205-344F-9362-2550D5A8C203}" type="datetimeFigureOut">
               <a:rPr lang="en-TW" smtClean="0"/>
-              <a:t>2021/9/23</a:t>
+              <a:t>2021/9/25</a:t>
             </a:fld>
             <a:endParaRPr lang="en-TW"/>
           </a:p>
@@ -872,7 +872,7 @@
           <a:p>
             <a:fld id="{FA72F50C-0205-344F-9362-2550D5A8C203}" type="datetimeFigureOut">
               <a:rPr lang="en-TW" smtClean="0"/>
-              <a:t>2021/9/23</a:t>
+              <a:t>2021/9/25</a:t>
             </a:fld>
             <a:endParaRPr lang="en-TW"/>
           </a:p>
@@ -1148,7 +1148,7 @@
           <a:p>
             <a:fld id="{FA72F50C-0205-344F-9362-2550D5A8C203}" type="datetimeFigureOut">
               <a:rPr lang="en-TW" smtClean="0"/>
-              <a:t>2021/9/23</a:t>
+              <a:t>2021/9/25</a:t>
             </a:fld>
             <a:endParaRPr lang="en-TW"/>
           </a:p>
@@ -1416,7 +1416,7 @@
           <a:p>
             <a:fld id="{FA72F50C-0205-344F-9362-2550D5A8C203}" type="datetimeFigureOut">
               <a:rPr lang="en-TW" smtClean="0"/>
-              <a:t>2021/9/23</a:t>
+              <a:t>2021/9/25</a:t>
             </a:fld>
             <a:endParaRPr lang="en-TW"/>
           </a:p>
@@ -1831,7 +1831,7 @@
           <a:p>
             <a:fld id="{FA72F50C-0205-344F-9362-2550D5A8C203}" type="datetimeFigureOut">
               <a:rPr lang="en-TW" smtClean="0"/>
-              <a:t>2021/9/23</a:t>
+              <a:t>2021/9/25</a:t>
             </a:fld>
             <a:endParaRPr lang="en-TW"/>
           </a:p>
@@ -1973,7 +1973,7 @@
           <a:p>
             <a:fld id="{FA72F50C-0205-344F-9362-2550D5A8C203}" type="datetimeFigureOut">
               <a:rPr lang="en-TW" smtClean="0"/>
-              <a:t>2021/9/23</a:t>
+              <a:t>2021/9/25</a:t>
             </a:fld>
             <a:endParaRPr lang="en-TW"/>
           </a:p>
@@ -2086,7 +2086,7 @@
           <a:p>
             <a:fld id="{FA72F50C-0205-344F-9362-2550D5A8C203}" type="datetimeFigureOut">
               <a:rPr lang="en-TW" smtClean="0"/>
-              <a:t>2021/9/23</a:t>
+              <a:t>2021/9/25</a:t>
             </a:fld>
             <a:endParaRPr lang="en-TW"/>
           </a:p>
@@ -2399,7 +2399,7 @@
           <a:p>
             <a:fld id="{FA72F50C-0205-344F-9362-2550D5A8C203}" type="datetimeFigureOut">
               <a:rPr lang="en-TW" smtClean="0"/>
-              <a:t>2021/9/23</a:t>
+              <a:t>2021/9/25</a:t>
             </a:fld>
             <a:endParaRPr lang="en-TW"/>
           </a:p>
@@ -2688,7 +2688,7 @@
           <a:p>
             <a:fld id="{FA72F50C-0205-344F-9362-2550D5A8C203}" type="datetimeFigureOut">
               <a:rPr lang="en-TW" smtClean="0"/>
-              <a:t>2021/9/23</a:t>
+              <a:t>2021/9/25</a:t>
             </a:fld>
             <a:endParaRPr lang="en-TW"/>
           </a:p>
@@ -2931,7 +2931,7 @@
           <a:p>
             <a:fld id="{FA72F50C-0205-344F-9362-2550D5A8C203}" type="datetimeFigureOut">
               <a:rPr lang="en-TW" smtClean="0"/>
-              <a:t>2021/9/23</a:t>
+              <a:t>2021/9/25</a:t>
             </a:fld>
             <a:endParaRPr lang="en-TW"/>
           </a:p>
@@ -3348,42 +3348,592 @@
           <a:chExt cx="0" cy="0"/>
         </a:xfrm>
       </p:grpSpPr>
-      <p:pic>
-        <p:nvPicPr>
-          <p:cNvPr id="3" name="Picture 2">
-            <a:extLst>
-              <a:ext uri="{FF2B5EF4-FFF2-40B4-BE49-F238E27FC236}">
-                <a16:creationId xmlns:a16="http://schemas.microsoft.com/office/drawing/2014/main" id="{03CC3037-2B9E-B44A-9D7E-2D9BBA3A186A}"/>
-              </a:ext>
-            </a:extLst>
-          </p:cNvPr>
-          <p:cNvPicPr>
-            <a:picLocks noChangeAspect="1"/>
-          </p:cNvPicPr>
+      <p:sp>
+        <p:nvSpPr>
+          <p:cNvPr id="3" name="Rectangle 2">
+            <a:extLst>
+              <a:ext uri="{FF2B5EF4-FFF2-40B4-BE49-F238E27FC236}">
+                <a16:creationId xmlns:a16="http://schemas.microsoft.com/office/drawing/2014/main" id="{36CF7F81-58DB-0A45-96A1-DA29611354AC}"/>
+              </a:ext>
+            </a:extLst>
+          </p:cNvPr>
+          <p:cNvSpPr/>
           <p:nvPr/>
-        </p:nvPicPr>
-        <p:blipFill>
-          <a:blip r:embed="rId2"/>
-          <a:stretch>
-            <a:fillRect/>
-          </a:stretch>
-        </p:blipFill>
+        </p:nvSpPr>
         <p:spPr>
           <a:xfrm>
-            <a:off x="2584450" y="2654300"/>
-            <a:ext cx="7023100" cy="1549400"/>
+            <a:off x="3006065" y="2957118"/>
+            <a:ext cx="924128" cy="428017"/>
+          </a:xfrm>
+          <a:prstGeom prst="rect">
+            <a:avLst/>
+          </a:prstGeom>
+          <a:solidFill>
+            <a:srgbClr val="D2A66C"/>
+          </a:solidFill>
+          <a:ln>
+            <a:noFill/>
+          </a:ln>
+        </p:spPr>
+        <p:style>
+          <a:lnRef idx="2">
+            <a:schemeClr val="accent1">
+              <a:shade val="50000"/>
+            </a:schemeClr>
+          </a:lnRef>
+          <a:fillRef idx="1">
+            <a:schemeClr val="accent1"/>
+          </a:fillRef>
+          <a:effectRef idx="0">
+            <a:schemeClr val="accent1"/>
+          </a:effectRef>
+          <a:fontRef idx="minor">
+            <a:schemeClr val="lt1"/>
+          </a:fontRef>
+        </p:style>
+        <p:txBody>
+          <a:bodyPr rtlCol="0" anchor="ctr"/>
+          <a:lstStyle/>
+          <a:p>
+            <a:pPr algn="ctr"/>
+            <a:r>
+              <a:rPr lang="en-TW" sz="1400" dirty="0">
+                <a:solidFill>
+                  <a:schemeClr val="bg1"/>
+                </a:solidFill>
+              </a:rPr>
+              <a:t>訓練模型</a:t>
+            </a:r>
+          </a:p>
+        </p:txBody>
+      </p:sp>
+      <p:sp>
+        <p:nvSpPr>
+          <p:cNvPr id="4" name="Rectangle 3">
+            <a:extLst>
+              <a:ext uri="{FF2B5EF4-FFF2-40B4-BE49-F238E27FC236}">
+                <a16:creationId xmlns:a16="http://schemas.microsoft.com/office/drawing/2014/main" id="{56C55BF6-2BBA-5D41-9485-56F0692A80B4}"/>
+              </a:ext>
+            </a:extLst>
+          </p:cNvPr>
+          <p:cNvSpPr/>
+          <p:nvPr/>
+        </p:nvSpPr>
+        <p:spPr>
+          <a:xfrm>
+            <a:off x="4320000" y="2957118"/>
+            <a:ext cx="924128" cy="428017"/>
+          </a:xfrm>
+          <a:prstGeom prst="rect">
+            <a:avLst/>
+          </a:prstGeom>
+          <a:solidFill>
+            <a:srgbClr val="D2A66C"/>
+          </a:solidFill>
+          <a:ln>
+            <a:noFill/>
+          </a:ln>
+        </p:spPr>
+        <p:style>
+          <a:lnRef idx="2">
+            <a:schemeClr val="accent1">
+              <a:shade val="50000"/>
+            </a:schemeClr>
+          </a:lnRef>
+          <a:fillRef idx="1">
+            <a:schemeClr val="accent1"/>
+          </a:fillRef>
+          <a:effectRef idx="0">
+            <a:schemeClr val="accent1"/>
+          </a:effectRef>
+          <a:fontRef idx="minor">
+            <a:schemeClr val="lt1"/>
+          </a:fontRef>
+        </p:style>
+        <p:txBody>
+          <a:bodyPr rtlCol="0" anchor="ctr"/>
+          <a:lstStyle/>
+          <a:p>
+            <a:pPr algn="ctr"/>
+            <a:r>
+              <a:rPr lang="en-TW" sz="1400" dirty="0">
+                <a:solidFill>
+                  <a:schemeClr val="bg1"/>
+                </a:solidFill>
+              </a:rPr>
+              <a:t>封裝模型</a:t>
+            </a:r>
+          </a:p>
+        </p:txBody>
+      </p:sp>
+      <p:sp>
+        <p:nvSpPr>
+          <p:cNvPr id="5" name="Rectangle 4">
+            <a:extLst>
+              <a:ext uri="{FF2B5EF4-FFF2-40B4-BE49-F238E27FC236}">
+                <a16:creationId xmlns:a16="http://schemas.microsoft.com/office/drawing/2014/main" id="{09C630C8-D75B-9243-AAF0-A0DABBD056AF}"/>
+              </a:ext>
+            </a:extLst>
+          </p:cNvPr>
+          <p:cNvSpPr/>
+          <p:nvPr/>
+        </p:nvSpPr>
+        <p:spPr>
+          <a:xfrm>
+            <a:off x="5633935" y="2957118"/>
+            <a:ext cx="924128" cy="428017"/>
+          </a:xfrm>
+          <a:prstGeom prst="rect">
+            <a:avLst/>
+          </a:prstGeom>
+          <a:solidFill>
+            <a:srgbClr val="D2A66C"/>
+          </a:solidFill>
+          <a:ln>
+            <a:noFill/>
+          </a:ln>
+        </p:spPr>
+        <p:style>
+          <a:lnRef idx="2">
+            <a:schemeClr val="accent1">
+              <a:shade val="50000"/>
+            </a:schemeClr>
+          </a:lnRef>
+          <a:fillRef idx="1">
+            <a:schemeClr val="accent1"/>
+          </a:fillRef>
+          <a:effectRef idx="0">
+            <a:schemeClr val="accent1"/>
+          </a:effectRef>
+          <a:fontRef idx="minor">
+            <a:schemeClr val="lt1"/>
+          </a:fontRef>
+        </p:style>
+        <p:txBody>
+          <a:bodyPr rtlCol="0" anchor="ctr"/>
+          <a:lstStyle/>
+          <a:p>
+            <a:pPr algn="ctr"/>
+            <a:r>
+              <a:rPr lang="en-TW" sz="1400" dirty="0">
+                <a:solidFill>
+                  <a:schemeClr val="bg1"/>
+                </a:solidFill>
+              </a:rPr>
+              <a:t>驗證模型</a:t>
+            </a:r>
+          </a:p>
+        </p:txBody>
+      </p:sp>
+      <p:sp>
+        <p:nvSpPr>
+          <p:cNvPr id="6" name="Rectangle 5">
+            <a:extLst>
+              <a:ext uri="{FF2B5EF4-FFF2-40B4-BE49-F238E27FC236}">
+                <a16:creationId xmlns:a16="http://schemas.microsoft.com/office/drawing/2014/main" id="{F3000A66-8B7E-6443-A3A5-9AD89EA74A2D}"/>
+              </a:ext>
+            </a:extLst>
+          </p:cNvPr>
+          <p:cNvSpPr/>
+          <p:nvPr/>
+        </p:nvSpPr>
+        <p:spPr>
+          <a:xfrm>
+            <a:off x="6947870" y="2957118"/>
+            <a:ext cx="924128" cy="428017"/>
+          </a:xfrm>
+          <a:prstGeom prst="rect">
+            <a:avLst/>
+          </a:prstGeom>
+          <a:solidFill>
+            <a:srgbClr val="D2A66C"/>
+          </a:solidFill>
+          <a:ln>
+            <a:noFill/>
+          </a:ln>
+        </p:spPr>
+        <p:style>
+          <a:lnRef idx="2">
+            <a:schemeClr val="accent1">
+              <a:shade val="50000"/>
+            </a:schemeClr>
+          </a:lnRef>
+          <a:fillRef idx="1">
+            <a:schemeClr val="accent1"/>
+          </a:fillRef>
+          <a:effectRef idx="0">
+            <a:schemeClr val="accent1"/>
+          </a:effectRef>
+          <a:fontRef idx="minor">
+            <a:schemeClr val="lt1"/>
+          </a:fontRef>
+        </p:style>
+        <p:txBody>
+          <a:bodyPr rtlCol="0" anchor="ctr"/>
+          <a:lstStyle/>
+          <a:p>
+            <a:pPr algn="ctr"/>
+            <a:r>
+              <a:rPr lang="en-TW" sz="1400" dirty="0">
+                <a:solidFill>
+                  <a:schemeClr val="bg1"/>
+                </a:solidFill>
+              </a:rPr>
+              <a:t>部署模型</a:t>
+            </a:r>
+          </a:p>
+        </p:txBody>
+      </p:sp>
+      <p:sp>
+        <p:nvSpPr>
+          <p:cNvPr id="7" name="Rectangle 6">
+            <a:extLst>
+              <a:ext uri="{FF2B5EF4-FFF2-40B4-BE49-F238E27FC236}">
+                <a16:creationId xmlns:a16="http://schemas.microsoft.com/office/drawing/2014/main" id="{D734CD94-0720-4940-95B4-BAE3ECDF6500}"/>
+              </a:ext>
+            </a:extLst>
+          </p:cNvPr>
+          <p:cNvSpPr/>
+          <p:nvPr/>
+        </p:nvSpPr>
+        <p:spPr>
+          <a:xfrm>
+            <a:off x="8261805" y="2957118"/>
+            <a:ext cx="924128" cy="428017"/>
+          </a:xfrm>
+          <a:prstGeom prst="rect">
+            <a:avLst/>
+          </a:prstGeom>
+          <a:solidFill>
+            <a:srgbClr val="D2A66C"/>
+          </a:solidFill>
+          <a:ln>
+            <a:noFill/>
+          </a:ln>
+        </p:spPr>
+        <p:style>
+          <a:lnRef idx="2">
+            <a:schemeClr val="accent1">
+              <a:shade val="50000"/>
+            </a:schemeClr>
+          </a:lnRef>
+          <a:fillRef idx="1">
+            <a:schemeClr val="accent1"/>
+          </a:fillRef>
+          <a:effectRef idx="0">
+            <a:schemeClr val="accent1"/>
+          </a:effectRef>
+          <a:fontRef idx="minor">
+            <a:schemeClr val="lt1"/>
+          </a:fontRef>
+        </p:style>
+        <p:txBody>
+          <a:bodyPr rtlCol="0" anchor="ctr"/>
+          <a:lstStyle/>
+          <a:p>
+            <a:pPr algn="ctr"/>
+            <a:r>
+              <a:rPr lang="en-TW" sz="1400" dirty="0">
+                <a:solidFill>
+                  <a:schemeClr val="bg1"/>
+                </a:solidFill>
+              </a:rPr>
+              <a:t>監控模型</a:t>
+            </a:r>
+          </a:p>
+        </p:txBody>
+      </p:sp>
+      <p:cxnSp>
+        <p:nvCxnSpPr>
+          <p:cNvPr id="8" name="Elbow Connector 7">
+            <a:extLst>
+              <a:ext uri="{FF2B5EF4-FFF2-40B4-BE49-F238E27FC236}">
+                <a16:creationId xmlns:a16="http://schemas.microsoft.com/office/drawing/2014/main" id="{0093B850-1B97-3D4B-A67E-BD2BA6BAD3F4}"/>
+              </a:ext>
+            </a:extLst>
+          </p:cNvPr>
+          <p:cNvCxnSpPr>
+            <a:cxnSpLocks/>
+            <a:stCxn id="7" idx="3"/>
+            <a:endCxn id="3" idx="0"/>
+          </p:cNvCxnSpPr>
+          <p:nvPr/>
+        </p:nvCxnSpPr>
+        <p:spPr>
+          <a:xfrm flipH="1" flipV="1">
+            <a:off x="3468129" y="2957118"/>
+            <a:ext cx="5717804" cy="214009"/>
+          </a:xfrm>
+          <a:prstGeom prst="bentConnector4">
+            <a:avLst>
+              <a:gd name="adj1" fmla="val -3998"/>
+              <a:gd name="adj2" fmla="val 206818"/>
+            </a:avLst>
+          </a:prstGeom>
+          <a:ln>
+            <a:solidFill>
+              <a:schemeClr val="accent2">
+                <a:lumMod val="50000"/>
+              </a:schemeClr>
+            </a:solidFill>
+            <a:prstDash val="dash"/>
+            <a:tailEnd type="triangle"/>
+          </a:ln>
+        </p:spPr>
+        <p:style>
+          <a:lnRef idx="1">
+            <a:schemeClr val="accent1"/>
+          </a:lnRef>
+          <a:fillRef idx="0">
+            <a:schemeClr val="accent1"/>
+          </a:fillRef>
+          <a:effectRef idx="0">
+            <a:schemeClr val="accent1"/>
+          </a:effectRef>
+          <a:fontRef idx="minor">
+            <a:schemeClr val="tx1"/>
+          </a:fontRef>
+        </p:style>
+      </p:cxnSp>
+      <p:sp>
+        <p:nvSpPr>
+          <p:cNvPr id="11" name="Rectangle 10">
+            <a:extLst>
+              <a:ext uri="{FF2B5EF4-FFF2-40B4-BE49-F238E27FC236}">
+                <a16:creationId xmlns:a16="http://schemas.microsoft.com/office/drawing/2014/main" id="{C6834FB7-0EC0-E347-9FC8-DFDC06F3B540}"/>
+              </a:ext>
+            </a:extLst>
+          </p:cNvPr>
+          <p:cNvSpPr/>
+          <p:nvPr/>
+        </p:nvSpPr>
+        <p:spPr>
+          <a:xfrm>
+            <a:off x="5554825" y="2372258"/>
+            <a:ext cx="1082348" cy="307777"/>
           </a:xfrm>
           <a:prstGeom prst="rect">
             <a:avLst/>
           </a:prstGeom>
         </p:spPr>
-      </p:pic>
+        <p:txBody>
+          <a:bodyPr wrap="none">
+            <a:spAutoFit/>
+          </a:bodyPr>
+          <a:lstStyle/>
+          <a:p>
+            <a:pPr algn="ctr"/>
+            <a:r>
+              <a:rPr lang="en-TW" sz="1400" b="1" dirty="0">
+                <a:solidFill>
+                  <a:schemeClr val="accent2">
+                    <a:lumMod val="50000"/>
+                  </a:schemeClr>
+                </a:solidFill>
+              </a:rPr>
+              <a:t>訓練新模型</a:t>
+            </a:r>
+          </a:p>
+        </p:txBody>
+      </p:sp>
+      <p:cxnSp>
+        <p:nvCxnSpPr>
+          <p:cNvPr id="12" name="Straight Arrow Connector 11">
+            <a:extLst>
+              <a:ext uri="{FF2B5EF4-FFF2-40B4-BE49-F238E27FC236}">
+                <a16:creationId xmlns:a16="http://schemas.microsoft.com/office/drawing/2014/main" id="{2BE383A1-607D-EE4D-AE01-2E14C9DEAA00}"/>
+              </a:ext>
+            </a:extLst>
+          </p:cNvPr>
+          <p:cNvCxnSpPr>
+            <a:cxnSpLocks/>
+            <a:stCxn id="3" idx="3"/>
+            <a:endCxn id="4" idx="1"/>
+          </p:cNvCxnSpPr>
+          <p:nvPr/>
+        </p:nvCxnSpPr>
+        <p:spPr>
+          <a:xfrm>
+            <a:off x="3930193" y="3171127"/>
+            <a:ext cx="389807" cy="0"/>
+          </a:xfrm>
+          <a:prstGeom prst="straightConnector1">
+            <a:avLst/>
+          </a:prstGeom>
+          <a:ln>
+            <a:solidFill>
+              <a:schemeClr val="accent2">
+                <a:lumMod val="50000"/>
+              </a:schemeClr>
+            </a:solidFill>
+            <a:tailEnd type="triangle"/>
+          </a:ln>
+        </p:spPr>
+        <p:style>
+          <a:lnRef idx="1">
+            <a:schemeClr val="dk1"/>
+          </a:lnRef>
+          <a:fillRef idx="0">
+            <a:schemeClr val="dk1"/>
+          </a:fillRef>
+          <a:effectRef idx="0">
+            <a:schemeClr val="dk1"/>
+          </a:effectRef>
+          <a:fontRef idx="minor">
+            <a:schemeClr val="tx1"/>
+          </a:fontRef>
+        </p:style>
+      </p:cxnSp>
+      <p:cxnSp>
+        <p:nvCxnSpPr>
+          <p:cNvPr id="16" name="Straight Arrow Connector 15">
+            <a:extLst>
+              <a:ext uri="{FF2B5EF4-FFF2-40B4-BE49-F238E27FC236}">
+                <a16:creationId xmlns:a16="http://schemas.microsoft.com/office/drawing/2014/main" id="{D1F5AD54-C841-A749-83FF-FC64B91A51D7}"/>
+              </a:ext>
+            </a:extLst>
+          </p:cNvPr>
+          <p:cNvCxnSpPr>
+            <a:cxnSpLocks/>
+            <a:stCxn id="4" idx="3"/>
+            <a:endCxn id="5" idx="1"/>
+          </p:cNvCxnSpPr>
+          <p:nvPr/>
+        </p:nvCxnSpPr>
+        <p:spPr>
+          <a:xfrm>
+            <a:off x="5244128" y="3171127"/>
+            <a:ext cx="389807" cy="0"/>
+          </a:xfrm>
+          <a:prstGeom prst="straightConnector1">
+            <a:avLst/>
+          </a:prstGeom>
+          <a:ln>
+            <a:solidFill>
+              <a:schemeClr val="accent2">
+                <a:lumMod val="50000"/>
+              </a:schemeClr>
+            </a:solidFill>
+            <a:tailEnd type="triangle"/>
+          </a:ln>
+        </p:spPr>
+        <p:style>
+          <a:lnRef idx="1">
+            <a:schemeClr val="dk1"/>
+          </a:lnRef>
+          <a:fillRef idx="0">
+            <a:schemeClr val="dk1"/>
+          </a:fillRef>
+          <a:effectRef idx="0">
+            <a:schemeClr val="dk1"/>
+          </a:effectRef>
+          <a:fontRef idx="minor">
+            <a:schemeClr val="tx1"/>
+          </a:fontRef>
+        </p:style>
+      </p:cxnSp>
+      <p:cxnSp>
+        <p:nvCxnSpPr>
+          <p:cNvPr id="19" name="Straight Arrow Connector 18">
+            <a:extLst>
+              <a:ext uri="{FF2B5EF4-FFF2-40B4-BE49-F238E27FC236}">
+                <a16:creationId xmlns:a16="http://schemas.microsoft.com/office/drawing/2014/main" id="{B6369EF9-9FB6-DF47-9332-2D2200DD7B13}"/>
+              </a:ext>
+            </a:extLst>
+          </p:cNvPr>
+          <p:cNvCxnSpPr>
+            <a:cxnSpLocks/>
+            <a:stCxn id="5" idx="3"/>
+            <a:endCxn id="6" idx="1"/>
+          </p:cNvCxnSpPr>
+          <p:nvPr/>
+        </p:nvCxnSpPr>
+        <p:spPr>
+          <a:xfrm>
+            <a:off x="6558063" y="3171127"/>
+            <a:ext cx="389807" cy="0"/>
+          </a:xfrm>
+          <a:prstGeom prst="straightConnector1">
+            <a:avLst/>
+          </a:prstGeom>
+          <a:ln>
+            <a:solidFill>
+              <a:schemeClr val="accent2">
+                <a:lumMod val="50000"/>
+              </a:schemeClr>
+            </a:solidFill>
+            <a:tailEnd type="triangle"/>
+          </a:ln>
+        </p:spPr>
+        <p:style>
+          <a:lnRef idx="1">
+            <a:schemeClr val="dk1"/>
+          </a:lnRef>
+          <a:fillRef idx="0">
+            <a:schemeClr val="dk1"/>
+          </a:fillRef>
+          <a:effectRef idx="0">
+            <a:schemeClr val="dk1"/>
+          </a:effectRef>
+          <a:fontRef idx="minor">
+            <a:schemeClr val="tx1"/>
+          </a:fontRef>
+        </p:style>
+      </p:cxnSp>
+      <p:cxnSp>
+        <p:nvCxnSpPr>
+          <p:cNvPr id="20" name="Straight Arrow Connector 19">
+            <a:extLst>
+              <a:ext uri="{FF2B5EF4-FFF2-40B4-BE49-F238E27FC236}">
+                <a16:creationId xmlns:a16="http://schemas.microsoft.com/office/drawing/2014/main" id="{7CC77153-E9E4-9644-8D04-F6BC65E99DC3}"/>
+              </a:ext>
+            </a:extLst>
+          </p:cNvPr>
+          <p:cNvCxnSpPr>
+            <a:cxnSpLocks/>
+            <a:stCxn id="6" idx="3"/>
+            <a:endCxn id="7" idx="1"/>
+          </p:cNvCxnSpPr>
+          <p:nvPr/>
+        </p:nvCxnSpPr>
+        <p:spPr>
+          <a:xfrm>
+            <a:off x="7871998" y="3171127"/>
+            <a:ext cx="389807" cy="0"/>
+          </a:xfrm>
+          <a:prstGeom prst="straightConnector1">
+            <a:avLst/>
+          </a:prstGeom>
+          <a:ln>
+            <a:solidFill>
+              <a:schemeClr val="accent2">
+                <a:lumMod val="50000"/>
+              </a:schemeClr>
+            </a:solidFill>
+            <a:tailEnd type="triangle"/>
+          </a:ln>
+        </p:spPr>
+        <p:style>
+          <a:lnRef idx="1">
+            <a:schemeClr val="dk1"/>
+          </a:lnRef>
+          <a:fillRef idx="0">
+            <a:schemeClr val="dk1"/>
+          </a:fillRef>
+          <a:effectRef idx="0">
+            <a:schemeClr val="dk1"/>
+          </a:effectRef>
+          <a:fontRef idx="minor">
+            <a:schemeClr val="tx1"/>
+          </a:fontRef>
+        </p:style>
+      </p:cxnSp>
       <p:grpSp>
         <p:nvGrpSpPr>
-          <p:cNvPr id="11" name="Group 10">
-            <a:extLst>
-              <a:ext uri="{FF2B5EF4-FFF2-40B4-BE49-F238E27FC236}">
-                <a16:creationId xmlns:a16="http://schemas.microsoft.com/office/drawing/2014/main" id="{395D5C14-2585-654C-8325-4843B4509272}"/>
+          <p:cNvPr id="25" name="Group 24">
+            <a:extLst>
+              <a:ext uri="{FF2B5EF4-FFF2-40B4-BE49-F238E27FC236}">
+                <a16:creationId xmlns:a16="http://schemas.microsoft.com/office/drawing/2014/main" id="{EF53E23A-E727-8046-915D-EE172C0CA6DE}"/>
               </a:ext>
             </a:extLst>
           </p:cNvPr>
@@ -3392,520 +3942,541 @@
         </p:nvGrpSpPr>
         <p:grpSpPr>
           <a:xfrm>
-            <a:off x="3360126" y="4324980"/>
-            <a:ext cx="2735874" cy="328935"/>
-            <a:chOff x="7237110" y="4273903"/>
-            <a:chExt cx="2735874" cy="328935"/>
+            <a:off x="3421489" y="3171126"/>
+            <a:ext cx="5764444" cy="1050587"/>
+            <a:chOff x="3360126" y="3971848"/>
+            <a:chExt cx="5764444" cy="1050587"/>
           </a:xfrm>
         </p:grpSpPr>
-        <p:sp>
-          <p:nvSpPr>
-            <p:cNvPr id="4" name="Intelligent Information Retrieval Laboratory">
+        <p:grpSp>
+          <p:nvGrpSpPr>
+            <p:cNvPr id="26" name="Group 25">
               <a:extLst>
                 <a:ext uri="{FF2B5EF4-FFF2-40B4-BE49-F238E27FC236}">
-                  <a16:creationId xmlns:a16="http://schemas.microsoft.com/office/drawing/2014/main" id="{FD1EBA3E-C4BD-894E-A37F-99EAB471B26E}"/>
+                  <a16:creationId xmlns:a16="http://schemas.microsoft.com/office/drawing/2014/main" id="{E810F8E2-7E2B-6F47-8B75-D17DB505AB99}"/>
                 </a:ext>
               </a:extLst>
             </p:cNvPr>
-            <p:cNvSpPr txBox="1"/>
+            <p:cNvGrpSpPr/>
             <p:nvPr/>
-          </p:nvSpPr>
-          <p:spPr>
+          </p:nvGrpSpPr>
+          <p:grpSpPr>
             <a:xfrm>
-              <a:off x="7237110" y="4273903"/>
-              <a:ext cx="2590800" cy="328935"/>
+              <a:off x="3360126" y="4324980"/>
+              <a:ext cx="2735874" cy="328935"/>
+              <a:chOff x="7237110" y="4273903"/>
+              <a:chExt cx="2735874" cy="328935"/>
             </a:xfrm>
-            <a:prstGeom prst="rect">
-              <a:avLst/>
-            </a:prstGeom>
-            <a:noFill/>
-            <a:ln w="12700" cap="flat">
+          </p:grpSpPr>
+          <p:sp>
+            <p:nvSpPr>
+              <p:cNvPr id="31" name="Intelligent Information Retrieval Laboratory">
+                <a:extLst>
+                  <a:ext uri="{FF2B5EF4-FFF2-40B4-BE49-F238E27FC236}">
+                    <a16:creationId xmlns:a16="http://schemas.microsoft.com/office/drawing/2014/main" id="{B92D050D-9DE9-D546-B4C5-3B1DCD29B323}"/>
+                  </a:ext>
+                </a:extLst>
+              </p:cNvPr>
+              <p:cNvSpPr txBox="1"/>
+              <p:nvPr/>
+            </p:nvSpPr>
+            <p:spPr>
+              <a:xfrm>
+                <a:off x="7237110" y="4273903"/>
+                <a:ext cx="2590800" cy="328935"/>
+              </a:xfrm>
+              <a:prstGeom prst="rect">
+                <a:avLst/>
+              </a:prstGeom>
               <a:noFill/>
-              <a:miter lim="400000"/>
-            </a:ln>
-            <a:effectLst/>
-            <a:extLst>
-              <a:ext uri="{C572A759-6A51-4108-AA02-DFA0A04FC94B}">
-                <ma14:wrappingTextBoxFlag xmlns="" xmlns:m="http://schemas.openxmlformats.org/officeDocument/2006/math" xmlns:a14="http://schemas.microsoft.com/office/drawing/2010/main" xmlns:ma14="http://schemas.microsoft.com/office/mac/drawingml/2011/main" val="1"/>
-              </a:ext>
-            </a:extLst>
-          </p:spPr>
-          <p:txBody>
-            <a:bodyPr wrap="square" lIns="71437" tIns="71437" rIns="71437" bIns="71437" numCol="1" anchor="ctr">
-              <a:spAutoFit/>
-            </a:bodyPr>
-            <a:lstStyle>
-              <a:lvl1pPr algn="l" defTabSz="821531">
-                <a:defRPr sz="2400" b="0">
-                  <a:solidFill>
-                    <a:srgbClr val="FFFFFF"/>
-                  </a:solidFill>
-                  <a:latin typeface="Helvetica Neue Bold Condensed"/>
-                  <a:ea typeface="Helvetica Neue Bold Condensed"/>
-                  <a:cs typeface="Helvetica Neue Bold Condensed"/>
-                  <a:sym typeface="Helvetica Neue Bold Condensed"/>
-                </a:defRPr>
-              </a:lvl1pPr>
-            </a:lstStyle>
-            <a:p>
-              <a:r>
-                <a:rPr kumimoji="0" lang="zh-TW" altLang="en-US" sz="1050" b="0" i="0" u="none" strike="noStrike" cap="none" spc="0" normalizeH="0" baseline="0" dirty="0">
-                  <a:ln>
-                    <a:noFill/>
-                  </a:ln>
+              <a:ln w="12700" cap="flat">
+                <a:noFill/>
+                <a:miter lim="400000"/>
+              </a:ln>
+              <a:effectLst/>
+              <a:extLst>
+                <a:ext uri="{C572A759-6A51-4108-AA02-DFA0A04FC94B}">
+                  <ma14:wrappingTextBoxFlag xmlns:ma14="http://schemas.microsoft.com/office/mac/drawingml/2011/main" xmlns:a14="http://schemas.microsoft.com/office/drawing/2010/main" xmlns:m="http://schemas.openxmlformats.org/officeDocument/2006/math" xmlns="" val="1"/>
+                </a:ext>
+              </a:extLst>
+            </p:spPr>
+            <p:txBody>
+              <a:bodyPr wrap="square" lIns="71437" tIns="71437" rIns="71437" bIns="71437" numCol="1" anchor="ctr">
+                <a:spAutoFit/>
+              </a:bodyPr>
+              <a:lstStyle>
+                <a:lvl1pPr algn="l" defTabSz="821531">
+                  <a:defRPr sz="2400" b="0">
+                    <a:solidFill>
+                      <a:srgbClr val="FFFFFF"/>
+                    </a:solidFill>
+                    <a:latin typeface="Helvetica Neue Bold Condensed"/>
+                    <a:ea typeface="Helvetica Neue Bold Condensed"/>
+                    <a:cs typeface="Helvetica Neue Bold Condensed"/>
+                    <a:sym typeface="Helvetica Neue Bold Condensed"/>
+                  </a:defRPr>
+                </a:lvl1pPr>
+              </a:lstStyle>
+              <a:p>
+                <a:r>
+                  <a:rPr kumimoji="0" lang="zh-TW" altLang="en-US" sz="1050" b="0" i="0" u="none" strike="noStrike" cap="none" spc="0" normalizeH="0" baseline="0" dirty="0">
+                    <a:ln>
+                      <a:noFill/>
+                    </a:ln>
+                    <a:solidFill>
+                      <a:schemeClr val="tx1">
+                        <a:alpha val="15000"/>
+                      </a:schemeClr>
+                    </a:solidFill>
+                    <a:effectLst/>
+                    <a:uFillTx/>
+                    <a:latin typeface="Helvetica Neue Bold Condensed"/>
+                    <a:ea typeface="Helvetica Neue Bold Condensed"/>
+                    <a:cs typeface="Helvetica Neue Bold Condensed"/>
+                    <a:sym typeface="Helvetica Neue Bold Condensed"/>
+                  </a:rPr>
+                  <a:t>第</a:t>
+                </a:r>
+                <a:r>
+                  <a:rPr kumimoji="0" lang="en-US" altLang="zh-TW" sz="1050" b="0" i="0" u="none" strike="noStrike" cap="none" spc="0" normalizeH="0" baseline="0" dirty="0">
+                    <a:ln>
+                      <a:noFill/>
+                    </a:ln>
+                    <a:solidFill>
+                      <a:schemeClr val="tx1">
+                        <a:alpha val="15000"/>
+                      </a:schemeClr>
+                    </a:solidFill>
+                    <a:effectLst/>
+                    <a:uFillTx/>
+                    <a:latin typeface="Helvetica Neue Bold Condensed"/>
+                    <a:ea typeface="Helvetica Neue Bold Condensed"/>
+                    <a:cs typeface="Helvetica Neue Bold Condensed"/>
+                    <a:sym typeface="Helvetica Neue Bold Condensed"/>
+                  </a:rPr>
+                  <a:t>13</a:t>
+                </a:r>
+                <a:r>
+                  <a:rPr kumimoji="0" lang="zh-TW" altLang="en-US" sz="1050" b="0" i="0" u="none" strike="noStrike" cap="none" spc="0" normalizeH="0" baseline="0" dirty="0">
+                    <a:ln>
+                      <a:noFill/>
+                    </a:ln>
+                    <a:solidFill>
+                      <a:schemeClr val="tx1">
+                        <a:alpha val="15000"/>
+                      </a:schemeClr>
+                    </a:solidFill>
+                    <a:effectLst/>
+                    <a:uFillTx/>
+                    <a:latin typeface="Helvetica Neue Bold Condensed"/>
+                    <a:ea typeface="Helvetica Neue Bold Condensed"/>
+                    <a:cs typeface="Helvetica Neue Bold Condensed"/>
+                    <a:sym typeface="Helvetica Neue Bold Condensed"/>
+                  </a:rPr>
+                  <a:t>屆 </a:t>
+                </a:r>
+                <a:r>
+                  <a:rPr kumimoji="0" lang="en-US" sz="1200" b="0" i="0" u="none" strike="noStrike" cap="none" spc="0" normalizeH="0" baseline="0" dirty="0">
+                    <a:ln>
+                      <a:noFill/>
+                    </a:ln>
+                    <a:solidFill>
+                      <a:schemeClr val="tx1">
+                        <a:alpha val="15000"/>
+                      </a:schemeClr>
+                    </a:solidFill>
+                    <a:effectLst/>
+                    <a:uFillTx/>
+                    <a:latin typeface="Helvetica Neue Bold Condensed"/>
+                    <a:ea typeface="Helvetica Neue Bold Condensed"/>
+                    <a:cs typeface="Helvetica Neue Bold Condensed"/>
+                    <a:sym typeface="Helvetica Neue Bold Condensed"/>
+                  </a:rPr>
+                  <a:t>iT</a:t>
+                </a:r>
+                <a:r>
+                  <a:rPr kumimoji="0" lang="zh-TW" altLang="en-US" sz="1100" b="0" i="0" u="none" strike="noStrike" cap="none" spc="0" normalizeH="0" baseline="0" dirty="0">
+                    <a:ln>
+                      <a:noFill/>
+                    </a:ln>
+                    <a:solidFill>
+                      <a:schemeClr val="tx1">
+                        <a:alpha val="15000"/>
+                      </a:schemeClr>
+                    </a:solidFill>
+                    <a:effectLst/>
+                    <a:uFillTx/>
+                    <a:latin typeface="Helvetica Neue Bold Condensed"/>
+                    <a:ea typeface="Helvetica Neue Bold Condensed"/>
+                    <a:cs typeface="Helvetica Neue Bold Condensed"/>
+                    <a:sym typeface="Helvetica Neue Bold Condensed"/>
+                  </a:rPr>
+                  <a:t>邦</a:t>
+                </a:r>
+                <a:r>
+                  <a:rPr kumimoji="0" lang="zh-TW" altLang="en-US" sz="1000" b="0" i="0" u="none" strike="noStrike" cap="none" spc="0" normalizeH="0" baseline="0" dirty="0">
+                    <a:ln>
+                      <a:noFill/>
+                    </a:ln>
+                    <a:solidFill>
+                      <a:schemeClr val="tx1">
+                        <a:alpha val="15000"/>
+                      </a:schemeClr>
+                    </a:solidFill>
+                    <a:effectLst/>
+                    <a:uFillTx/>
+                    <a:latin typeface="Helvetica Neue Bold Condensed"/>
+                    <a:ea typeface="Helvetica Neue Bold Condensed"/>
+                    <a:cs typeface="Helvetica Neue Bold Condensed"/>
+                    <a:sym typeface="Helvetica Neue Bold Condensed"/>
+                  </a:rPr>
+                  <a:t>幫忙</a:t>
+                </a:r>
+                <a:r>
+                  <a:rPr kumimoji="0" lang="zh-TW" altLang="en-US" sz="1100" b="0" i="0" u="none" strike="noStrike" cap="none" spc="0" normalizeH="0" baseline="0" dirty="0">
+                    <a:ln>
+                      <a:noFill/>
+                    </a:ln>
+                    <a:solidFill>
+                      <a:schemeClr val="tx1">
+                        <a:alpha val="15000"/>
+                      </a:schemeClr>
+                    </a:solidFill>
+                    <a:effectLst/>
+                    <a:uFillTx/>
+                    <a:latin typeface="Helvetica Neue Bold Condensed"/>
+                    <a:ea typeface="Helvetica Neue Bold Condensed"/>
+                    <a:cs typeface="Helvetica Neue Bold Condensed"/>
+                    <a:sym typeface="Helvetica Neue Bold Condensed"/>
+                  </a:rPr>
+                  <a:t> 鐵人賽</a:t>
+                </a:r>
+                <a:endParaRPr sz="1100" dirty="0">
                   <a:solidFill>
                     <a:schemeClr val="tx1">
                       <a:alpha val="15000"/>
                     </a:schemeClr>
                   </a:solidFill>
-                  <a:effectLst/>
-                  <a:uFillTx/>
-                  <a:latin typeface="Helvetica Neue Bold Condensed"/>
-                  <a:ea typeface="Helvetica Neue Bold Condensed"/>
-                  <a:cs typeface="Helvetica Neue Bold Condensed"/>
-                  <a:sym typeface="Helvetica Neue Bold Condensed"/>
-                </a:rPr>
-                <a:t>第</a:t>
-              </a:r>
-              <a:r>
-                <a:rPr kumimoji="0" lang="en-US" altLang="zh-TW" sz="1050" b="0" i="0" u="none" strike="noStrike" cap="none" spc="0" normalizeH="0" baseline="0" dirty="0">
-                  <a:ln>
-                    <a:noFill/>
-                  </a:ln>
+                </a:endParaRPr>
+              </a:p>
+            </p:txBody>
+          </p:sp>
+          <p:sp>
+            <p:nvSpPr>
+              <p:cNvPr id="32" name="Intelligent Information Retrieval Laboratory">
+                <a:extLst>
+                  <a:ext uri="{FF2B5EF4-FFF2-40B4-BE49-F238E27FC236}">
+                    <a16:creationId xmlns:a16="http://schemas.microsoft.com/office/drawing/2014/main" id="{8A993E8F-3D8B-AF4D-9A82-DF6A79D4AB4C}"/>
+                  </a:ext>
+                </a:extLst>
+              </p:cNvPr>
+              <p:cNvSpPr txBox="1"/>
+              <p:nvPr/>
+            </p:nvSpPr>
+            <p:spPr>
+              <a:xfrm>
+                <a:off x="8753784" y="4289292"/>
+                <a:ext cx="1219200" cy="313546"/>
+              </a:xfrm>
+              <a:prstGeom prst="rect">
+                <a:avLst/>
+              </a:prstGeom>
+              <a:noFill/>
+              <a:ln w="12700" cap="flat">
+                <a:noFill/>
+                <a:miter lim="400000"/>
+              </a:ln>
+              <a:effectLst/>
+              <a:extLst>
+                <a:ext uri="{C572A759-6A51-4108-AA02-DFA0A04FC94B}">
+                  <ma14:wrappingTextBoxFlag xmlns:ma14="http://schemas.microsoft.com/office/mac/drawingml/2011/main" xmlns:a14="http://schemas.microsoft.com/office/drawing/2010/main" xmlns:m="http://schemas.openxmlformats.org/officeDocument/2006/math" xmlns="" val="1"/>
+                </a:ext>
+              </a:extLst>
+            </p:spPr>
+            <p:txBody>
+              <a:bodyPr wrap="square" lIns="71437" tIns="71437" rIns="71437" bIns="71437" numCol="1" anchor="ctr">
+                <a:spAutoFit/>
+              </a:bodyPr>
+              <a:lstStyle>
+                <a:lvl1pPr algn="l" defTabSz="821531">
+                  <a:defRPr sz="2400" b="0">
+                    <a:solidFill>
+                      <a:srgbClr val="FFFFFF"/>
+                    </a:solidFill>
+                    <a:latin typeface="Helvetica Neue Bold Condensed"/>
+                    <a:ea typeface="Helvetica Neue Bold Condensed"/>
+                    <a:cs typeface="Helvetica Neue Bold Condensed"/>
+                    <a:sym typeface="Helvetica Neue Bold Condensed"/>
+                  </a:defRPr>
+                </a:lvl1pPr>
+              </a:lstStyle>
+              <a:p>
+                <a:r>
+                  <a:rPr kumimoji="0" lang="en-US" altLang="zh-TW" sz="1050" b="0" i="0" u="none" strike="noStrike" cap="none" spc="0" normalizeH="0" baseline="0" dirty="0">
+                    <a:ln>
+                      <a:noFill/>
+                    </a:ln>
+                    <a:solidFill>
+                      <a:schemeClr val="tx1">
+                        <a:alpha val="15000"/>
+                      </a:schemeClr>
+                    </a:solidFill>
+                    <a:effectLst/>
+                    <a:uFillTx/>
+                    <a:latin typeface="Helvetica Neue Bold Condensed"/>
+                    <a:ea typeface="Helvetica Neue Bold Condensed"/>
+                    <a:cs typeface="Helvetica Neue Bold Condensed"/>
+                    <a:sym typeface="Helvetica Neue Bold Condensed"/>
+                  </a:rPr>
+                  <a:t>AI &amp; Data </a:t>
+                </a:r>
+                <a:r>
+                  <a:rPr kumimoji="0" lang="zh-TW" altLang="en-US" sz="1050" b="0" i="0" u="none" strike="noStrike" cap="none" spc="0" normalizeH="0" baseline="0" dirty="0">
+                    <a:ln>
+                      <a:noFill/>
+                    </a:ln>
+                    <a:solidFill>
+                      <a:schemeClr val="tx1">
+                        <a:alpha val="15000"/>
+                      </a:schemeClr>
+                    </a:solidFill>
+                    <a:effectLst/>
+                    <a:uFillTx/>
+                    <a:latin typeface="Helvetica Neue Bold Condensed"/>
+                    <a:ea typeface="Helvetica Neue Bold Condensed"/>
+                    <a:cs typeface="Helvetica Neue Bold Condensed"/>
+                    <a:sym typeface="Helvetica Neue Bold Condensed"/>
+                  </a:rPr>
+                  <a:t>組</a:t>
+                </a:r>
+                <a:endParaRPr sz="1100" dirty="0">
                   <a:solidFill>
                     <a:schemeClr val="tx1">
                       <a:alpha val="15000"/>
                     </a:schemeClr>
                   </a:solidFill>
-                  <a:effectLst/>
-                  <a:uFillTx/>
-                  <a:latin typeface="Helvetica Neue Bold Condensed"/>
-                  <a:ea typeface="Helvetica Neue Bold Condensed"/>
-                  <a:cs typeface="Helvetica Neue Bold Condensed"/>
-                  <a:sym typeface="Helvetica Neue Bold Condensed"/>
-                </a:rPr>
-                <a:t>13</a:t>
-              </a:r>
-              <a:r>
-                <a:rPr kumimoji="0" lang="zh-TW" altLang="en-US" sz="1050" b="0" i="0" u="none" strike="noStrike" cap="none" spc="0" normalizeH="0" baseline="0" dirty="0">
-                  <a:ln>
-                    <a:noFill/>
-                  </a:ln>
+                </a:endParaRPr>
+              </a:p>
+            </p:txBody>
+          </p:sp>
+        </p:grpSp>
+        <p:grpSp>
+          <p:nvGrpSpPr>
+            <p:cNvPr id="27" name="Group 26">
+              <a:extLst>
+                <a:ext uri="{FF2B5EF4-FFF2-40B4-BE49-F238E27FC236}">
+                  <a16:creationId xmlns:a16="http://schemas.microsoft.com/office/drawing/2014/main" id="{67169C39-0B00-8C48-BA0B-C5D1B983C2EF}"/>
+                </a:ext>
+              </a:extLst>
+            </p:cNvPr>
+            <p:cNvGrpSpPr/>
+            <p:nvPr/>
+          </p:nvGrpSpPr>
+          <p:grpSpPr>
+            <a:xfrm>
+              <a:off x="7247835" y="3971848"/>
+              <a:ext cx="1876735" cy="1050587"/>
+              <a:chOff x="3891792" y="3940042"/>
+              <a:chExt cx="1876735" cy="1050587"/>
+            </a:xfrm>
+          </p:grpSpPr>
+          <p:pic>
+            <p:nvPicPr>
+              <p:cNvPr id="28" name="Picture 27">
+                <a:extLst>
+                  <a:ext uri="{FF2B5EF4-FFF2-40B4-BE49-F238E27FC236}">
+                    <a16:creationId xmlns:a16="http://schemas.microsoft.com/office/drawing/2014/main" id="{4F1C04F3-DEDC-594C-BE52-5FF7A2D082A6}"/>
+                  </a:ext>
+                </a:extLst>
+              </p:cNvPr>
+              <p:cNvPicPr>
+                <a:picLocks noChangeAspect="1" noChangeArrowheads="1"/>
+              </p:cNvPicPr>
+              <p:nvPr/>
+            </p:nvPicPr>
+            <p:blipFill>
+              <a:blip r:embed="rId2">
+                <a:duotone>
+                  <a:prstClr val="black"/>
+                  <a:schemeClr val="tx1">
+                    <a:tint val="45000"/>
+                    <a:satMod val="400000"/>
+                  </a:schemeClr>
+                </a:duotone>
+                <a:alphaModFix amt="20000"/>
+              </a:blip>
+              <a:srcRect/>
+              <a:stretch/>
+            </p:blipFill>
+            <p:spPr bwMode="auto">
+              <a:xfrm>
+                <a:off x="4489805" y="3940042"/>
+                <a:ext cx="1050587" cy="1050587"/>
+              </a:xfrm>
+              <a:prstGeom prst="rect">
+                <a:avLst/>
+              </a:prstGeom>
+              <a:noFill/>
+              <a:extLst>
+                <a:ext uri="{909E8E84-426E-40DD-AFC4-6F175D3DCCD1}">
+                  <a14:hiddenFill xmlns:a14="http://schemas.microsoft.com/office/drawing/2010/main">
+                    <a:solidFill>
+                      <a:srgbClr val="FFFFFF"/>
+                    </a:solidFill>
+                  </a14:hiddenFill>
+                </a:ext>
+              </a:extLst>
+            </p:spPr>
+          </p:pic>
+          <p:pic>
+            <p:nvPicPr>
+              <p:cNvPr id="29" name="Picture 4" descr="Youtube logo | Logok">
+                <a:extLst>
+                  <a:ext uri="{FF2B5EF4-FFF2-40B4-BE49-F238E27FC236}">
+                    <a16:creationId xmlns:a16="http://schemas.microsoft.com/office/drawing/2014/main" id="{BE0960AC-6DD5-8F4B-90F8-FA4873CB5066}"/>
+                  </a:ext>
+                </a:extLst>
+              </p:cNvPr>
+              <p:cNvPicPr>
+                <a:picLocks noChangeAspect="1" noChangeArrowheads="1"/>
+              </p:cNvPicPr>
+              <p:nvPr/>
+            </p:nvPicPr>
+            <p:blipFill>
+              <a:blip r:embed="rId3">
+                <a:alphaModFix amt="20000"/>
+                <a:extLst>
+                  <a:ext uri="{28A0092B-C50C-407E-A947-70E740481C1C}">
+                    <a14:useLocalDpi xmlns:a14="http://schemas.microsoft.com/office/drawing/2010/main" val="0"/>
+                  </a:ext>
+                </a:extLst>
+              </a:blip>
+              <a:srcRect/>
+              <a:stretch>
+                <a:fillRect/>
+              </a:stretch>
+            </p:blipFill>
+            <p:spPr bwMode="auto">
+              <a:xfrm>
+                <a:off x="3891792" y="4187926"/>
+                <a:ext cx="739756" cy="554817"/>
+              </a:xfrm>
+              <a:prstGeom prst="rect">
+                <a:avLst/>
+              </a:prstGeom>
+              <a:noFill/>
+              <a:extLst>
+                <a:ext uri="{909E8E84-426E-40DD-AFC4-6F175D3DCCD1}">
+                  <a14:hiddenFill xmlns:a14="http://schemas.microsoft.com/office/drawing/2010/main">
+                    <a:solidFill>
+                      <a:srgbClr val="FFFFFF"/>
+                    </a:solidFill>
+                  </a14:hiddenFill>
+                </a:ext>
+              </a:extLst>
+            </p:spPr>
+          </p:pic>
+          <p:sp>
+            <p:nvSpPr>
+              <p:cNvPr id="30" name="Intelligent Information Retrieval Laboratory">
+                <a:extLst>
+                  <a:ext uri="{FF2B5EF4-FFF2-40B4-BE49-F238E27FC236}">
+                    <a16:creationId xmlns:a16="http://schemas.microsoft.com/office/drawing/2014/main" id="{45C25828-A93D-8B44-9907-B1F696FAA8E0}"/>
+                  </a:ext>
+                </a:extLst>
+              </p:cNvPr>
+              <p:cNvSpPr txBox="1"/>
+              <p:nvPr/>
+            </p:nvSpPr>
+            <p:spPr>
+              <a:xfrm>
+                <a:off x="4549327" y="4308601"/>
+                <a:ext cx="1219200" cy="328935"/>
+              </a:xfrm>
+              <a:prstGeom prst="rect">
+                <a:avLst/>
+              </a:prstGeom>
+              <a:noFill/>
+              <a:ln w="12700" cap="flat">
+                <a:noFill/>
+                <a:miter lim="400000"/>
+              </a:ln>
+              <a:effectLst/>
+              <a:extLst>
+                <a:ext uri="{C572A759-6A51-4108-AA02-DFA0A04FC94B}">
+                  <ma14:wrappingTextBoxFlag xmlns:ma14="http://schemas.microsoft.com/office/mac/drawingml/2011/main" xmlns:a14="http://schemas.microsoft.com/office/drawing/2010/main" xmlns:m="http://schemas.openxmlformats.org/officeDocument/2006/math" xmlns="" val="1"/>
+                </a:ext>
+              </a:extLst>
+            </p:spPr>
+            <p:txBody>
+              <a:bodyPr wrap="square" lIns="71437" tIns="71437" rIns="71437" bIns="71437" numCol="1" anchor="ctr">
+                <a:spAutoFit/>
+              </a:bodyPr>
+              <a:lstStyle>
+                <a:lvl1pPr algn="l" defTabSz="821531">
+                  <a:defRPr sz="2400" b="0">
+                    <a:solidFill>
+                      <a:srgbClr val="FFFFFF"/>
+                    </a:solidFill>
+                    <a:latin typeface="Helvetica Neue Bold Condensed"/>
+                    <a:ea typeface="Helvetica Neue Bold Condensed"/>
+                    <a:cs typeface="Helvetica Neue Bold Condensed"/>
+                    <a:sym typeface="Helvetica Neue Bold Condensed"/>
+                  </a:defRPr>
+                </a:lvl1pPr>
+              </a:lstStyle>
+              <a:p>
+                <a:r>
+                  <a:rPr kumimoji="0" lang="en-US" altLang="zh-TW" sz="1200" b="0" i="0" u="none" strike="noStrike" cap="none" spc="0" normalizeH="0" baseline="0" dirty="0">
+                    <a:ln>
+                      <a:noFill/>
+                    </a:ln>
+                    <a:solidFill>
+                      <a:schemeClr val="tx1">
+                        <a:alpha val="15000"/>
+                      </a:schemeClr>
+                    </a:solidFill>
+                    <a:effectLst/>
+                    <a:uFillTx/>
+                    <a:latin typeface="Helvetica Neue Bold Condensed"/>
+                    <a:ea typeface="Helvetica Neue Bold Condensed"/>
+                    <a:cs typeface="Helvetica Neue Bold Condensed"/>
+                    <a:sym typeface="Helvetica Neue Bold Condensed"/>
+                  </a:rPr>
+                  <a:t>10</a:t>
+                </a:r>
+                <a:r>
+                  <a:rPr kumimoji="0" lang="zh-TW" altLang="en-US" sz="1200" b="0" i="0" u="none" strike="noStrike" cap="none" spc="0" normalizeH="0" baseline="0" dirty="0">
+                    <a:ln>
+                      <a:noFill/>
+                    </a:ln>
+                    <a:solidFill>
+                      <a:schemeClr val="tx1">
+                        <a:alpha val="15000"/>
+                      </a:schemeClr>
+                    </a:solidFill>
+                    <a:effectLst/>
+                    <a:uFillTx/>
+                    <a:sym typeface="Helvetica Neue Bold Condensed"/>
+                  </a:rPr>
+                  <a:t>程式中</a:t>
+                </a:r>
+                <a:endParaRPr sz="1400" dirty="0">
                   <a:solidFill>
                     <a:schemeClr val="tx1">
                       <a:alpha val="15000"/>
                     </a:schemeClr>
                   </a:solidFill>
-                  <a:effectLst/>
-                  <a:uFillTx/>
-                  <a:latin typeface="Helvetica Neue Bold Condensed"/>
-                  <a:ea typeface="Helvetica Neue Bold Condensed"/>
-                  <a:cs typeface="Helvetica Neue Bold Condensed"/>
-                  <a:sym typeface="Helvetica Neue Bold Condensed"/>
-                </a:rPr>
-                <a:t>屆 </a:t>
-              </a:r>
-              <a:r>
-                <a:rPr kumimoji="0" lang="en-US" sz="1200" b="0" i="0" u="none" strike="noStrike" cap="none" spc="0" normalizeH="0" baseline="0" dirty="0">
-                  <a:ln>
-                    <a:noFill/>
-                  </a:ln>
-                  <a:solidFill>
-                    <a:schemeClr val="tx1">
-                      <a:alpha val="15000"/>
-                    </a:schemeClr>
-                  </a:solidFill>
-                  <a:effectLst/>
-                  <a:uFillTx/>
-                  <a:latin typeface="Helvetica Neue Bold Condensed"/>
-                  <a:ea typeface="Helvetica Neue Bold Condensed"/>
-                  <a:cs typeface="Helvetica Neue Bold Condensed"/>
-                  <a:sym typeface="Helvetica Neue Bold Condensed"/>
-                </a:rPr>
-                <a:t>iT</a:t>
-              </a:r>
-              <a:r>
-                <a:rPr kumimoji="0" lang="zh-TW" altLang="en-US" sz="1100" b="0" i="0" u="none" strike="noStrike" cap="none" spc="0" normalizeH="0" baseline="0" dirty="0">
-                  <a:ln>
-                    <a:noFill/>
-                  </a:ln>
-                  <a:solidFill>
-                    <a:schemeClr val="tx1">
-                      <a:alpha val="15000"/>
-                    </a:schemeClr>
-                  </a:solidFill>
-                  <a:effectLst/>
-                  <a:uFillTx/>
-                  <a:latin typeface="Helvetica Neue Bold Condensed"/>
-                  <a:ea typeface="Helvetica Neue Bold Condensed"/>
-                  <a:cs typeface="Helvetica Neue Bold Condensed"/>
-                  <a:sym typeface="Helvetica Neue Bold Condensed"/>
-                </a:rPr>
-                <a:t>邦</a:t>
-              </a:r>
-              <a:r>
-                <a:rPr kumimoji="0" lang="zh-TW" altLang="en-US" sz="1000" b="0" i="0" u="none" strike="noStrike" cap="none" spc="0" normalizeH="0" baseline="0" dirty="0">
-                  <a:ln>
-                    <a:noFill/>
-                  </a:ln>
-                  <a:solidFill>
-                    <a:schemeClr val="tx1">
-                      <a:alpha val="15000"/>
-                    </a:schemeClr>
-                  </a:solidFill>
-                  <a:effectLst/>
-                  <a:uFillTx/>
-                  <a:latin typeface="Helvetica Neue Bold Condensed"/>
-                  <a:ea typeface="Helvetica Neue Bold Condensed"/>
-                  <a:cs typeface="Helvetica Neue Bold Condensed"/>
-                  <a:sym typeface="Helvetica Neue Bold Condensed"/>
-                </a:rPr>
-                <a:t>幫忙</a:t>
-              </a:r>
-              <a:r>
-                <a:rPr kumimoji="0" lang="zh-TW" altLang="en-US" sz="1100" b="0" i="0" u="none" strike="noStrike" cap="none" spc="0" normalizeH="0" baseline="0" dirty="0">
-                  <a:ln>
-                    <a:noFill/>
-                  </a:ln>
-                  <a:solidFill>
-                    <a:schemeClr val="tx1">
-                      <a:alpha val="15000"/>
-                    </a:schemeClr>
-                  </a:solidFill>
-                  <a:effectLst/>
-                  <a:uFillTx/>
-                  <a:latin typeface="Helvetica Neue Bold Condensed"/>
-                  <a:ea typeface="Helvetica Neue Bold Condensed"/>
-                  <a:cs typeface="Helvetica Neue Bold Condensed"/>
-                  <a:sym typeface="Helvetica Neue Bold Condensed"/>
-                </a:rPr>
-                <a:t> 鐵人賽</a:t>
-              </a:r>
-              <a:endParaRPr sz="1100" dirty="0">
-                <a:solidFill>
-                  <a:schemeClr val="tx1">
-                    <a:alpha val="15000"/>
-                  </a:schemeClr>
-                </a:solidFill>
-              </a:endParaRPr>
-            </a:p>
-          </p:txBody>
-        </p:sp>
-        <p:sp>
-          <p:nvSpPr>
-            <p:cNvPr id="5" name="Intelligent Information Retrieval Laboratory">
-              <a:extLst>
-                <a:ext uri="{FF2B5EF4-FFF2-40B4-BE49-F238E27FC236}">
-                  <a16:creationId xmlns:a16="http://schemas.microsoft.com/office/drawing/2014/main" id="{DD72F14E-6424-324C-88BC-350DE4E71C25}"/>
-                </a:ext>
-              </a:extLst>
-            </p:cNvPr>
-            <p:cNvSpPr txBox="1"/>
-            <p:nvPr/>
-          </p:nvSpPr>
-          <p:spPr>
-            <a:xfrm>
-              <a:off x="8753784" y="4289292"/>
-              <a:ext cx="1219200" cy="313546"/>
-            </a:xfrm>
-            <a:prstGeom prst="rect">
-              <a:avLst/>
-            </a:prstGeom>
-            <a:noFill/>
-            <a:ln w="12700" cap="flat">
-              <a:noFill/>
-              <a:miter lim="400000"/>
-            </a:ln>
-            <a:effectLst/>
-            <a:extLst>
-              <a:ext uri="{C572A759-6A51-4108-AA02-DFA0A04FC94B}">
-                <ma14:wrappingTextBoxFlag xmlns="" xmlns:m="http://schemas.openxmlformats.org/officeDocument/2006/math" xmlns:a14="http://schemas.microsoft.com/office/drawing/2010/main" xmlns:ma14="http://schemas.microsoft.com/office/mac/drawingml/2011/main" val="1"/>
-              </a:ext>
-            </a:extLst>
-          </p:spPr>
-          <p:txBody>
-            <a:bodyPr wrap="square" lIns="71437" tIns="71437" rIns="71437" bIns="71437" numCol="1" anchor="ctr">
-              <a:spAutoFit/>
-            </a:bodyPr>
-            <a:lstStyle>
-              <a:lvl1pPr algn="l" defTabSz="821531">
-                <a:defRPr sz="2400" b="0">
-                  <a:solidFill>
-                    <a:srgbClr val="FFFFFF"/>
-                  </a:solidFill>
-                  <a:latin typeface="Helvetica Neue Bold Condensed"/>
-                  <a:ea typeface="Helvetica Neue Bold Condensed"/>
-                  <a:cs typeface="Helvetica Neue Bold Condensed"/>
-                  <a:sym typeface="Helvetica Neue Bold Condensed"/>
-                </a:defRPr>
-              </a:lvl1pPr>
-            </a:lstStyle>
-            <a:p>
-              <a:r>
-                <a:rPr kumimoji="0" lang="en-US" altLang="zh-TW" sz="1050" b="0" i="0" u="none" strike="noStrike" cap="none" spc="0" normalizeH="0" baseline="0" dirty="0">
-                  <a:ln>
-                    <a:noFill/>
-                  </a:ln>
-                  <a:solidFill>
-                    <a:schemeClr val="tx1">
-                      <a:alpha val="15000"/>
-                    </a:schemeClr>
-                  </a:solidFill>
-                  <a:effectLst/>
-                  <a:uFillTx/>
-                  <a:latin typeface="Helvetica Neue Bold Condensed"/>
-                  <a:ea typeface="Helvetica Neue Bold Condensed"/>
-                  <a:cs typeface="Helvetica Neue Bold Condensed"/>
-                  <a:sym typeface="Helvetica Neue Bold Condensed"/>
-                </a:rPr>
-                <a:t>AI &amp; Data </a:t>
-              </a:r>
-              <a:r>
-                <a:rPr kumimoji="0" lang="zh-TW" altLang="en-US" sz="1050" b="0" i="0" u="none" strike="noStrike" cap="none" spc="0" normalizeH="0" baseline="0" dirty="0">
-                  <a:ln>
-                    <a:noFill/>
-                  </a:ln>
-                  <a:solidFill>
-                    <a:schemeClr val="tx1">
-                      <a:alpha val="15000"/>
-                    </a:schemeClr>
-                  </a:solidFill>
-                  <a:effectLst/>
-                  <a:uFillTx/>
-                  <a:latin typeface="Helvetica Neue Bold Condensed"/>
-                  <a:ea typeface="Helvetica Neue Bold Condensed"/>
-                  <a:cs typeface="Helvetica Neue Bold Condensed"/>
-                  <a:sym typeface="Helvetica Neue Bold Condensed"/>
-                </a:rPr>
-                <a:t>組</a:t>
-              </a:r>
-              <a:endParaRPr sz="1100" dirty="0">
-                <a:solidFill>
-                  <a:schemeClr val="tx1">
-                    <a:alpha val="15000"/>
-                  </a:schemeClr>
-                </a:solidFill>
-              </a:endParaRPr>
-            </a:p>
-          </p:txBody>
-        </p:sp>
-      </p:grpSp>
-      <p:grpSp>
-        <p:nvGrpSpPr>
-          <p:cNvPr id="10" name="Group 9">
-            <a:extLst>
-              <a:ext uri="{FF2B5EF4-FFF2-40B4-BE49-F238E27FC236}">
-                <a16:creationId xmlns:a16="http://schemas.microsoft.com/office/drawing/2014/main" id="{AF02242B-A915-9A45-BA0D-830D6332019E}"/>
-              </a:ext>
-            </a:extLst>
-          </p:cNvPr>
-          <p:cNvGrpSpPr/>
-          <p:nvPr/>
-        </p:nvGrpSpPr>
-        <p:grpSpPr>
-          <a:xfrm>
-            <a:off x="7247835" y="3971848"/>
-            <a:ext cx="1876735" cy="1050587"/>
-            <a:chOff x="3891792" y="3940042"/>
-            <a:chExt cx="1876735" cy="1050587"/>
-          </a:xfrm>
-        </p:grpSpPr>
-        <p:pic>
-          <p:nvPicPr>
-            <p:cNvPr id="7" name="Picture 6">
-              <a:extLst>
-                <a:ext uri="{FF2B5EF4-FFF2-40B4-BE49-F238E27FC236}">
-                  <a16:creationId xmlns:a16="http://schemas.microsoft.com/office/drawing/2014/main" id="{3886FEC7-CEB9-F049-8BCC-2CE24B2A4CB4}"/>
-                </a:ext>
-              </a:extLst>
-            </p:cNvPr>
-            <p:cNvPicPr>
-              <a:picLocks noChangeAspect="1" noChangeArrowheads="1"/>
-            </p:cNvPicPr>
-            <p:nvPr/>
-          </p:nvPicPr>
-          <p:blipFill>
-            <a:blip r:embed="rId3">
-              <a:duotone>
-                <a:prstClr val="black"/>
-                <a:schemeClr val="tx1">
-                  <a:tint val="45000"/>
-                  <a:satMod val="400000"/>
-                </a:schemeClr>
-              </a:duotone>
-              <a:alphaModFix amt="20000"/>
-            </a:blip>
-            <a:srcRect/>
-            <a:stretch/>
-          </p:blipFill>
-          <p:spPr bwMode="auto">
-            <a:xfrm>
-              <a:off x="4489805" y="3940042"/>
-              <a:ext cx="1050587" cy="1050587"/>
-            </a:xfrm>
-            <a:prstGeom prst="rect">
-              <a:avLst/>
-            </a:prstGeom>
-            <a:noFill/>
-            <a:extLst>
-              <a:ext uri="{909E8E84-426E-40DD-AFC4-6F175D3DCCD1}">
-                <a14:hiddenFill xmlns:a14="http://schemas.microsoft.com/office/drawing/2010/main">
-                  <a:solidFill>
-                    <a:srgbClr val="FFFFFF"/>
-                  </a:solidFill>
-                </a14:hiddenFill>
-              </a:ext>
-            </a:extLst>
-          </p:spPr>
-        </p:pic>
-        <p:pic>
-          <p:nvPicPr>
-            <p:cNvPr id="6" name="Picture 4" descr="Youtube logo | Logok">
-              <a:extLst>
-                <a:ext uri="{FF2B5EF4-FFF2-40B4-BE49-F238E27FC236}">
-                  <a16:creationId xmlns:a16="http://schemas.microsoft.com/office/drawing/2014/main" id="{14537768-FDF6-1045-B566-E91BF3E35B31}"/>
-                </a:ext>
-              </a:extLst>
-            </p:cNvPr>
-            <p:cNvPicPr>
-              <a:picLocks noChangeAspect="1" noChangeArrowheads="1"/>
-            </p:cNvPicPr>
-            <p:nvPr/>
-          </p:nvPicPr>
-          <p:blipFill>
-            <a:blip r:embed="rId4">
-              <a:alphaModFix amt="20000"/>
-              <a:extLst>
-                <a:ext uri="{28A0092B-C50C-407E-A947-70E740481C1C}">
-                  <a14:useLocalDpi xmlns:a14="http://schemas.microsoft.com/office/drawing/2010/main" val="0"/>
-                </a:ext>
-              </a:extLst>
-            </a:blip>
-            <a:srcRect/>
-            <a:stretch>
-              <a:fillRect/>
-            </a:stretch>
-          </p:blipFill>
-          <p:spPr bwMode="auto">
-            <a:xfrm>
-              <a:off x="3891792" y="4187926"/>
-              <a:ext cx="739756" cy="554817"/>
-            </a:xfrm>
-            <a:prstGeom prst="rect">
-              <a:avLst/>
-            </a:prstGeom>
-            <a:noFill/>
-            <a:extLst>
-              <a:ext uri="{909E8E84-426E-40DD-AFC4-6F175D3DCCD1}">
-                <a14:hiddenFill xmlns:a14="http://schemas.microsoft.com/office/drawing/2010/main">
-                  <a:solidFill>
-                    <a:srgbClr val="FFFFFF"/>
-                  </a:solidFill>
-                </a14:hiddenFill>
-              </a:ext>
-            </a:extLst>
-          </p:spPr>
-        </p:pic>
-        <p:sp>
-          <p:nvSpPr>
-            <p:cNvPr id="8" name="Intelligent Information Retrieval Laboratory">
-              <a:extLst>
-                <a:ext uri="{FF2B5EF4-FFF2-40B4-BE49-F238E27FC236}">
-                  <a16:creationId xmlns:a16="http://schemas.microsoft.com/office/drawing/2014/main" id="{44918B2C-C4D3-9847-97EE-D35B684C91AB}"/>
-                </a:ext>
-              </a:extLst>
-            </p:cNvPr>
-            <p:cNvSpPr txBox="1"/>
-            <p:nvPr/>
-          </p:nvSpPr>
-          <p:spPr>
-            <a:xfrm>
-              <a:off x="4549327" y="4308601"/>
-              <a:ext cx="1219200" cy="328935"/>
-            </a:xfrm>
-            <a:prstGeom prst="rect">
-              <a:avLst/>
-            </a:prstGeom>
-            <a:noFill/>
-            <a:ln w="12700" cap="flat">
-              <a:noFill/>
-              <a:miter lim="400000"/>
-            </a:ln>
-            <a:effectLst/>
-            <a:extLst>
-              <a:ext uri="{C572A759-6A51-4108-AA02-DFA0A04FC94B}">
-                <ma14:wrappingTextBoxFlag xmlns="" xmlns:m="http://schemas.openxmlformats.org/officeDocument/2006/math" xmlns:a14="http://schemas.microsoft.com/office/drawing/2010/main" xmlns:ma14="http://schemas.microsoft.com/office/mac/drawingml/2011/main" val="1"/>
-              </a:ext>
-            </a:extLst>
-          </p:spPr>
-          <p:txBody>
-            <a:bodyPr wrap="square" lIns="71437" tIns="71437" rIns="71437" bIns="71437" numCol="1" anchor="ctr">
-              <a:spAutoFit/>
-            </a:bodyPr>
-            <a:lstStyle>
-              <a:lvl1pPr algn="l" defTabSz="821531">
-                <a:defRPr sz="2400" b="0">
-                  <a:solidFill>
-                    <a:srgbClr val="FFFFFF"/>
-                  </a:solidFill>
-                  <a:latin typeface="Helvetica Neue Bold Condensed"/>
-                  <a:ea typeface="Helvetica Neue Bold Condensed"/>
-                  <a:cs typeface="Helvetica Neue Bold Condensed"/>
-                  <a:sym typeface="Helvetica Neue Bold Condensed"/>
-                </a:defRPr>
-              </a:lvl1pPr>
-            </a:lstStyle>
-            <a:p>
-              <a:r>
-                <a:rPr kumimoji="0" lang="en-US" altLang="zh-TW" sz="1200" b="0" i="0" u="none" strike="noStrike" cap="none" spc="0" normalizeH="0" baseline="0" dirty="0">
-                  <a:ln>
-                    <a:noFill/>
-                  </a:ln>
-                  <a:solidFill>
-                    <a:schemeClr val="tx1">
-                      <a:alpha val="15000"/>
-                    </a:schemeClr>
-                  </a:solidFill>
-                  <a:effectLst/>
-                  <a:uFillTx/>
-                  <a:latin typeface="Helvetica Neue Bold Condensed"/>
-                  <a:ea typeface="Helvetica Neue Bold Condensed"/>
-                  <a:cs typeface="Helvetica Neue Bold Condensed"/>
-                  <a:sym typeface="Helvetica Neue Bold Condensed"/>
-                </a:rPr>
-                <a:t>10</a:t>
-              </a:r>
-              <a:r>
-                <a:rPr kumimoji="0" lang="zh-TW" altLang="en-US" sz="1200" b="0" i="0" u="none" strike="noStrike" cap="none" spc="0" normalizeH="0" baseline="0" dirty="0">
-                  <a:ln>
-                    <a:noFill/>
-                  </a:ln>
-                  <a:solidFill>
-                    <a:schemeClr val="tx1">
-                      <a:alpha val="15000"/>
-                    </a:schemeClr>
-                  </a:solidFill>
-                  <a:effectLst/>
-                  <a:uFillTx/>
-                  <a:sym typeface="Helvetica Neue Bold Condensed"/>
-                </a:rPr>
-                <a:t>程式中</a:t>
-              </a:r>
-              <a:endParaRPr sz="1400" dirty="0">
-                <a:solidFill>
-                  <a:schemeClr val="tx1">
-                    <a:alpha val="15000"/>
-                  </a:schemeClr>
-                </a:solidFill>
-              </a:endParaRPr>
-            </a:p>
-          </p:txBody>
-        </p:sp>
+                </a:endParaRPr>
+              </a:p>
+            </p:txBody>
+          </p:sp>
+        </p:grpSp>
       </p:grpSp>
     </p:spTree>
     <p:extLst>
       <p:ext uri="{BB962C8B-B14F-4D97-AF65-F5344CB8AC3E}">
-        <p14:creationId xmlns:p14="http://schemas.microsoft.com/office/powerpoint/2010/main" val="3555085394"/>
+        <p14:creationId xmlns:p14="http://schemas.microsoft.com/office/powerpoint/2010/main" val="2679256236"/>
       </p:ext>
     </p:extLst>
   </p:cSld>
@@ -3932,10 +4503,1613 @@
           <a:chExt cx="0" cy="0"/>
         </a:xfrm>
       </p:grpSpPr>
+      <p:sp>
+        <p:nvSpPr>
+          <p:cNvPr id="52" name="Rounded Rectangle 51">
+            <a:extLst>
+              <a:ext uri="{FF2B5EF4-FFF2-40B4-BE49-F238E27FC236}">
+                <a16:creationId xmlns:a16="http://schemas.microsoft.com/office/drawing/2014/main" id="{2EB6B35F-3E97-4543-B821-7E28772E0E56}"/>
+              </a:ext>
+            </a:extLst>
+          </p:cNvPr>
+          <p:cNvSpPr/>
+          <p:nvPr/>
+        </p:nvSpPr>
+        <p:spPr>
+          <a:xfrm>
+            <a:off x="7759022" y="2557849"/>
+            <a:ext cx="1358179" cy="2670661"/>
+          </a:xfrm>
+          <a:prstGeom prst="roundRect">
+            <a:avLst/>
+          </a:prstGeom>
+          <a:solidFill>
+            <a:schemeClr val="accent4">
+              <a:lumMod val="20000"/>
+              <a:lumOff val="80000"/>
+            </a:schemeClr>
+          </a:solidFill>
+          <a:ln>
+            <a:noFill/>
+          </a:ln>
+        </p:spPr>
+        <p:style>
+          <a:lnRef idx="2">
+            <a:schemeClr val="accent1">
+              <a:shade val="50000"/>
+            </a:schemeClr>
+          </a:lnRef>
+          <a:fillRef idx="1">
+            <a:schemeClr val="accent1"/>
+          </a:fillRef>
+          <a:effectRef idx="0">
+            <a:schemeClr val="accent1"/>
+          </a:effectRef>
+          <a:fontRef idx="minor">
+            <a:schemeClr val="lt1"/>
+          </a:fontRef>
+        </p:style>
+        <p:txBody>
+          <a:bodyPr rtlCol="0" anchor="ctr"/>
+          <a:lstStyle/>
+          <a:p>
+            <a:pPr algn="ctr"/>
+            <a:endParaRPr lang="en-US" sz="1600" dirty="0">
+              <a:solidFill>
+                <a:schemeClr val="bg1"/>
+              </a:solidFill>
+            </a:endParaRPr>
+          </a:p>
+        </p:txBody>
+      </p:sp>
+      <p:sp>
+        <p:nvSpPr>
+          <p:cNvPr id="34" name="Rounded Rectangle 33">
+            <a:extLst>
+              <a:ext uri="{FF2B5EF4-FFF2-40B4-BE49-F238E27FC236}">
+                <a16:creationId xmlns:a16="http://schemas.microsoft.com/office/drawing/2014/main" id="{0F76574C-BCD0-2D41-818A-D3DD06C0093E}"/>
+              </a:ext>
+            </a:extLst>
+          </p:cNvPr>
+          <p:cNvSpPr/>
+          <p:nvPr/>
+        </p:nvSpPr>
+        <p:spPr>
+          <a:xfrm>
+            <a:off x="2544916" y="3461409"/>
+            <a:ext cx="4926449" cy="1466448"/>
+          </a:xfrm>
+          <a:prstGeom prst="roundRect">
+            <a:avLst/>
+          </a:prstGeom>
+          <a:solidFill>
+            <a:schemeClr val="accent2">
+              <a:lumMod val="20000"/>
+              <a:lumOff val="80000"/>
+            </a:schemeClr>
+          </a:solidFill>
+          <a:ln>
+            <a:noFill/>
+          </a:ln>
+        </p:spPr>
+        <p:style>
+          <a:lnRef idx="2">
+            <a:schemeClr val="accent1">
+              <a:shade val="50000"/>
+            </a:schemeClr>
+          </a:lnRef>
+          <a:fillRef idx="1">
+            <a:schemeClr val="accent1"/>
+          </a:fillRef>
+          <a:effectRef idx="0">
+            <a:schemeClr val="accent1"/>
+          </a:effectRef>
+          <a:fontRef idx="minor">
+            <a:schemeClr val="lt1"/>
+          </a:fontRef>
+        </p:style>
+        <p:txBody>
+          <a:bodyPr rtlCol="0" anchor="ctr"/>
+          <a:lstStyle/>
+          <a:p>
+            <a:pPr algn="ctr"/>
+            <a:endParaRPr lang="en-US" sz="1600" dirty="0">
+              <a:solidFill>
+                <a:schemeClr val="bg1"/>
+              </a:solidFill>
+            </a:endParaRPr>
+          </a:p>
+        </p:txBody>
+      </p:sp>
+      <p:grpSp>
+        <p:nvGrpSpPr>
+          <p:cNvPr id="2" name="Group 1">
+            <a:extLst>
+              <a:ext uri="{FF2B5EF4-FFF2-40B4-BE49-F238E27FC236}">
+                <a16:creationId xmlns:a16="http://schemas.microsoft.com/office/drawing/2014/main" id="{4386E9D2-155B-A243-865C-E25E52BCB5C5}"/>
+              </a:ext>
+            </a:extLst>
+          </p:cNvPr>
+          <p:cNvGrpSpPr/>
+          <p:nvPr/>
+        </p:nvGrpSpPr>
+        <p:grpSpPr>
+          <a:xfrm>
+            <a:off x="3213778" y="4973305"/>
+            <a:ext cx="5764444" cy="1050587"/>
+            <a:chOff x="3360126" y="3971848"/>
+            <a:chExt cx="5764444" cy="1050587"/>
+          </a:xfrm>
+        </p:grpSpPr>
+        <p:grpSp>
+          <p:nvGrpSpPr>
+            <p:cNvPr id="11" name="Group 10">
+              <a:extLst>
+                <a:ext uri="{FF2B5EF4-FFF2-40B4-BE49-F238E27FC236}">
+                  <a16:creationId xmlns:a16="http://schemas.microsoft.com/office/drawing/2014/main" id="{395D5C14-2585-654C-8325-4843B4509272}"/>
+                </a:ext>
+              </a:extLst>
+            </p:cNvPr>
+            <p:cNvGrpSpPr/>
+            <p:nvPr/>
+          </p:nvGrpSpPr>
+          <p:grpSpPr>
+            <a:xfrm>
+              <a:off x="3360126" y="4324980"/>
+              <a:ext cx="2735874" cy="328935"/>
+              <a:chOff x="7237110" y="4273903"/>
+              <a:chExt cx="2735874" cy="328935"/>
+            </a:xfrm>
+          </p:grpSpPr>
+          <p:sp>
+            <p:nvSpPr>
+              <p:cNvPr id="4" name="Intelligent Information Retrieval Laboratory">
+                <a:extLst>
+                  <a:ext uri="{FF2B5EF4-FFF2-40B4-BE49-F238E27FC236}">
+                    <a16:creationId xmlns:a16="http://schemas.microsoft.com/office/drawing/2014/main" id="{FD1EBA3E-C4BD-894E-A37F-99EAB471B26E}"/>
+                  </a:ext>
+                </a:extLst>
+              </p:cNvPr>
+              <p:cNvSpPr txBox="1"/>
+              <p:nvPr/>
+            </p:nvSpPr>
+            <p:spPr>
+              <a:xfrm>
+                <a:off x="7237110" y="4273903"/>
+                <a:ext cx="2590800" cy="328935"/>
+              </a:xfrm>
+              <a:prstGeom prst="rect">
+                <a:avLst/>
+              </a:prstGeom>
+              <a:noFill/>
+              <a:ln w="12700" cap="flat">
+                <a:noFill/>
+                <a:miter lim="400000"/>
+              </a:ln>
+              <a:effectLst/>
+              <a:extLst>
+                <a:ext uri="{C572A759-6A51-4108-AA02-DFA0A04FC94B}">
+                  <ma14:wrappingTextBoxFlag xmlns:ma14="http://schemas.microsoft.com/office/mac/drawingml/2011/main" xmlns:a14="http://schemas.microsoft.com/office/drawing/2010/main" xmlns:m="http://schemas.openxmlformats.org/officeDocument/2006/math" xmlns="" val="1"/>
+                </a:ext>
+              </a:extLst>
+            </p:spPr>
+            <p:txBody>
+              <a:bodyPr wrap="square" lIns="71437" tIns="71437" rIns="71437" bIns="71437" numCol="1" anchor="ctr">
+                <a:spAutoFit/>
+              </a:bodyPr>
+              <a:lstStyle>
+                <a:lvl1pPr algn="l" defTabSz="821531">
+                  <a:defRPr sz="2400" b="0">
+                    <a:solidFill>
+                      <a:srgbClr val="FFFFFF"/>
+                    </a:solidFill>
+                    <a:latin typeface="Helvetica Neue Bold Condensed"/>
+                    <a:ea typeface="Helvetica Neue Bold Condensed"/>
+                    <a:cs typeface="Helvetica Neue Bold Condensed"/>
+                    <a:sym typeface="Helvetica Neue Bold Condensed"/>
+                  </a:defRPr>
+                </a:lvl1pPr>
+              </a:lstStyle>
+              <a:p>
+                <a:r>
+                  <a:rPr kumimoji="0" lang="zh-TW" altLang="en-US" sz="1050" b="0" i="0" u="none" strike="noStrike" cap="none" spc="0" normalizeH="0" baseline="0" dirty="0">
+                    <a:ln>
+                      <a:noFill/>
+                    </a:ln>
+                    <a:solidFill>
+                      <a:schemeClr val="tx1">
+                        <a:alpha val="15000"/>
+                      </a:schemeClr>
+                    </a:solidFill>
+                    <a:effectLst/>
+                    <a:uFillTx/>
+                    <a:latin typeface="Helvetica Neue Bold Condensed"/>
+                    <a:ea typeface="Helvetica Neue Bold Condensed"/>
+                    <a:cs typeface="Helvetica Neue Bold Condensed"/>
+                    <a:sym typeface="Helvetica Neue Bold Condensed"/>
+                  </a:rPr>
+                  <a:t>第</a:t>
+                </a:r>
+                <a:r>
+                  <a:rPr kumimoji="0" lang="en-US" altLang="zh-TW" sz="1050" b="0" i="0" u="none" strike="noStrike" cap="none" spc="0" normalizeH="0" baseline="0" dirty="0">
+                    <a:ln>
+                      <a:noFill/>
+                    </a:ln>
+                    <a:solidFill>
+                      <a:schemeClr val="tx1">
+                        <a:alpha val="15000"/>
+                      </a:schemeClr>
+                    </a:solidFill>
+                    <a:effectLst/>
+                    <a:uFillTx/>
+                    <a:latin typeface="Helvetica Neue Bold Condensed"/>
+                    <a:ea typeface="Helvetica Neue Bold Condensed"/>
+                    <a:cs typeface="Helvetica Neue Bold Condensed"/>
+                    <a:sym typeface="Helvetica Neue Bold Condensed"/>
+                  </a:rPr>
+                  <a:t>13</a:t>
+                </a:r>
+                <a:r>
+                  <a:rPr kumimoji="0" lang="zh-TW" altLang="en-US" sz="1050" b="0" i="0" u="none" strike="noStrike" cap="none" spc="0" normalizeH="0" baseline="0" dirty="0">
+                    <a:ln>
+                      <a:noFill/>
+                    </a:ln>
+                    <a:solidFill>
+                      <a:schemeClr val="tx1">
+                        <a:alpha val="15000"/>
+                      </a:schemeClr>
+                    </a:solidFill>
+                    <a:effectLst/>
+                    <a:uFillTx/>
+                    <a:latin typeface="Helvetica Neue Bold Condensed"/>
+                    <a:ea typeface="Helvetica Neue Bold Condensed"/>
+                    <a:cs typeface="Helvetica Neue Bold Condensed"/>
+                    <a:sym typeface="Helvetica Neue Bold Condensed"/>
+                  </a:rPr>
+                  <a:t>屆 </a:t>
+                </a:r>
+                <a:r>
+                  <a:rPr kumimoji="0" lang="en-US" sz="1200" b="0" i="0" u="none" strike="noStrike" cap="none" spc="0" normalizeH="0" baseline="0" dirty="0">
+                    <a:ln>
+                      <a:noFill/>
+                    </a:ln>
+                    <a:solidFill>
+                      <a:schemeClr val="tx1">
+                        <a:alpha val="15000"/>
+                      </a:schemeClr>
+                    </a:solidFill>
+                    <a:effectLst/>
+                    <a:uFillTx/>
+                    <a:latin typeface="Helvetica Neue Bold Condensed"/>
+                    <a:ea typeface="Helvetica Neue Bold Condensed"/>
+                    <a:cs typeface="Helvetica Neue Bold Condensed"/>
+                    <a:sym typeface="Helvetica Neue Bold Condensed"/>
+                  </a:rPr>
+                  <a:t>iT</a:t>
+                </a:r>
+                <a:r>
+                  <a:rPr kumimoji="0" lang="zh-TW" altLang="en-US" sz="1100" b="0" i="0" u="none" strike="noStrike" cap="none" spc="0" normalizeH="0" baseline="0" dirty="0">
+                    <a:ln>
+                      <a:noFill/>
+                    </a:ln>
+                    <a:solidFill>
+                      <a:schemeClr val="tx1">
+                        <a:alpha val="15000"/>
+                      </a:schemeClr>
+                    </a:solidFill>
+                    <a:effectLst/>
+                    <a:uFillTx/>
+                    <a:latin typeface="Helvetica Neue Bold Condensed"/>
+                    <a:ea typeface="Helvetica Neue Bold Condensed"/>
+                    <a:cs typeface="Helvetica Neue Bold Condensed"/>
+                    <a:sym typeface="Helvetica Neue Bold Condensed"/>
+                  </a:rPr>
+                  <a:t>邦</a:t>
+                </a:r>
+                <a:r>
+                  <a:rPr kumimoji="0" lang="zh-TW" altLang="en-US" sz="1000" b="0" i="0" u="none" strike="noStrike" cap="none" spc="0" normalizeH="0" baseline="0" dirty="0">
+                    <a:ln>
+                      <a:noFill/>
+                    </a:ln>
+                    <a:solidFill>
+                      <a:schemeClr val="tx1">
+                        <a:alpha val="15000"/>
+                      </a:schemeClr>
+                    </a:solidFill>
+                    <a:effectLst/>
+                    <a:uFillTx/>
+                    <a:latin typeface="Helvetica Neue Bold Condensed"/>
+                    <a:ea typeface="Helvetica Neue Bold Condensed"/>
+                    <a:cs typeface="Helvetica Neue Bold Condensed"/>
+                    <a:sym typeface="Helvetica Neue Bold Condensed"/>
+                  </a:rPr>
+                  <a:t>幫忙</a:t>
+                </a:r>
+                <a:r>
+                  <a:rPr kumimoji="0" lang="zh-TW" altLang="en-US" sz="1100" b="0" i="0" u="none" strike="noStrike" cap="none" spc="0" normalizeH="0" baseline="0" dirty="0">
+                    <a:ln>
+                      <a:noFill/>
+                    </a:ln>
+                    <a:solidFill>
+                      <a:schemeClr val="tx1">
+                        <a:alpha val="15000"/>
+                      </a:schemeClr>
+                    </a:solidFill>
+                    <a:effectLst/>
+                    <a:uFillTx/>
+                    <a:latin typeface="Helvetica Neue Bold Condensed"/>
+                    <a:ea typeface="Helvetica Neue Bold Condensed"/>
+                    <a:cs typeface="Helvetica Neue Bold Condensed"/>
+                    <a:sym typeface="Helvetica Neue Bold Condensed"/>
+                  </a:rPr>
+                  <a:t> 鐵人賽</a:t>
+                </a:r>
+                <a:endParaRPr sz="1100" dirty="0">
+                  <a:solidFill>
+                    <a:schemeClr val="tx1">
+                      <a:alpha val="15000"/>
+                    </a:schemeClr>
+                  </a:solidFill>
+                </a:endParaRPr>
+              </a:p>
+            </p:txBody>
+          </p:sp>
+          <p:sp>
+            <p:nvSpPr>
+              <p:cNvPr id="5" name="Intelligent Information Retrieval Laboratory">
+                <a:extLst>
+                  <a:ext uri="{FF2B5EF4-FFF2-40B4-BE49-F238E27FC236}">
+                    <a16:creationId xmlns:a16="http://schemas.microsoft.com/office/drawing/2014/main" id="{DD72F14E-6424-324C-88BC-350DE4E71C25}"/>
+                  </a:ext>
+                </a:extLst>
+              </p:cNvPr>
+              <p:cNvSpPr txBox="1"/>
+              <p:nvPr/>
+            </p:nvSpPr>
+            <p:spPr>
+              <a:xfrm>
+                <a:off x="8753784" y="4289292"/>
+                <a:ext cx="1219200" cy="313546"/>
+              </a:xfrm>
+              <a:prstGeom prst="rect">
+                <a:avLst/>
+              </a:prstGeom>
+              <a:noFill/>
+              <a:ln w="12700" cap="flat">
+                <a:noFill/>
+                <a:miter lim="400000"/>
+              </a:ln>
+              <a:effectLst/>
+              <a:extLst>
+                <a:ext uri="{C572A759-6A51-4108-AA02-DFA0A04FC94B}">
+                  <ma14:wrappingTextBoxFlag xmlns:ma14="http://schemas.microsoft.com/office/mac/drawingml/2011/main" xmlns:a14="http://schemas.microsoft.com/office/drawing/2010/main" xmlns:m="http://schemas.openxmlformats.org/officeDocument/2006/math" xmlns="" val="1"/>
+                </a:ext>
+              </a:extLst>
+            </p:spPr>
+            <p:txBody>
+              <a:bodyPr wrap="square" lIns="71437" tIns="71437" rIns="71437" bIns="71437" numCol="1" anchor="ctr">
+                <a:spAutoFit/>
+              </a:bodyPr>
+              <a:lstStyle>
+                <a:lvl1pPr algn="l" defTabSz="821531">
+                  <a:defRPr sz="2400" b="0">
+                    <a:solidFill>
+                      <a:srgbClr val="FFFFFF"/>
+                    </a:solidFill>
+                    <a:latin typeface="Helvetica Neue Bold Condensed"/>
+                    <a:ea typeface="Helvetica Neue Bold Condensed"/>
+                    <a:cs typeface="Helvetica Neue Bold Condensed"/>
+                    <a:sym typeface="Helvetica Neue Bold Condensed"/>
+                  </a:defRPr>
+                </a:lvl1pPr>
+              </a:lstStyle>
+              <a:p>
+                <a:r>
+                  <a:rPr kumimoji="0" lang="en-US" altLang="zh-TW" sz="1050" b="0" i="0" u="none" strike="noStrike" cap="none" spc="0" normalizeH="0" baseline="0" dirty="0">
+                    <a:ln>
+                      <a:noFill/>
+                    </a:ln>
+                    <a:solidFill>
+                      <a:schemeClr val="tx1">
+                        <a:alpha val="15000"/>
+                      </a:schemeClr>
+                    </a:solidFill>
+                    <a:effectLst/>
+                    <a:uFillTx/>
+                    <a:latin typeface="Helvetica Neue Bold Condensed"/>
+                    <a:ea typeface="Helvetica Neue Bold Condensed"/>
+                    <a:cs typeface="Helvetica Neue Bold Condensed"/>
+                    <a:sym typeface="Helvetica Neue Bold Condensed"/>
+                  </a:rPr>
+                  <a:t>AI &amp; Data </a:t>
+                </a:r>
+                <a:r>
+                  <a:rPr kumimoji="0" lang="zh-TW" altLang="en-US" sz="1050" b="0" i="0" u="none" strike="noStrike" cap="none" spc="0" normalizeH="0" baseline="0" dirty="0">
+                    <a:ln>
+                      <a:noFill/>
+                    </a:ln>
+                    <a:solidFill>
+                      <a:schemeClr val="tx1">
+                        <a:alpha val="15000"/>
+                      </a:schemeClr>
+                    </a:solidFill>
+                    <a:effectLst/>
+                    <a:uFillTx/>
+                    <a:latin typeface="Helvetica Neue Bold Condensed"/>
+                    <a:ea typeface="Helvetica Neue Bold Condensed"/>
+                    <a:cs typeface="Helvetica Neue Bold Condensed"/>
+                    <a:sym typeface="Helvetica Neue Bold Condensed"/>
+                  </a:rPr>
+                  <a:t>組</a:t>
+                </a:r>
+                <a:endParaRPr sz="1100" dirty="0">
+                  <a:solidFill>
+                    <a:schemeClr val="tx1">
+                      <a:alpha val="15000"/>
+                    </a:schemeClr>
+                  </a:solidFill>
+                </a:endParaRPr>
+              </a:p>
+            </p:txBody>
+          </p:sp>
+        </p:grpSp>
+        <p:grpSp>
+          <p:nvGrpSpPr>
+            <p:cNvPr id="10" name="Group 9">
+              <a:extLst>
+                <a:ext uri="{FF2B5EF4-FFF2-40B4-BE49-F238E27FC236}">
+                  <a16:creationId xmlns:a16="http://schemas.microsoft.com/office/drawing/2014/main" id="{AF02242B-A915-9A45-BA0D-830D6332019E}"/>
+                </a:ext>
+              </a:extLst>
+            </p:cNvPr>
+            <p:cNvGrpSpPr/>
+            <p:nvPr/>
+          </p:nvGrpSpPr>
+          <p:grpSpPr>
+            <a:xfrm>
+              <a:off x="7247835" y="3971848"/>
+              <a:ext cx="1876735" cy="1050587"/>
+              <a:chOff x="3891792" y="3940042"/>
+              <a:chExt cx="1876735" cy="1050587"/>
+            </a:xfrm>
+          </p:grpSpPr>
+          <p:pic>
+            <p:nvPicPr>
+              <p:cNvPr id="7" name="Picture 6">
+                <a:extLst>
+                  <a:ext uri="{FF2B5EF4-FFF2-40B4-BE49-F238E27FC236}">
+                    <a16:creationId xmlns:a16="http://schemas.microsoft.com/office/drawing/2014/main" id="{3886FEC7-CEB9-F049-8BCC-2CE24B2A4CB4}"/>
+                  </a:ext>
+                </a:extLst>
+              </p:cNvPr>
+              <p:cNvPicPr>
+                <a:picLocks noChangeAspect="1" noChangeArrowheads="1"/>
+              </p:cNvPicPr>
+              <p:nvPr/>
+            </p:nvPicPr>
+            <p:blipFill>
+              <a:blip r:embed="rId2">
+                <a:duotone>
+                  <a:prstClr val="black"/>
+                  <a:schemeClr val="tx1">
+                    <a:tint val="45000"/>
+                    <a:satMod val="400000"/>
+                  </a:schemeClr>
+                </a:duotone>
+                <a:alphaModFix amt="20000"/>
+              </a:blip>
+              <a:srcRect/>
+              <a:stretch/>
+            </p:blipFill>
+            <p:spPr bwMode="auto">
+              <a:xfrm>
+                <a:off x="4489805" y="3940042"/>
+                <a:ext cx="1050587" cy="1050587"/>
+              </a:xfrm>
+              <a:prstGeom prst="rect">
+                <a:avLst/>
+              </a:prstGeom>
+              <a:noFill/>
+              <a:extLst>
+                <a:ext uri="{909E8E84-426E-40DD-AFC4-6F175D3DCCD1}">
+                  <a14:hiddenFill xmlns:a14="http://schemas.microsoft.com/office/drawing/2010/main">
+                    <a:solidFill>
+                      <a:srgbClr val="FFFFFF"/>
+                    </a:solidFill>
+                  </a14:hiddenFill>
+                </a:ext>
+              </a:extLst>
+            </p:spPr>
+          </p:pic>
+          <p:pic>
+            <p:nvPicPr>
+              <p:cNvPr id="6" name="Picture 4" descr="Youtube logo | Logok">
+                <a:extLst>
+                  <a:ext uri="{FF2B5EF4-FFF2-40B4-BE49-F238E27FC236}">
+                    <a16:creationId xmlns:a16="http://schemas.microsoft.com/office/drawing/2014/main" id="{14537768-FDF6-1045-B566-E91BF3E35B31}"/>
+                  </a:ext>
+                </a:extLst>
+              </p:cNvPr>
+              <p:cNvPicPr>
+                <a:picLocks noChangeAspect="1" noChangeArrowheads="1"/>
+              </p:cNvPicPr>
+              <p:nvPr/>
+            </p:nvPicPr>
+            <p:blipFill>
+              <a:blip r:embed="rId3">
+                <a:alphaModFix amt="20000"/>
+                <a:extLst>
+                  <a:ext uri="{28A0092B-C50C-407E-A947-70E740481C1C}">
+                    <a14:useLocalDpi xmlns:a14="http://schemas.microsoft.com/office/drawing/2010/main" val="0"/>
+                  </a:ext>
+                </a:extLst>
+              </a:blip>
+              <a:srcRect/>
+              <a:stretch>
+                <a:fillRect/>
+              </a:stretch>
+            </p:blipFill>
+            <p:spPr bwMode="auto">
+              <a:xfrm>
+                <a:off x="3891792" y="4187926"/>
+                <a:ext cx="739756" cy="554817"/>
+              </a:xfrm>
+              <a:prstGeom prst="rect">
+                <a:avLst/>
+              </a:prstGeom>
+              <a:noFill/>
+              <a:extLst>
+                <a:ext uri="{909E8E84-426E-40DD-AFC4-6F175D3DCCD1}">
+                  <a14:hiddenFill xmlns:a14="http://schemas.microsoft.com/office/drawing/2010/main">
+                    <a:solidFill>
+                      <a:srgbClr val="FFFFFF"/>
+                    </a:solidFill>
+                  </a14:hiddenFill>
+                </a:ext>
+              </a:extLst>
+            </p:spPr>
+          </p:pic>
+          <p:sp>
+            <p:nvSpPr>
+              <p:cNvPr id="8" name="Intelligent Information Retrieval Laboratory">
+                <a:extLst>
+                  <a:ext uri="{FF2B5EF4-FFF2-40B4-BE49-F238E27FC236}">
+                    <a16:creationId xmlns:a16="http://schemas.microsoft.com/office/drawing/2014/main" id="{44918B2C-C4D3-9847-97EE-D35B684C91AB}"/>
+                  </a:ext>
+                </a:extLst>
+              </p:cNvPr>
+              <p:cNvSpPr txBox="1"/>
+              <p:nvPr/>
+            </p:nvSpPr>
+            <p:spPr>
+              <a:xfrm>
+                <a:off x="4549327" y="4308601"/>
+                <a:ext cx="1219200" cy="328935"/>
+              </a:xfrm>
+              <a:prstGeom prst="rect">
+                <a:avLst/>
+              </a:prstGeom>
+              <a:noFill/>
+              <a:ln w="12700" cap="flat">
+                <a:noFill/>
+                <a:miter lim="400000"/>
+              </a:ln>
+              <a:effectLst/>
+              <a:extLst>
+                <a:ext uri="{C572A759-6A51-4108-AA02-DFA0A04FC94B}">
+                  <ma14:wrappingTextBoxFlag xmlns:ma14="http://schemas.microsoft.com/office/mac/drawingml/2011/main" xmlns:a14="http://schemas.microsoft.com/office/drawing/2010/main" xmlns:m="http://schemas.openxmlformats.org/officeDocument/2006/math" xmlns="" val="1"/>
+                </a:ext>
+              </a:extLst>
+            </p:spPr>
+            <p:txBody>
+              <a:bodyPr wrap="square" lIns="71437" tIns="71437" rIns="71437" bIns="71437" numCol="1" anchor="ctr">
+                <a:spAutoFit/>
+              </a:bodyPr>
+              <a:lstStyle>
+                <a:lvl1pPr algn="l" defTabSz="821531">
+                  <a:defRPr sz="2400" b="0">
+                    <a:solidFill>
+                      <a:srgbClr val="FFFFFF"/>
+                    </a:solidFill>
+                    <a:latin typeface="Helvetica Neue Bold Condensed"/>
+                    <a:ea typeface="Helvetica Neue Bold Condensed"/>
+                    <a:cs typeface="Helvetica Neue Bold Condensed"/>
+                    <a:sym typeface="Helvetica Neue Bold Condensed"/>
+                  </a:defRPr>
+                </a:lvl1pPr>
+              </a:lstStyle>
+              <a:p>
+                <a:r>
+                  <a:rPr kumimoji="0" lang="en-US" altLang="zh-TW" sz="1200" b="0" i="0" u="none" strike="noStrike" cap="none" spc="0" normalizeH="0" baseline="0" dirty="0">
+                    <a:ln>
+                      <a:noFill/>
+                    </a:ln>
+                    <a:solidFill>
+                      <a:schemeClr val="tx1">
+                        <a:alpha val="15000"/>
+                      </a:schemeClr>
+                    </a:solidFill>
+                    <a:effectLst/>
+                    <a:uFillTx/>
+                    <a:latin typeface="Helvetica Neue Bold Condensed"/>
+                    <a:ea typeface="Helvetica Neue Bold Condensed"/>
+                    <a:cs typeface="Helvetica Neue Bold Condensed"/>
+                    <a:sym typeface="Helvetica Neue Bold Condensed"/>
+                  </a:rPr>
+                  <a:t>10</a:t>
+                </a:r>
+                <a:r>
+                  <a:rPr kumimoji="0" lang="zh-TW" altLang="en-US" sz="1200" b="0" i="0" u="none" strike="noStrike" cap="none" spc="0" normalizeH="0" baseline="0" dirty="0">
+                    <a:ln>
+                      <a:noFill/>
+                    </a:ln>
+                    <a:solidFill>
+                      <a:schemeClr val="tx1">
+                        <a:alpha val="15000"/>
+                      </a:schemeClr>
+                    </a:solidFill>
+                    <a:effectLst/>
+                    <a:uFillTx/>
+                    <a:sym typeface="Helvetica Neue Bold Condensed"/>
+                  </a:rPr>
+                  <a:t>程式中</a:t>
+                </a:r>
+                <a:endParaRPr sz="1400" dirty="0">
+                  <a:solidFill>
+                    <a:schemeClr val="tx1">
+                      <a:alpha val="15000"/>
+                    </a:schemeClr>
+                  </a:solidFill>
+                </a:endParaRPr>
+              </a:p>
+            </p:txBody>
+          </p:sp>
+        </p:grpSp>
+      </p:grpSp>
+      <p:sp>
+        <p:nvSpPr>
+          <p:cNvPr id="9" name="Rectangle 8">
+            <a:extLst>
+              <a:ext uri="{FF2B5EF4-FFF2-40B4-BE49-F238E27FC236}">
+                <a16:creationId xmlns:a16="http://schemas.microsoft.com/office/drawing/2014/main" id="{DEE3139E-56F0-3B45-9B9C-BE8BA920B5D6}"/>
+              </a:ext>
+            </a:extLst>
+          </p:cNvPr>
+          <p:cNvSpPr/>
+          <p:nvPr/>
+        </p:nvSpPr>
+        <p:spPr>
+          <a:xfrm>
+            <a:off x="2835006" y="2228069"/>
+            <a:ext cx="924128" cy="428017"/>
+          </a:xfrm>
+          <a:prstGeom prst="rect">
+            <a:avLst/>
+          </a:prstGeom>
+          <a:noFill/>
+          <a:ln>
+            <a:solidFill>
+              <a:schemeClr val="tx1"/>
+            </a:solidFill>
+          </a:ln>
+        </p:spPr>
+        <p:style>
+          <a:lnRef idx="2">
+            <a:schemeClr val="accent1">
+              <a:shade val="50000"/>
+            </a:schemeClr>
+          </a:lnRef>
+          <a:fillRef idx="1">
+            <a:schemeClr val="accent1"/>
+          </a:fillRef>
+          <a:effectRef idx="0">
+            <a:schemeClr val="accent1"/>
+          </a:effectRef>
+          <a:fontRef idx="minor">
+            <a:schemeClr val="lt1"/>
+          </a:fontRef>
+        </p:style>
+        <p:txBody>
+          <a:bodyPr rtlCol="0" anchor="ctr"/>
+          <a:lstStyle/>
+          <a:p>
+            <a:pPr algn="ctr"/>
+            <a:r>
+              <a:rPr lang="en-TW" sz="1400" dirty="0">
+                <a:solidFill>
+                  <a:schemeClr val="tx1"/>
+                </a:solidFill>
+              </a:rPr>
+              <a:t>原始資料</a:t>
+            </a:r>
+          </a:p>
+        </p:txBody>
+      </p:sp>
+      <p:sp>
+        <p:nvSpPr>
+          <p:cNvPr id="13" name="Rectangle 12">
+            <a:extLst>
+              <a:ext uri="{FF2B5EF4-FFF2-40B4-BE49-F238E27FC236}">
+                <a16:creationId xmlns:a16="http://schemas.microsoft.com/office/drawing/2014/main" id="{5E84FEA4-59C4-A942-9B7A-FDE06B3DF6A8}"/>
+              </a:ext>
+            </a:extLst>
+          </p:cNvPr>
+          <p:cNvSpPr/>
+          <p:nvPr/>
+        </p:nvSpPr>
+        <p:spPr>
+          <a:xfrm>
+            <a:off x="2835006" y="2888397"/>
+            <a:ext cx="924128" cy="428017"/>
+          </a:xfrm>
+          <a:prstGeom prst="rect">
+            <a:avLst/>
+          </a:prstGeom>
+          <a:noFill/>
+          <a:ln>
+            <a:solidFill>
+              <a:schemeClr val="tx1"/>
+            </a:solidFill>
+          </a:ln>
+        </p:spPr>
+        <p:style>
+          <a:lnRef idx="2">
+            <a:schemeClr val="accent1">
+              <a:shade val="50000"/>
+            </a:schemeClr>
+          </a:lnRef>
+          <a:fillRef idx="1">
+            <a:schemeClr val="accent1"/>
+          </a:fillRef>
+          <a:effectRef idx="0">
+            <a:schemeClr val="accent1"/>
+          </a:effectRef>
+          <a:fontRef idx="minor">
+            <a:schemeClr val="lt1"/>
+          </a:fontRef>
+        </p:style>
+        <p:txBody>
+          <a:bodyPr rtlCol="0" anchor="ctr"/>
+          <a:lstStyle/>
+          <a:p>
+            <a:pPr algn="ctr"/>
+            <a:r>
+              <a:rPr lang="en-TW" sz="1400" dirty="0">
+                <a:solidFill>
+                  <a:schemeClr val="tx1"/>
+                </a:solidFill>
+              </a:rPr>
+              <a:t>資料清洗</a:t>
+            </a:r>
+          </a:p>
+        </p:txBody>
+      </p:sp>
+      <p:sp>
+        <p:nvSpPr>
+          <p:cNvPr id="14" name="Rectangle 13">
+            <a:extLst>
+              <a:ext uri="{FF2B5EF4-FFF2-40B4-BE49-F238E27FC236}">
+                <a16:creationId xmlns:a16="http://schemas.microsoft.com/office/drawing/2014/main" id="{791E63B5-3E71-9B40-8F23-D7A7B72DF635}"/>
+              </a:ext>
+            </a:extLst>
+          </p:cNvPr>
+          <p:cNvSpPr/>
+          <p:nvPr/>
+        </p:nvSpPr>
+        <p:spPr>
+          <a:xfrm>
+            <a:off x="2751714" y="3782145"/>
+            <a:ext cx="1090712" cy="568777"/>
+          </a:xfrm>
+          <a:prstGeom prst="rect">
+            <a:avLst/>
+          </a:prstGeom>
+          <a:solidFill>
+            <a:schemeClr val="bg1"/>
+          </a:solidFill>
+          <a:ln>
+            <a:solidFill>
+              <a:schemeClr val="tx1"/>
+            </a:solidFill>
+          </a:ln>
+        </p:spPr>
+        <p:style>
+          <a:lnRef idx="2">
+            <a:schemeClr val="accent1">
+              <a:shade val="50000"/>
+            </a:schemeClr>
+          </a:lnRef>
+          <a:fillRef idx="1">
+            <a:schemeClr val="accent1"/>
+          </a:fillRef>
+          <a:effectRef idx="0">
+            <a:schemeClr val="accent1"/>
+          </a:effectRef>
+          <a:fontRef idx="minor">
+            <a:schemeClr val="lt1"/>
+          </a:fontRef>
+        </p:style>
+        <p:txBody>
+          <a:bodyPr rtlCol="0" anchor="ctr"/>
+          <a:lstStyle/>
+          <a:p>
+            <a:pPr algn="ctr"/>
+            <a:r>
+              <a:rPr lang="en-TW" sz="1400" dirty="0">
+                <a:solidFill>
+                  <a:schemeClr val="tx1"/>
+                </a:solidFill>
+              </a:rPr>
+              <a:t>資料前處理</a:t>
+            </a:r>
+          </a:p>
+        </p:txBody>
+      </p:sp>
+      <p:sp>
+        <p:nvSpPr>
+          <p:cNvPr id="15" name="Rectangle 14">
+            <a:extLst>
+              <a:ext uri="{FF2B5EF4-FFF2-40B4-BE49-F238E27FC236}">
+                <a16:creationId xmlns:a16="http://schemas.microsoft.com/office/drawing/2014/main" id="{54D77EC6-1486-104B-971D-30286F4B4F60}"/>
+              </a:ext>
+            </a:extLst>
+          </p:cNvPr>
+          <p:cNvSpPr/>
+          <p:nvPr/>
+        </p:nvSpPr>
+        <p:spPr>
+          <a:xfrm>
+            <a:off x="4383575" y="3782145"/>
+            <a:ext cx="1090712" cy="568777"/>
+          </a:xfrm>
+          <a:prstGeom prst="rect">
+            <a:avLst/>
+          </a:prstGeom>
+          <a:solidFill>
+            <a:schemeClr val="bg1"/>
+          </a:solidFill>
+          <a:ln>
+            <a:solidFill>
+              <a:schemeClr val="tx1"/>
+            </a:solidFill>
+          </a:ln>
+        </p:spPr>
+        <p:style>
+          <a:lnRef idx="2">
+            <a:schemeClr val="accent1">
+              <a:shade val="50000"/>
+            </a:schemeClr>
+          </a:lnRef>
+          <a:fillRef idx="1">
+            <a:schemeClr val="accent1"/>
+          </a:fillRef>
+          <a:effectRef idx="0">
+            <a:schemeClr val="accent1"/>
+          </a:effectRef>
+          <a:fontRef idx="minor">
+            <a:schemeClr val="lt1"/>
+          </a:fontRef>
+        </p:style>
+        <p:txBody>
+          <a:bodyPr rtlCol="0" anchor="ctr"/>
+          <a:lstStyle/>
+          <a:p>
+            <a:pPr algn="ctr"/>
+            <a:r>
+              <a:rPr lang="en-TW" sz="1400" dirty="0">
+                <a:solidFill>
+                  <a:schemeClr val="tx1"/>
+                </a:solidFill>
+              </a:rPr>
+              <a:t>模型訓練</a:t>
+            </a:r>
+          </a:p>
+        </p:txBody>
+      </p:sp>
+      <p:sp>
+        <p:nvSpPr>
+          <p:cNvPr id="16" name="Rectangle 15">
+            <a:extLst>
+              <a:ext uri="{FF2B5EF4-FFF2-40B4-BE49-F238E27FC236}">
+                <a16:creationId xmlns:a16="http://schemas.microsoft.com/office/drawing/2014/main" id="{E7C0F0A1-03DC-B843-B011-DD387BA71589}"/>
+              </a:ext>
+            </a:extLst>
+          </p:cNvPr>
+          <p:cNvSpPr/>
+          <p:nvPr/>
+        </p:nvSpPr>
+        <p:spPr>
+          <a:xfrm>
+            <a:off x="6010775" y="3782144"/>
+            <a:ext cx="1090712" cy="568777"/>
+          </a:xfrm>
+          <a:prstGeom prst="rect">
+            <a:avLst/>
+          </a:prstGeom>
+          <a:solidFill>
+            <a:schemeClr val="bg1"/>
+          </a:solidFill>
+          <a:ln>
+            <a:solidFill>
+              <a:schemeClr val="tx1"/>
+            </a:solidFill>
+          </a:ln>
+        </p:spPr>
+        <p:style>
+          <a:lnRef idx="2">
+            <a:schemeClr val="accent1">
+              <a:shade val="50000"/>
+            </a:schemeClr>
+          </a:lnRef>
+          <a:fillRef idx="1">
+            <a:schemeClr val="accent1"/>
+          </a:fillRef>
+          <a:effectRef idx="0">
+            <a:schemeClr val="accent1"/>
+          </a:effectRef>
+          <a:fontRef idx="minor">
+            <a:schemeClr val="lt1"/>
+          </a:fontRef>
+        </p:style>
+        <p:txBody>
+          <a:bodyPr rtlCol="0" anchor="ctr"/>
+          <a:lstStyle/>
+          <a:p>
+            <a:pPr algn="ctr"/>
+            <a:r>
+              <a:rPr lang="en-TW" sz="1400" dirty="0">
+                <a:solidFill>
+                  <a:schemeClr val="tx1"/>
+                </a:solidFill>
+              </a:rPr>
+              <a:t>評估模型</a:t>
+            </a:r>
+          </a:p>
+        </p:txBody>
+      </p:sp>
+      <p:cxnSp>
+        <p:nvCxnSpPr>
+          <p:cNvPr id="17" name="Straight Arrow Connector 16">
+            <a:extLst>
+              <a:ext uri="{FF2B5EF4-FFF2-40B4-BE49-F238E27FC236}">
+                <a16:creationId xmlns:a16="http://schemas.microsoft.com/office/drawing/2014/main" id="{58BEEACF-413B-3343-801A-BF51E1D3C9D0}"/>
+              </a:ext>
+            </a:extLst>
+          </p:cNvPr>
+          <p:cNvCxnSpPr>
+            <a:stCxn id="9" idx="2"/>
+            <a:endCxn id="13" idx="0"/>
+          </p:cNvCxnSpPr>
+          <p:nvPr/>
+        </p:nvCxnSpPr>
+        <p:spPr>
+          <a:xfrm>
+            <a:off x="3297070" y="2656086"/>
+            <a:ext cx="0" cy="232311"/>
+          </a:xfrm>
+          <a:prstGeom prst="straightConnector1">
+            <a:avLst/>
+          </a:prstGeom>
+          <a:ln>
+            <a:tailEnd type="triangle"/>
+          </a:ln>
+        </p:spPr>
+        <p:style>
+          <a:lnRef idx="1">
+            <a:schemeClr val="dk1"/>
+          </a:lnRef>
+          <a:fillRef idx="0">
+            <a:schemeClr val="dk1"/>
+          </a:fillRef>
+          <a:effectRef idx="0">
+            <a:schemeClr val="dk1"/>
+          </a:effectRef>
+          <a:fontRef idx="minor">
+            <a:schemeClr val="tx1"/>
+          </a:fontRef>
+        </p:style>
+      </p:cxnSp>
+      <p:cxnSp>
+        <p:nvCxnSpPr>
+          <p:cNvPr id="19" name="Straight Arrow Connector 18">
+            <a:extLst>
+              <a:ext uri="{FF2B5EF4-FFF2-40B4-BE49-F238E27FC236}">
+                <a16:creationId xmlns:a16="http://schemas.microsoft.com/office/drawing/2014/main" id="{17570727-C311-164D-BE5D-40E2FDE182C3}"/>
+              </a:ext>
+            </a:extLst>
+          </p:cNvPr>
+          <p:cNvCxnSpPr>
+            <a:cxnSpLocks/>
+            <a:stCxn id="13" idx="2"/>
+            <a:endCxn id="14" idx="0"/>
+          </p:cNvCxnSpPr>
+          <p:nvPr/>
+        </p:nvCxnSpPr>
+        <p:spPr>
+          <a:xfrm>
+            <a:off x="3297070" y="3316414"/>
+            <a:ext cx="0" cy="465731"/>
+          </a:xfrm>
+          <a:prstGeom prst="straightConnector1">
+            <a:avLst/>
+          </a:prstGeom>
+          <a:ln>
+            <a:tailEnd type="triangle"/>
+          </a:ln>
+        </p:spPr>
+        <p:style>
+          <a:lnRef idx="1">
+            <a:schemeClr val="dk1"/>
+          </a:lnRef>
+          <a:fillRef idx="0">
+            <a:schemeClr val="dk1"/>
+          </a:fillRef>
+          <a:effectRef idx="0">
+            <a:schemeClr val="dk1"/>
+          </a:effectRef>
+          <a:fontRef idx="minor">
+            <a:schemeClr val="tx1"/>
+          </a:fontRef>
+        </p:style>
+      </p:cxnSp>
+      <p:cxnSp>
+        <p:nvCxnSpPr>
+          <p:cNvPr id="22" name="Straight Arrow Connector 21">
+            <a:extLst>
+              <a:ext uri="{FF2B5EF4-FFF2-40B4-BE49-F238E27FC236}">
+                <a16:creationId xmlns:a16="http://schemas.microsoft.com/office/drawing/2014/main" id="{5401DBD0-B6F9-4F4E-BEA1-2DD5CD7F761F}"/>
+              </a:ext>
+            </a:extLst>
+          </p:cNvPr>
+          <p:cNvCxnSpPr>
+            <a:cxnSpLocks/>
+            <a:stCxn id="14" idx="3"/>
+            <a:endCxn id="15" idx="1"/>
+          </p:cNvCxnSpPr>
+          <p:nvPr/>
+        </p:nvCxnSpPr>
+        <p:spPr>
+          <a:xfrm>
+            <a:off x="3842426" y="4066534"/>
+            <a:ext cx="541149" cy="0"/>
+          </a:xfrm>
+          <a:prstGeom prst="straightConnector1">
+            <a:avLst/>
+          </a:prstGeom>
+          <a:ln>
+            <a:tailEnd type="triangle"/>
+          </a:ln>
+        </p:spPr>
+        <p:style>
+          <a:lnRef idx="1">
+            <a:schemeClr val="dk1"/>
+          </a:lnRef>
+          <a:fillRef idx="0">
+            <a:schemeClr val="dk1"/>
+          </a:fillRef>
+          <a:effectRef idx="0">
+            <a:schemeClr val="dk1"/>
+          </a:effectRef>
+          <a:fontRef idx="minor">
+            <a:schemeClr val="tx1"/>
+          </a:fontRef>
+        </p:style>
+      </p:cxnSp>
+      <p:cxnSp>
+        <p:nvCxnSpPr>
+          <p:cNvPr id="25" name="Straight Arrow Connector 24">
+            <a:extLst>
+              <a:ext uri="{FF2B5EF4-FFF2-40B4-BE49-F238E27FC236}">
+                <a16:creationId xmlns:a16="http://schemas.microsoft.com/office/drawing/2014/main" id="{244C073B-865F-6D4D-BA1E-BA4D8E8DCCD8}"/>
+              </a:ext>
+            </a:extLst>
+          </p:cNvPr>
+          <p:cNvCxnSpPr>
+            <a:cxnSpLocks/>
+            <a:stCxn id="15" idx="3"/>
+            <a:endCxn id="16" idx="1"/>
+          </p:cNvCxnSpPr>
+          <p:nvPr/>
+        </p:nvCxnSpPr>
+        <p:spPr>
+          <a:xfrm flipV="1">
+            <a:off x="5474287" y="4066533"/>
+            <a:ext cx="536488" cy="1"/>
+          </a:xfrm>
+          <a:prstGeom prst="straightConnector1">
+            <a:avLst/>
+          </a:prstGeom>
+          <a:ln>
+            <a:tailEnd type="triangle"/>
+          </a:ln>
+        </p:spPr>
+        <p:style>
+          <a:lnRef idx="1">
+            <a:schemeClr val="dk1"/>
+          </a:lnRef>
+          <a:fillRef idx="0">
+            <a:schemeClr val="dk1"/>
+          </a:fillRef>
+          <a:effectRef idx="0">
+            <a:schemeClr val="dk1"/>
+          </a:effectRef>
+          <a:fontRef idx="minor">
+            <a:schemeClr val="tx1"/>
+          </a:fontRef>
+        </p:style>
+      </p:cxnSp>
+      <p:cxnSp>
+        <p:nvCxnSpPr>
+          <p:cNvPr id="28" name="Straight Arrow Connector 27">
+            <a:extLst>
+              <a:ext uri="{FF2B5EF4-FFF2-40B4-BE49-F238E27FC236}">
+                <a16:creationId xmlns:a16="http://schemas.microsoft.com/office/drawing/2014/main" id="{9C54EA88-0B0E-1C4F-95B8-796E82C8BC18}"/>
+              </a:ext>
+            </a:extLst>
+          </p:cNvPr>
+          <p:cNvCxnSpPr>
+            <a:cxnSpLocks/>
+            <a:stCxn id="16" idx="3"/>
+            <a:endCxn id="30" idx="1"/>
+          </p:cNvCxnSpPr>
+          <p:nvPr/>
+        </p:nvCxnSpPr>
+        <p:spPr>
+          <a:xfrm>
+            <a:off x="7101487" y="4066533"/>
+            <a:ext cx="786023" cy="0"/>
+          </a:xfrm>
+          <a:prstGeom prst="straightConnector1">
+            <a:avLst/>
+          </a:prstGeom>
+          <a:ln>
+            <a:tailEnd type="triangle"/>
+          </a:ln>
+        </p:spPr>
+        <p:style>
+          <a:lnRef idx="1">
+            <a:schemeClr val="dk1"/>
+          </a:lnRef>
+          <a:fillRef idx="0">
+            <a:schemeClr val="dk1"/>
+          </a:fillRef>
+          <a:effectRef idx="0">
+            <a:schemeClr val="dk1"/>
+          </a:effectRef>
+          <a:fontRef idx="minor">
+            <a:schemeClr val="tx1"/>
+          </a:fontRef>
+        </p:style>
+      </p:cxnSp>
+      <p:sp>
+        <p:nvSpPr>
+          <p:cNvPr id="30" name="Rectangle 29">
+            <a:extLst>
+              <a:ext uri="{FF2B5EF4-FFF2-40B4-BE49-F238E27FC236}">
+                <a16:creationId xmlns:a16="http://schemas.microsoft.com/office/drawing/2014/main" id="{5B7C96ED-5CE6-6043-AA92-B186E22A6DC1}"/>
+              </a:ext>
+            </a:extLst>
+          </p:cNvPr>
+          <p:cNvSpPr/>
+          <p:nvPr/>
+        </p:nvSpPr>
+        <p:spPr>
+          <a:xfrm>
+            <a:off x="7887510" y="3782144"/>
+            <a:ext cx="1090712" cy="568777"/>
+          </a:xfrm>
+          <a:prstGeom prst="rect">
+            <a:avLst/>
+          </a:prstGeom>
+          <a:solidFill>
+            <a:schemeClr val="bg1"/>
+          </a:solidFill>
+          <a:ln>
+            <a:solidFill>
+              <a:schemeClr val="tx1"/>
+            </a:solidFill>
+          </a:ln>
+        </p:spPr>
+        <p:style>
+          <a:lnRef idx="2">
+            <a:schemeClr val="accent1">
+              <a:shade val="50000"/>
+            </a:schemeClr>
+          </a:lnRef>
+          <a:fillRef idx="1">
+            <a:schemeClr val="accent1"/>
+          </a:fillRef>
+          <a:effectRef idx="0">
+            <a:schemeClr val="accent1"/>
+          </a:effectRef>
+          <a:fontRef idx="minor">
+            <a:schemeClr val="lt1"/>
+          </a:fontRef>
+        </p:style>
+        <p:txBody>
+          <a:bodyPr rtlCol="0" anchor="ctr"/>
+          <a:lstStyle/>
+          <a:p>
+            <a:pPr algn="ctr"/>
+            <a:r>
+              <a:rPr lang="en-TW" sz="1400" dirty="0">
+                <a:solidFill>
+                  <a:schemeClr val="tx1"/>
+                </a:solidFill>
+              </a:rPr>
+              <a:t>最終模型</a:t>
+            </a:r>
+          </a:p>
+        </p:txBody>
+      </p:sp>
+      <p:cxnSp>
+        <p:nvCxnSpPr>
+          <p:cNvPr id="32" name="Elbow Connector 31">
+            <a:extLst>
+              <a:ext uri="{FF2B5EF4-FFF2-40B4-BE49-F238E27FC236}">
+                <a16:creationId xmlns:a16="http://schemas.microsoft.com/office/drawing/2014/main" id="{B6210DC7-8937-5A44-B1CA-B0F30B15047B}"/>
+              </a:ext>
+            </a:extLst>
+          </p:cNvPr>
+          <p:cNvCxnSpPr>
+            <a:stCxn id="16" idx="2"/>
+            <a:endCxn id="14" idx="2"/>
+          </p:cNvCxnSpPr>
+          <p:nvPr/>
+        </p:nvCxnSpPr>
+        <p:spPr>
+          <a:xfrm rot="5400000">
+            <a:off x="4926601" y="2721391"/>
+            <a:ext cx="1" cy="3259061"/>
+          </a:xfrm>
+          <a:prstGeom prst="bentConnector3">
+            <a:avLst>
+              <a:gd name="adj1" fmla="val 22860100000"/>
+            </a:avLst>
+          </a:prstGeom>
+          <a:ln>
+            <a:solidFill>
+              <a:schemeClr val="accent2">
+                <a:lumMod val="50000"/>
+              </a:schemeClr>
+            </a:solidFill>
+            <a:prstDash val="dash"/>
+            <a:tailEnd type="triangle"/>
+          </a:ln>
+        </p:spPr>
+        <p:style>
+          <a:lnRef idx="1">
+            <a:schemeClr val="accent1"/>
+          </a:lnRef>
+          <a:fillRef idx="0">
+            <a:schemeClr val="accent1"/>
+          </a:fillRef>
+          <a:effectRef idx="0">
+            <a:schemeClr val="accent1"/>
+          </a:effectRef>
+          <a:fontRef idx="minor">
+            <a:schemeClr val="tx1"/>
+          </a:fontRef>
+        </p:style>
+      </p:cxnSp>
+      <p:sp>
+        <p:nvSpPr>
+          <p:cNvPr id="37" name="Rectangle 36">
+            <a:extLst>
+              <a:ext uri="{FF2B5EF4-FFF2-40B4-BE49-F238E27FC236}">
+                <a16:creationId xmlns:a16="http://schemas.microsoft.com/office/drawing/2014/main" id="{4BDE9A1B-1643-F743-81A6-7398C0E3025D}"/>
+              </a:ext>
+            </a:extLst>
+          </p:cNvPr>
+          <p:cNvSpPr/>
+          <p:nvPr/>
+        </p:nvSpPr>
+        <p:spPr>
+          <a:xfrm>
+            <a:off x="4006159" y="4635308"/>
+            <a:ext cx="1877437" cy="261610"/>
+          </a:xfrm>
+          <a:prstGeom prst="rect">
+            <a:avLst/>
+          </a:prstGeom>
+        </p:spPr>
+        <p:txBody>
+          <a:bodyPr wrap="none">
+            <a:spAutoFit/>
+          </a:bodyPr>
+          <a:lstStyle/>
+          <a:p>
+            <a:pPr algn="ctr"/>
+            <a:r>
+              <a:rPr lang="en-TW" sz="1100" dirty="0"/>
+              <a:t>重複執行直到找到合適結果</a:t>
+            </a:r>
+          </a:p>
+        </p:txBody>
+      </p:sp>
+      <p:sp>
+        <p:nvSpPr>
+          <p:cNvPr id="43" name="Rectangle 42">
+            <a:extLst>
+              <a:ext uri="{FF2B5EF4-FFF2-40B4-BE49-F238E27FC236}">
+                <a16:creationId xmlns:a16="http://schemas.microsoft.com/office/drawing/2014/main" id="{1060FE6F-4E96-AC49-82F3-DE829D6D2780}"/>
+              </a:ext>
+            </a:extLst>
+          </p:cNvPr>
+          <p:cNvSpPr/>
+          <p:nvPr/>
+        </p:nvSpPr>
+        <p:spPr>
+          <a:xfrm>
+            <a:off x="7970802" y="4628312"/>
+            <a:ext cx="924128" cy="428017"/>
+          </a:xfrm>
+          <a:prstGeom prst="rect">
+            <a:avLst/>
+          </a:prstGeom>
+          <a:solidFill>
+            <a:schemeClr val="bg1"/>
+          </a:solidFill>
+          <a:ln>
+            <a:solidFill>
+              <a:schemeClr val="tx1"/>
+            </a:solidFill>
+          </a:ln>
+        </p:spPr>
+        <p:style>
+          <a:lnRef idx="2">
+            <a:schemeClr val="accent1">
+              <a:shade val="50000"/>
+            </a:schemeClr>
+          </a:lnRef>
+          <a:fillRef idx="1">
+            <a:schemeClr val="accent1"/>
+          </a:fillRef>
+          <a:effectRef idx="0">
+            <a:schemeClr val="accent1"/>
+          </a:effectRef>
+          <a:fontRef idx="minor">
+            <a:schemeClr val="lt1"/>
+          </a:fontRef>
+        </p:style>
+        <p:txBody>
+          <a:bodyPr rtlCol="0" anchor="ctr"/>
+          <a:lstStyle/>
+          <a:p>
+            <a:pPr algn="ctr"/>
+            <a:r>
+              <a:rPr lang="en-TW" sz="1400" dirty="0">
+                <a:solidFill>
+                  <a:schemeClr val="tx1"/>
+                </a:solidFill>
+              </a:rPr>
+              <a:t>新資料</a:t>
+            </a:r>
+          </a:p>
+        </p:txBody>
+      </p:sp>
+      <p:cxnSp>
+        <p:nvCxnSpPr>
+          <p:cNvPr id="44" name="Straight Arrow Connector 43">
+            <a:extLst>
+              <a:ext uri="{FF2B5EF4-FFF2-40B4-BE49-F238E27FC236}">
+                <a16:creationId xmlns:a16="http://schemas.microsoft.com/office/drawing/2014/main" id="{9C30FE1E-5565-4143-BC92-8B0B5BB1CBAD}"/>
+              </a:ext>
+            </a:extLst>
+          </p:cNvPr>
+          <p:cNvCxnSpPr>
+            <a:cxnSpLocks/>
+            <a:stCxn id="43" idx="0"/>
+            <a:endCxn id="30" idx="2"/>
+          </p:cNvCxnSpPr>
+          <p:nvPr/>
+        </p:nvCxnSpPr>
+        <p:spPr>
+          <a:xfrm flipV="1">
+            <a:off x="8432866" y="4350921"/>
+            <a:ext cx="0" cy="277391"/>
+          </a:xfrm>
+          <a:prstGeom prst="straightConnector1">
+            <a:avLst/>
+          </a:prstGeom>
+          <a:ln>
+            <a:tailEnd type="triangle"/>
+          </a:ln>
+        </p:spPr>
+        <p:style>
+          <a:lnRef idx="1">
+            <a:schemeClr val="dk1"/>
+          </a:lnRef>
+          <a:fillRef idx="0">
+            <a:schemeClr val="dk1"/>
+          </a:fillRef>
+          <a:effectRef idx="0">
+            <a:schemeClr val="dk1"/>
+          </a:effectRef>
+          <a:fontRef idx="minor">
+            <a:schemeClr val="tx1"/>
+          </a:fontRef>
+        </p:style>
+      </p:cxnSp>
+      <p:sp>
+        <p:nvSpPr>
+          <p:cNvPr id="48" name="Rectangle 47">
+            <a:extLst>
+              <a:ext uri="{FF2B5EF4-FFF2-40B4-BE49-F238E27FC236}">
+                <a16:creationId xmlns:a16="http://schemas.microsoft.com/office/drawing/2014/main" id="{A0A1E9C6-1D53-414B-A7AE-E7BD1FABC7AE}"/>
+              </a:ext>
+            </a:extLst>
+          </p:cNvPr>
+          <p:cNvSpPr/>
+          <p:nvPr/>
+        </p:nvSpPr>
+        <p:spPr>
+          <a:xfrm>
+            <a:off x="7970802" y="3000983"/>
+            <a:ext cx="924128" cy="428017"/>
+          </a:xfrm>
+          <a:prstGeom prst="rect">
+            <a:avLst/>
+          </a:prstGeom>
+          <a:solidFill>
+            <a:schemeClr val="bg1"/>
+          </a:solidFill>
+          <a:ln>
+            <a:solidFill>
+              <a:schemeClr val="tx1"/>
+            </a:solidFill>
+          </a:ln>
+        </p:spPr>
+        <p:style>
+          <a:lnRef idx="2">
+            <a:schemeClr val="accent1">
+              <a:shade val="50000"/>
+            </a:schemeClr>
+          </a:lnRef>
+          <a:fillRef idx="1">
+            <a:schemeClr val="accent1"/>
+          </a:fillRef>
+          <a:effectRef idx="0">
+            <a:schemeClr val="accent1"/>
+          </a:effectRef>
+          <a:fontRef idx="minor">
+            <a:schemeClr val="lt1"/>
+          </a:fontRef>
+        </p:style>
+        <p:txBody>
+          <a:bodyPr rtlCol="0" anchor="ctr"/>
+          <a:lstStyle/>
+          <a:p>
+            <a:pPr algn="ctr"/>
+            <a:r>
+              <a:rPr lang="en-TW" sz="1400" dirty="0">
+                <a:solidFill>
+                  <a:schemeClr val="tx1"/>
+                </a:solidFill>
+              </a:rPr>
+              <a:t>預測輸出</a:t>
+            </a:r>
+          </a:p>
+        </p:txBody>
+      </p:sp>
+      <p:cxnSp>
+        <p:nvCxnSpPr>
+          <p:cNvPr id="49" name="Straight Arrow Connector 48">
+            <a:extLst>
+              <a:ext uri="{FF2B5EF4-FFF2-40B4-BE49-F238E27FC236}">
+                <a16:creationId xmlns:a16="http://schemas.microsoft.com/office/drawing/2014/main" id="{B2391609-F2C1-9B48-997C-6A5B9B0E97BA}"/>
+              </a:ext>
+            </a:extLst>
+          </p:cNvPr>
+          <p:cNvCxnSpPr>
+            <a:cxnSpLocks/>
+            <a:stCxn id="30" idx="0"/>
+            <a:endCxn id="48" idx="2"/>
+          </p:cNvCxnSpPr>
+          <p:nvPr/>
+        </p:nvCxnSpPr>
+        <p:spPr>
+          <a:xfrm flipV="1">
+            <a:off x="8432866" y="3429000"/>
+            <a:ext cx="0" cy="353144"/>
+          </a:xfrm>
+          <a:prstGeom prst="straightConnector1">
+            <a:avLst/>
+          </a:prstGeom>
+          <a:ln>
+            <a:tailEnd type="triangle"/>
+          </a:ln>
+        </p:spPr>
+        <p:style>
+          <a:lnRef idx="1">
+            <a:schemeClr val="dk1"/>
+          </a:lnRef>
+          <a:fillRef idx="0">
+            <a:schemeClr val="dk1"/>
+          </a:fillRef>
+          <a:effectRef idx="0">
+            <a:schemeClr val="dk1"/>
+          </a:effectRef>
+          <a:fontRef idx="minor">
+            <a:schemeClr val="tx1"/>
+          </a:fontRef>
+        </p:style>
+      </p:cxnSp>
+      <p:sp>
+        <p:nvSpPr>
+          <p:cNvPr id="53" name="Rectangle 52">
+            <a:extLst>
+              <a:ext uri="{FF2B5EF4-FFF2-40B4-BE49-F238E27FC236}">
+                <a16:creationId xmlns:a16="http://schemas.microsoft.com/office/drawing/2014/main" id="{13DFBFB9-3EE9-6646-BA28-41BB186454C6}"/>
+              </a:ext>
+            </a:extLst>
+          </p:cNvPr>
+          <p:cNvSpPr/>
+          <p:nvPr/>
+        </p:nvSpPr>
+        <p:spPr>
+          <a:xfrm>
+            <a:off x="7990918" y="2656086"/>
+            <a:ext cx="883896" cy="307777"/>
+          </a:xfrm>
+          <a:prstGeom prst="rect">
+            <a:avLst/>
+          </a:prstGeom>
+        </p:spPr>
+        <p:txBody>
+          <a:bodyPr wrap="none">
+            <a:spAutoFit/>
+          </a:bodyPr>
+          <a:lstStyle/>
+          <a:p>
+            <a:pPr algn="ctr"/>
+            <a:r>
+              <a:rPr lang="en-TW" sz="1400" b="1" dirty="0"/>
+              <a:t>Inference</a:t>
+            </a:r>
+          </a:p>
+        </p:txBody>
+      </p:sp>
+      <p:sp>
+        <p:nvSpPr>
+          <p:cNvPr id="54" name="Rectangle 53">
+            <a:extLst>
+              <a:ext uri="{FF2B5EF4-FFF2-40B4-BE49-F238E27FC236}">
+                <a16:creationId xmlns:a16="http://schemas.microsoft.com/office/drawing/2014/main" id="{D06DBD6E-50EC-7E4E-9CC1-1C0B83099DAA}"/>
+              </a:ext>
+            </a:extLst>
+          </p:cNvPr>
+          <p:cNvSpPr/>
+          <p:nvPr/>
+        </p:nvSpPr>
+        <p:spPr>
+          <a:xfrm>
+            <a:off x="3731660" y="3491344"/>
+            <a:ext cx="2426433" cy="307777"/>
+          </a:xfrm>
+          <a:prstGeom prst="rect">
+            <a:avLst/>
+          </a:prstGeom>
+        </p:spPr>
+        <p:txBody>
+          <a:bodyPr wrap="none">
+            <a:spAutoFit/>
+          </a:bodyPr>
+          <a:lstStyle/>
+          <a:p>
+            <a:pPr algn="ctr"/>
+            <a:r>
+              <a:rPr lang="en-US" sz="1400" b="1" dirty="0"/>
+              <a:t>Hyperparameter Optimization</a:t>
+            </a:r>
+            <a:endParaRPr lang="en-TW" sz="1400" b="1" dirty="0"/>
+          </a:p>
+        </p:txBody>
+      </p:sp>
     </p:spTree>
     <p:extLst>
       <p:ext uri="{BB962C8B-B14F-4D97-AF65-F5344CB8AC3E}">
-        <p14:creationId xmlns:p14="http://schemas.microsoft.com/office/powerpoint/2010/main" val="2679256236"/>
+        <p14:creationId xmlns:p14="http://schemas.microsoft.com/office/powerpoint/2010/main" val="3555085394"/>
       </p:ext>
     </p:extLst>
   </p:cSld>

--- a/_posts/ithome/2021/19.AutoML/19.AutoML.pptx
+++ b/_posts/ithome/2021/19.AutoML/19.AutoML.pptx
@@ -4,9 +4,14 @@
   <p:sldMasterIdLst>
     <p:sldMasterId id="2147483648" r:id="rId1"/>
   </p:sldMasterIdLst>
+  <p:notesMasterIdLst>
+    <p:notesMasterId r:id="rId6"/>
+  </p:notesMasterIdLst>
   <p:sldIdLst>
     <p:sldId id="257" r:id="rId2"/>
     <p:sldId id="256" r:id="rId3"/>
+    <p:sldId id="258" r:id="rId4"/>
+    <p:sldId id="259" r:id="rId5"/>
   </p:sldIdLst>
   <p:sldSz cx="12192000" cy="6858000"/>
   <p:notesSz cx="6858000" cy="9144000"/>
@@ -113,6 +118,563 @@
 </p:presentation>
 </file>
 
+<file path=ppt/notesMasters/notesMaster1.xml><?xml version="1.0" encoding="utf-8"?>
+<p:notesMaster xmlns:a="http://schemas.openxmlformats.org/drawingml/2006/main" xmlns:r="http://schemas.openxmlformats.org/officeDocument/2006/relationships" xmlns:p="http://schemas.openxmlformats.org/presentationml/2006/main">
+  <p:cSld>
+    <p:bg>
+      <p:bgRef idx="1001">
+        <a:schemeClr val="bg1"/>
+      </p:bgRef>
+    </p:bg>
+    <p:spTree>
+      <p:nvGrpSpPr>
+        <p:cNvPr id="1" name=""/>
+        <p:cNvGrpSpPr/>
+        <p:nvPr/>
+      </p:nvGrpSpPr>
+      <p:grpSpPr>
+        <a:xfrm>
+          <a:off x="0" y="0"/>
+          <a:ext cx="0" cy="0"/>
+          <a:chOff x="0" y="0"/>
+          <a:chExt cx="0" cy="0"/>
+        </a:xfrm>
+      </p:grpSpPr>
+      <p:sp>
+        <p:nvSpPr>
+          <p:cNvPr id="2" name="Header Placeholder 1"/>
+          <p:cNvSpPr>
+            <a:spLocks noGrp="1"/>
+          </p:cNvSpPr>
+          <p:nvPr>
+            <p:ph type="hdr" sz="quarter"/>
+          </p:nvPr>
+        </p:nvSpPr>
+        <p:spPr>
+          <a:xfrm>
+            <a:off x="0" y="0"/>
+            <a:ext cx="2971800" cy="458788"/>
+          </a:xfrm>
+          <a:prstGeom prst="rect">
+            <a:avLst/>
+          </a:prstGeom>
+        </p:spPr>
+        <p:txBody>
+          <a:bodyPr vert="horz" lIns="91440" tIns="45720" rIns="91440" bIns="45720" rtlCol="0"/>
+          <a:lstStyle>
+            <a:lvl1pPr algn="l">
+              <a:defRPr sz="1200"/>
+            </a:lvl1pPr>
+          </a:lstStyle>
+          <a:p>
+            <a:endParaRPr lang="en-TW"/>
+          </a:p>
+        </p:txBody>
+      </p:sp>
+      <p:sp>
+        <p:nvSpPr>
+          <p:cNvPr id="3" name="Date Placeholder 2"/>
+          <p:cNvSpPr>
+            <a:spLocks noGrp="1"/>
+          </p:cNvSpPr>
+          <p:nvPr>
+            <p:ph type="dt" idx="1"/>
+          </p:nvPr>
+        </p:nvSpPr>
+        <p:spPr>
+          <a:xfrm>
+            <a:off x="3884613" y="0"/>
+            <a:ext cx="2971800" cy="458788"/>
+          </a:xfrm>
+          <a:prstGeom prst="rect">
+            <a:avLst/>
+          </a:prstGeom>
+        </p:spPr>
+        <p:txBody>
+          <a:bodyPr vert="horz" lIns="91440" tIns="45720" rIns="91440" bIns="45720" rtlCol="0"/>
+          <a:lstStyle>
+            <a:lvl1pPr algn="r">
+              <a:defRPr sz="1200"/>
+            </a:lvl1pPr>
+          </a:lstStyle>
+          <a:p>
+            <a:fld id="{CCE3649D-4F9F-5246-8ABA-1C70B86BDF03}" type="datetimeFigureOut">
+              <a:rPr lang="en-TW" smtClean="0"/>
+              <a:t>2021/9/26</a:t>
+            </a:fld>
+            <a:endParaRPr lang="en-TW"/>
+          </a:p>
+        </p:txBody>
+      </p:sp>
+      <p:sp>
+        <p:nvSpPr>
+          <p:cNvPr id="4" name="Slide Image Placeholder 3"/>
+          <p:cNvSpPr>
+            <a:spLocks noGrp="1" noRot="1" noChangeAspect="1"/>
+          </p:cNvSpPr>
+          <p:nvPr>
+            <p:ph type="sldImg" idx="2"/>
+          </p:nvPr>
+        </p:nvSpPr>
+        <p:spPr>
+          <a:xfrm>
+            <a:off x="685800" y="1143000"/>
+            <a:ext cx="5486400" cy="3086100"/>
+          </a:xfrm>
+          <a:prstGeom prst="rect">
+            <a:avLst/>
+          </a:prstGeom>
+          <a:noFill/>
+          <a:ln w="12700">
+            <a:solidFill>
+              <a:prstClr val="black"/>
+            </a:solidFill>
+          </a:ln>
+        </p:spPr>
+        <p:txBody>
+          <a:bodyPr vert="horz" lIns="91440" tIns="45720" rIns="91440" bIns="45720" rtlCol="0" anchor="ctr"/>
+          <a:lstStyle/>
+          <a:p>
+            <a:endParaRPr lang="en-TW"/>
+          </a:p>
+        </p:txBody>
+      </p:sp>
+      <p:sp>
+        <p:nvSpPr>
+          <p:cNvPr id="5" name="Notes Placeholder 4"/>
+          <p:cNvSpPr>
+            <a:spLocks noGrp="1"/>
+          </p:cNvSpPr>
+          <p:nvPr>
+            <p:ph type="body" sz="quarter" idx="3"/>
+          </p:nvPr>
+        </p:nvSpPr>
+        <p:spPr>
+          <a:xfrm>
+            <a:off x="685800" y="4400550"/>
+            <a:ext cx="5486400" cy="3600450"/>
+          </a:xfrm>
+          <a:prstGeom prst="rect">
+            <a:avLst/>
+          </a:prstGeom>
+        </p:spPr>
+        <p:txBody>
+          <a:bodyPr vert="horz" lIns="91440" tIns="45720" rIns="91440" bIns="45720" rtlCol="0"/>
+          <a:lstStyle/>
+          <a:p>
+            <a:pPr lvl="0"/>
+            <a:r>
+              <a:rPr lang="en-US"/>
+              <a:t>Click to edit Master text styles</a:t>
+            </a:r>
+          </a:p>
+          <a:p>
+            <a:pPr lvl="1"/>
+            <a:r>
+              <a:rPr lang="en-US"/>
+              <a:t>Second level</a:t>
+            </a:r>
+          </a:p>
+          <a:p>
+            <a:pPr lvl="2"/>
+            <a:r>
+              <a:rPr lang="en-US"/>
+              <a:t>Third level</a:t>
+            </a:r>
+          </a:p>
+          <a:p>
+            <a:pPr lvl="3"/>
+            <a:r>
+              <a:rPr lang="en-US"/>
+              <a:t>Fourth level</a:t>
+            </a:r>
+          </a:p>
+          <a:p>
+            <a:pPr lvl="4"/>
+            <a:r>
+              <a:rPr lang="en-US"/>
+              <a:t>Fifth level</a:t>
+            </a:r>
+            <a:endParaRPr lang="en-TW"/>
+          </a:p>
+        </p:txBody>
+      </p:sp>
+      <p:sp>
+        <p:nvSpPr>
+          <p:cNvPr id="6" name="Footer Placeholder 5"/>
+          <p:cNvSpPr>
+            <a:spLocks noGrp="1"/>
+          </p:cNvSpPr>
+          <p:nvPr>
+            <p:ph type="ftr" sz="quarter" idx="4"/>
+          </p:nvPr>
+        </p:nvSpPr>
+        <p:spPr>
+          <a:xfrm>
+            <a:off x="0" y="8685213"/>
+            <a:ext cx="2971800" cy="458787"/>
+          </a:xfrm>
+          <a:prstGeom prst="rect">
+            <a:avLst/>
+          </a:prstGeom>
+        </p:spPr>
+        <p:txBody>
+          <a:bodyPr vert="horz" lIns="91440" tIns="45720" rIns="91440" bIns="45720" rtlCol="0" anchor="b"/>
+          <a:lstStyle>
+            <a:lvl1pPr algn="l">
+              <a:defRPr sz="1200"/>
+            </a:lvl1pPr>
+          </a:lstStyle>
+          <a:p>
+            <a:endParaRPr lang="en-TW"/>
+          </a:p>
+        </p:txBody>
+      </p:sp>
+      <p:sp>
+        <p:nvSpPr>
+          <p:cNvPr id="7" name="Slide Number Placeholder 6"/>
+          <p:cNvSpPr>
+            <a:spLocks noGrp="1"/>
+          </p:cNvSpPr>
+          <p:nvPr>
+            <p:ph type="sldNum" sz="quarter" idx="5"/>
+          </p:nvPr>
+        </p:nvSpPr>
+        <p:spPr>
+          <a:xfrm>
+            <a:off x="3884613" y="8685213"/>
+            <a:ext cx="2971800" cy="458787"/>
+          </a:xfrm>
+          <a:prstGeom prst="rect">
+            <a:avLst/>
+          </a:prstGeom>
+        </p:spPr>
+        <p:txBody>
+          <a:bodyPr vert="horz" lIns="91440" tIns="45720" rIns="91440" bIns="45720" rtlCol="0" anchor="b"/>
+          <a:lstStyle>
+            <a:lvl1pPr algn="r">
+              <a:defRPr sz="1200"/>
+            </a:lvl1pPr>
+          </a:lstStyle>
+          <a:p>
+            <a:fld id="{378C6B93-7CA9-2E48-A4FF-09DB85B9BCDA}" type="slidenum">
+              <a:rPr lang="en-TW" smtClean="0"/>
+              <a:t>‹#›</a:t>
+            </a:fld>
+            <a:endParaRPr lang="en-TW"/>
+          </a:p>
+        </p:txBody>
+      </p:sp>
+    </p:spTree>
+    <p:extLst>
+      <p:ext uri="{BB962C8B-B14F-4D97-AF65-F5344CB8AC3E}">
+        <p14:creationId xmlns:p14="http://schemas.microsoft.com/office/powerpoint/2010/main" val="2402824814"/>
+      </p:ext>
+    </p:extLst>
+  </p:cSld>
+  <p:clrMap bg1="lt1" tx1="dk1" bg2="lt2" tx2="dk2" accent1="accent1" accent2="accent2" accent3="accent3" accent4="accent4" accent5="accent5" accent6="accent6" hlink="hlink" folHlink="folHlink"/>
+  <p:notesStyle>
+    <a:lvl1pPr marL="0" algn="l" defTabSz="914400" rtl="0" eaLnBrk="1" latinLnBrk="0" hangingPunct="1">
+      <a:defRPr sz="1200" kern="1200">
+        <a:solidFill>
+          <a:schemeClr val="tx1"/>
+        </a:solidFill>
+        <a:latin typeface="+mn-lt"/>
+        <a:ea typeface="+mn-ea"/>
+        <a:cs typeface="+mn-cs"/>
+      </a:defRPr>
+    </a:lvl1pPr>
+    <a:lvl2pPr marL="457200" algn="l" defTabSz="914400" rtl="0" eaLnBrk="1" latinLnBrk="0" hangingPunct="1">
+      <a:defRPr sz="1200" kern="1200">
+        <a:solidFill>
+          <a:schemeClr val="tx1"/>
+        </a:solidFill>
+        <a:latin typeface="+mn-lt"/>
+        <a:ea typeface="+mn-ea"/>
+        <a:cs typeface="+mn-cs"/>
+      </a:defRPr>
+    </a:lvl2pPr>
+    <a:lvl3pPr marL="914400" algn="l" defTabSz="914400" rtl="0" eaLnBrk="1" latinLnBrk="0" hangingPunct="1">
+      <a:defRPr sz="1200" kern="1200">
+        <a:solidFill>
+          <a:schemeClr val="tx1"/>
+        </a:solidFill>
+        <a:latin typeface="+mn-lt"/>
+        <a:ea typeface="+mn-ea"/>
+        <a:cs typeface="+mn-cs"/>
+      </a:defRPr>
+    </a:lvl3pPr>
+    <a:lvl4pPr marL="1371600" algn="l" defTabSz="914400" rtl="0" eaLnBrk="1" latinLnBrk="0" hangingPunct="1">
+      <a:defRPr sz="1200" kern="1200">
+        <a:solidFill>
+          <a:schemeClr val="tx1"/>
+        </a:solidFill>
+        <a:latin typeface="+mn-lt"/>
+        <a:ea typeface="+mn-ea"/>
+        <a:cs typeface="+mn-cs"/>
+      </a:defRPr>
+    </a:lvl4pPr>
+    <a:lvl5pPr marL="1828800" algn="l" defTabSz="914400" rtl="0" eaLnBrk="1" latinLnBrk="0" hangingPunct="1">
+      <a:defRPr sz="1200" kern="1200">
+        <a:solidFill>
+          <a:schemeClr val="tx1"/>
+        </a:solidFill>
+        <a:latin typeface="+mn-lt"/>
+        <a:ea typeface="+mn-ea"/>
+        <a:cs typeface="+mn-cs"/>
+      </a:defRPr>
+    </a:lvl5pPr>
+    <a:lvl6pPr marL="2286000" algn="l" defTabSz="914400" rtl="0" eaLnBrk="1" latinLnBrk="0" hangingPunct="1">
+      <a:defRPr sz="1200" kern="1200">
+        <a:solidFill>
+          <a:schemeClr val="tx1"/>
+        </a:solidFill>
+        <a:latin typeface="+mn-lt"/>
+        <a:ea typeface="+mn-ea"/>
+        <a:cs typeface="+mn-cs"/>
+      </a:defRPr>
+    </a:lvl6pPr>
+    <a:lvl7pPr marL="2743200" algn="l" defTabSz="914400" rtl="0" eaLnBrk="1" latinLnBrk="0" hangingPunct="1">
+      <a:defRPr sz="1200" kern="1200">
+        <a:solidFill>
+          <a:schemeClr val="tx1"/>
+        </a:solidFill>
+        <a:latin typeface="+mn-lt"/>
+        <a:ea typeface="+mn-ea"/>
+        <a:cs typeface="+mn-cs"/>
+      </a:defRPr>
+    </a:lvl7pPr>
+    <a:lvl8pPr marL="3200400" algn="l" defTabSz="914400" rtl="0" eaLnBrk="1" latinLnBrk="0" hangingPunct="1">
+      <a:defRPr sz="1200" kern="1200">
+        <a:solidFill>
+          <a:schemeClr val="tx1"/>
+        </a:solidFill>
+        <a:latin typeface="+mn-lt"/>
+        <a:ea typeface="+mn-ea"/>
+        <a:cs typeface="+mn-cs"/>
+      </a:defRPr>
+    </a:lvl8pPr>
+    <a:lvl9pPr marL="3657600" algn="l" defTabSz="914400" rtl="0" eaLnBrk="1" latinLnBrk="0" hangingPunct="1">
+      <a:defRPr sz="1200" kern="1200">
+        <a:solidFill>
+          <a:schemeClr val="tx1"/>
+        </a:solidFill>
+        <a:latin typeface="+mn-lt"/>
+        <a:ea typeface="+mn-ea"/>
+        <a:cs typeface="+mn-cs"/>
+      </a:defRPr>
+    </a:lvl9pPr>
+  </p:notesStyle>
+</p:notesMaster>
+</file>
+
+<file path=ppt/notesSlides/notesSlide1.xml><?xml version="1.0" encoding="utf-8"?>
+<p:notes xmlns:a="http://schemas.openxmlformats.org/drawingml/2006/main" xmlns:r="http://schemas.openxmlformats.org/officeDocument/2006/relationships" xmlns:p="http://schemas.openxmlformats.org/presentationml/2006/main">
+  <p:cSld>
+    <p:spTree>
+      <p:nvGrpSpPr>
+        <p:cNvPr id="1" name=""/>
+        <p:cNvGrpSpPr/>
+        <p:nvPr/>
+      </p:nvGrpSpPr>
+      <p:grpSpPr>
+        <a:xfrm>
+          <a:off x="0" y="0"/>
+          <a:ext cx="0" cy="0"/>
+          <a:chOff x="0" y="0"/>
+          <a:chExt cx="0" cy="0"/>
+        </a:xfrm>
+      </p:grpSpPr>
+      <p:sp>
+        <p:nvSpPr>
+          <p:cNvPr id="2" name="Slide Image Placeholder 1"/>
+          <p:cNvSpPr>
+            <a:spLocks noGrp="1" noRot="1" noChangeAspect="1"/>
+          </p:cNvSpPr>
+          <p:nvPr>
+            <p:ph type="sldImg"/>
+          </p:nvPr>
+        </p:nvSpPr>
+        <p:spPr/>
+      </p:sp>
+      <p:sp>
+        <p:nvSpPr>
+          <p:cNvPr id="3" name="Notes Placeholder 2"/>
+          <p:cNvSpPr>
+            <a:spLocks noGrp="1"/>
+          </p:cNvSpPr>
+          <p:nvPr>
+            <p:ph type="body" idx="1"/>
+          </p:nvPr>
+        </p:nvSpPr>
+        <p:spPr/>
+        <p:txBody>
+          <a:bodyPr/>
+          <a:lstStyle/>
+          <a:p>
+            <a:r>
+              <a:rPr lang="en-US" dirty="0"/>
+              <a:t>https://</a:t>
+            </a:r>
+            <a:r>
+              <a:rPr lang="en-US" dirty="0" err="1"/>
+              <a:t>www.automl.org</a:t>
+            </a:r>
+            <a:r>
+              <a:rPr lang="en-US" dirty="0"/>
+              <a:t>/</a:t>
+            </a:r>
+            <a:r>
+              <a:rPr lang="en-US" dirty="0" err="1"/>
+              <a:t>automl</a:t>
+            </a:r>
+            <a:r>
+              <a:rPr lang="en-US" dirty="0"/>
+              <a:t>/</a:t>
+            </a:r>
+            <a:endParaRPr lang="en-TW" dirty="0"/>
+          </a:p>
+        </p:txBody>
+      </p:sp>
+      <p:sp>
+        <p:nvSpPr>
+          <p:cNvPr id="4" name="Slide Number Placeholder 3"/>
+          <p:cNvSpPr>
+            <a:spLocks noGrp="1"/>
+          </p:cNvSpPr>
+          <p:nvPr>
+            <p:ph type="sldNum" sz="quarter" idx="5"/>
+          </p:nvPr>
+        </p:nvSpPr>
+        <p:spPr/>
+        <p:txBody>
+          <a:bodyPr/>
+          <a:lstStyle/>
+          <a:p>
+            <a:fld id="{378C6B93-7CA9-2E48-A4FF-09DB85B9BCDA}" type="slidenum">
+              <a:rPr lang="en-TW" smtClean="0"/>
+              <a:t>2</a:t>
+            </a:fld>
+            <a:endParaRPr lang="en-TW"/>
+          </a:p>
+        </p:txBody>
+      </p:sp>
+    </p:spTree>
+    <p:extLst>
+      <p:ext uri="{BB962C8B-B14F-4D97-AF65-F5344CB8AC3E}">
+        <p14:creationId xmlns:p14="http://schemas.microsoft.com/office/powerpoint/2010/main" val="3458298729"/>
+      </p:ext>
+    </p:extLst>
+  </p:cSld>
+  <p:clrMapOvr>
+    <a:masterClrMapping/>
+  </p:clrMapOvr>
+</p:notes>
+</file>
+
+<file path=ppt/notesSlides/notesSlide2.xml><?xml version="1.0" encoding="utf-8"?>
+<p:notes xmlns:a="http://schemas.openxmlformats.org/drawingml/2006/main" xmlns:r="http://schemas.openxmlformats.org/officeDocument/2006/relationships" xmlns:p="http://schemas.openxmlformats.org/presentationml/2006/main">
+  <p:cSld>
+    <p:spTree>
+      <p:nvGrpSpPr>
+        <p:cNvPr id="1" name=""/>
+        <p:cNvGrpSpPr/>
+        <p:nvPr/>
+      </p:nvGrpSpPr>
+      <p:grpSpPr>
+        <a:xfrm>
+          <a:off x="0" y="0"/>
+          <a:ext cx="0" cy="0"/>
+          <a:chOff x="0" y="0"/>
+          <a:chExt cx="0" cy="0"/>
+        </a:xfrm>
+      </p:grpSpPr>
+      <p:sp>
+        <p:nvSpPr>
+          <p:cNvPr id="2" name="Slide Image Placeholder 1"/>
+          <p:cNvSpPr>
+            <a:spLocks noGrp="1" noRot="1" noChangeAspect="1"/>
+          </p:cNvSpPr>
+          <p:nvPr>
+            <p:ph type="sldImg"/>
+          </p:nvPr>
+        </p:nvSpPr>
+        <p:spPr/>
+      </p:sp>
+      <p:sp>
+        <p:nvSpPr>
+          <p:cNvPr id="3" name="Notes Placeholder 2"/>
+          <p:cNvSpPr>
+            <a:spLocks noGrp="1"/>
+          </p:cNvSpPr>
+          <p:nvPr>
+            <p:ph type="body" idx="1"/>
+          </p:nvPr>
+        </p:nvSpPr>
+        <p:spPr/>
+        <p:txBody>
+          <a:bodyPr/>
+          <a:lstStyle/>
+          <a:p>
+            <a:r>
+              <a:rPr lang="en-US" dirty="0"/>
+              <a:t>https://</a:t>
+            </a:r>
+            <a:r>
+              <a:rPr lang="en-US" dirty="0" err="1"/>
+              <a:t>www.gushiciku.cn</a:t>
+            </a:r>
+            <a:r>
+              <a:rPr lang="en-US" dirty="0"/>
+              <a:t>/pl/p7cE/</a:t>
+            </a:r>
+            <a:r>
+              <a:rPr lang="en-US" dirty="0" err="1"/>
+              <a:t>zh-tw</a:t>
+            </a:r>
+            <a:endParaRPr lang="en-US"/>
+          </a:p>
+          <a:p>
+            <a:endParaRPr lang="en-TW" dirty="0"/>
+          </a:p>
+        </p:txBody>
+      </p:sp>
+      <p:sp>
+        <p:nvSpPr>
+          <p:cNvPr id="4" name="Slide Number Placeholder 3"/>
+          <p:cNvSpPr>
+            <a:spLocks noGrp="1"/>
+          </p:cNvSpPr>
+          <p:nvPr>
+            <p:ph type="sldNum" sz="quarter" idx="5"/>
+          </p:nvPr>
+        </p:nvSpPr>
+        <p:spPr/>
+        <p:txBody>
+          <a:bodyPr/>
+          <a:lstStyle/>
+          <a:p>
+            <a:fld id="{378C6B93-7CA9-2E48-A4FF-09DB85B9BCDA}" type="slidenum">
+              <a:rPr lang="en-TW" smtClean="0"/>
+              <a:t>4</a:t>
+            </a:fld>
+            <a:endParaRPr lang="en-TW"/>
+          </a:p>
+        </p:txBody>
+      </p:sp>
+    </p:spTree>
+    <p:extLst>
+      <p:ext uri="{BB962C8B-B14F-4D97-AF65-F5344CB8AC3E}">
+        <p14:creationId xmlns:p14="http://schemas.microsoft.com/office/powerpoint/2010/main" val="1665886491"/>
+      </p:ext>
+    </p:extLst>
+  </p:cSld>
+  <p:clrMapOvr>
+    <a:masterClrMapping/>
+  </p:clrMapOvr>
+</p:notes>
+</file>
+
 <file path=ppt/slideLayouts/slideLayout1.xml><?xml version="1.0" encoding="utf-8"?>
 <p:sldLayout xmlns:a="http://schemas.openxmlformats.org/drawingml/2006/main" xmlns:r="http://schemas.openxmlformats.org/officeDocument/2006/relationships" xmlns:p="http://schemas.openxmlformats.org/presentationml/2006/main" type="title" preserve="1">
   <p:cSld name="Title Slide">
@@ -262,7 +824,7 @@
           <a:p>
             <a:fld id="{FA72F50C-0205-344F-9362-2550D5A8C203}" type="datetimeFigureOut">
               <a:rPr lang="en-TW" smtClean="0"/>
-              <a:t>2021/9/25</a:t>
+              <a:t>2021/9/26</a:t>
             </a:fld>
             <a:endParaRPr lang="en-TW"/>
           </a:p>
@@ -462,7 +1024,7 @@
           <a:p>
             <a:fld id="{FA72F50C-0205-344F-9362-2550D5A8C203}" type="datetimeFigureOut">
               <a:rPr lang="en-TW" smtClean="0"/>
-              <a:t>2021/9/25</a:t>
+              <a:t>2021/9/26</a:t>
             </a:fld>
             <a:endParaRPr lang="en-TW"/>
           </a:p>
@@ -672,7 +1234,7 @@
           <a:p>
             <a:fld id="{FA72F50C-0205-344F-9362-2550D5A8C203}" type="datetimeFigureOut">
               <a:rPr lang="en-TW" smtClean="0"/>
-              <a:t>2021/9/25</a:t>
+              <a:t>2021/9/26</a:t>
             </a:fld>
             <a:endParaRPr lang="en-TW"/>
           </a:p>
@@ -872,7 +1434,7 @@
           <a:p>
             <a:fld id="{FA72F50C-0205-344F-9362-2550D5A8C203}" type="datetimeFigureOut">
               <a:rPr lang="en-TW" smtClean="0"/>
-              <a:t>2021/9/25</a:t>
+              <a:t>2021/9/26</a:t>
             </a:fld>
             <a:endParaRPr lang="en-TW"/>
           </a:p>
@@ -1148,7 +1710,7 @@
           <a:p>
             <a:fld id="{FA72F50C-0205-344F-9362-2550D5A8C203}" type="datetimeFigureOut">
               <a:rPr lang="en-TW" smtClean="0"/>
-              <a:t>2021/9/25</a:t>
+              <a:t>2021/9/26</a:t>
             </a:fld>
             <a:endParaRPr lang="en-TW"/>
           </a:p>
@@ -1416,7 +1978,7 @@
           <a:p>
             <a:fld id="{FA72F50C-0205-344F-9362-2550D5A8C203}" type="datetimeFigureOut">
               <a:rPr lang="en-TW" smtClean="0"/>
-              <a:t>2021/9/25</a:t>
+              <a:t>2021/9/26</a:t>
             </a:fld>
             <a:endParaRPr lang="en-TW"/>
           </a:p>
@@ -1831,7 +2393,7 @@
           <a:p>
             <a:fld id="{FA72F50C-0205-344F-9362-2550D5A8C203}" type="datetimeFigureOut">
               <a:rPr lang="en-TW" smtClean="0"/>
-              <a:t>2021/9/25</a:t>
+              <a:t>2021/9/26</a:t>
             </a:fld>
             <a:endParaRPr lang="en-TW"/>
           </a:p>
@@ -1973,7 +2535,7 @@
           <a:p>
             <a:fld id="{FA72F50C-0205-344F-9362-2550D5A8C203}" type="datetimeFigureOut">
               <a:rPr lang="en-TW" smtClean="0"/>
-              <a:t>2021/9/25</a:t>
+              <a:t>2021/9/26</a:t>
             </a:fld>
             <a:endParaRPr lang="en-TW"/>
           </a:p>
@@ -2086,7 +2648,7 @@
           <a:p>
             <a:fld id="{FA72F50C-0205-344F-9362-2550D5A8C203}" type="datetimeFigureOut">
               <a:rPr lang="en-TW" smtClean="0"/>
-              <a:t>2021/9/25</a:t>
+              <a:t>2021/9/26</a:t>
             </a:fld>
             <a:endParaRPr lang="en-TW"/>
           </a:p>
@@ -2399,7 +2961,7 @@
           <a:p>
             <a:fld id="{FA72F50C-0205-344F-9362-2550D5A8C203}" type="datetimeFigureOut">
               <a:rPr lang="en-TW" smtClean="0"/>
-              <a:t>2021/9/25</a:t>
+              <a:t>2021/9/26</a:t>
             </a:fld>
             <a:endParaRPr lang="en-TW"/>
           </a:p>
@@ -2688,7 +3250,7 @@
           <a:p>
             <a:fld id="{FA72F50C-0205-344F-9362-2550D5A8C203}" type="datetimeFigureOut">
               <a:rPr lang="en-TW" smtClean="0"/>
-              <a:t>2021/9/25</a:t>
+              <a:t>2021/9/26</a:t>
             </a:fld>
             <a:endParaRPr lang="en-TW"/>
           </a:p>
@@ -2931,7 +3493,7 @@
           <a:p>
             <a:fld id="{FA72F50C-0205-344F-9362-2550D5A8C203}" type="datetimeFigureOut">
               <a:rPr lang="en-TW" smtClean="0"/>
-              <a:t>2021/9/25</a:t>
+              <a:t>2021/9/26</a:t>
             </a:fld>
             <a:endParaRPr lang="en-TW"/>
           </a:p>
@@ -3996,7 +4558,7 @@
               <a:effectLst/>
               <a:extLst>
                 <a:ext uri="{C572A759-6A51-4108-AA02-DFA0A04FC94B}">
-                  <ma14:wrappingTextBoxFlag xmlns:ma14="http://schemas.microsoft.com/office/mac/drawingml/2011/main" xmlns:a14="http://schemas.microsoft.com/office/drawing/2010/main" xmlns:m="http://schemas.openxmlformats.org/officeDocument/2006/math" xmlns="" val="1"/>
+                  <ma14:wrappingTextBoxFlag xmlns="" xmlns:m="http://schemas.openxmlformats.org/officeDocument/2006/math" xmlns:a14="http://schemas.microsoft.com/office/drawing/2010/main" xmlns:ma14="http://schemas.microsoft.com/office/mac/drawingml/2011/main" val="1"/>
                 </a:ext>
               </a:extLst>
             </p:spPr>
@@ -4189,7 +4751,7 @@
               <a:effectLst/>
               <a:extLst>
                 <a:ext uri="{C572A759-6A51-4108-AA02-DFA0A04FC94B}">
-                  <ma14:wrappingTextBoxFlag xmlns:ma14="http://schemas.microsoft.com/office/mac/drawingml/2011/main" xmlns:a14="http://schemas.microsoft.com/office/drawing/2010/main" xmlns:m="http://schemas.openxmlformats.org/officeDocument/2006/math" xmlns="" val="1"/>
+                  <ma14:wrappingTextBoxFlag xmlns="" xmlns:m="http://schemas.openxmlformats.org/officeDocument/2006/math" xmlns:a14="http://schemas.microsoft.com/office/drawing/2010/main" xmlns:ma14="http://schemas.microsoft.com/office/mac/drawingml/2011/main" val="1"/>
                 </a:ext>
               </a:extLst>
             </p:spPr>
@@ -4404,7 +4966,7 @@
               <a:effectLst/>
               <a:extLst>
                 <a:ext uri="{C572A759-6A51-4108-AA02-DFA0A04FC94B}">
-                  <ma14:wrappingTextBoxFlag xmlns:ma14="http://schemas.microsoft.com/office/mac/drawingml/2011/main" xmlns:a14="http://schemas.microsoft.com/office/drawing/2010/main" xmlns:m="http://schemas.openxmlformats.org/officeDocument/2006/math" xmlns="" val="1"/>
+                  <ma14:wrappingTextBoxFlag xmlns="" xmlns:m="http://schemas.openxmlformats.org/officeDocument/2006/math" xmlns:a14="http://schemas.microsoft.com/office/drawing/2010/main" xmlns:ma14="http://schemas.microsoft.com/office/mac/drawingml/2011/main" val="1"/>
                 </a:ext>
               </a:extLst>
             </p:spPr>
@@ -4689,7 +5251,7 @@
               <a:effectLst/>
               <a:extLst>
                 <a:ext uri="{C572A759-6A51-4108-AA02-DFA0A04FC94B}">
-                  <ma14:wrappingTextBoxFlag xmlns:ma14="http://schemas.microsoft.com/office/mac/drawingml/2011/main" xmlns:a14="http://schemas.microsoft.com/office/drawing/2010/main" xmlns:m="http://schemas.openxmlformats.org/officeDocument/2006/math" xmlns="" val="1"/>
+                  <ma14:wrappingTextBoxFlag xmlns="" xmlns:m="http://schemas.openxmlformats.org/officeDocument/2006/math" xmlns:a14="http://schemas.microsoft.com/office/drawing/2010/main" xmlns:ma14="http://schemas.microsoft.com/office/mac/drawingml/2011/main" val="1"/>
                 </a:ext>
               </a:extLst>
             </p:spPr>
@@ -4882,7 +5444,7 @@
               <a:effectLst/>
               <a:extLst>
                 <a:ext uri="{C572A759-6A51-4108-AA02-DFA0A04FC94B}">
-                  <ma14:wrappingTextBoxFlag xmlns:ma14="http://schemas.microsoft.com/office/mac/drawingml/2011/main" xmlns:a14="http://schemas.microsoft.com/office/drawing/2010/main" xmlns:m="http://schemas.openxmlformats.org/officeDocument/2006/math" xmlns="" val="1"/>
+                  <ma14:wrappingTextBoxFlag xmlns="" xmlns:m="http://schemas.openxmlformats.org/officeDocument/2006/math" xmlns:a14="http://schemas.microsoft.com/office/drawing/2010/main" xmlns:ma14="http://schemas.microsoft.com/office/mac/drawingml/2011/main" val="1"/>
                 </a:ext>
               </a:extLst>
             </p:spPr>
@@ -4988,7 +5550,7 @@
               <p:nvPr/>
             </p:nvPicPr>
             <p:blipFill>
-              <a:blip r:embed="rId2">
+              <a:blip r:embed="rId3">
                 <a:duotone>
                   <a:prstClr val="black"/>
                   <a:schemeClr val="tx1">
@@ -5036,7 +5598,7 @@
               <p:nvPr/>
             </p:nvPicPr>
             <p:blipFill>
-              <a:blip r:embed="rId3">
+              <a:blip r:embed="rId4">
                 <a:alphaModFix amt="20000"/>
                 <a:extLst>
                   <a:ext uri="{28A0092B-C50C-407E-A947-70E740481C1C}">
@@ -5097,7 +5659,7 @@
               <a:effectLst/>
               <a:extLst>
                 <a:ext uri="{C572A759-6A51-4108-AA02-DFA0A04FC94B}">
-                  <ma14:wrappingTextBoxFlag xmlns:ma14="http://schemas.microsoft.com/office/mac/drawingml/2011/main" xmlns:a14="http://schemas.microsoft.com/office/drawing/2010/main" xmlns:m="http://schemas.openxmlformats.org/officeDocument/2006/math" xmlns="" val="1"/>
+                  <ma14:wrappingTextBoxFlag xmlns="" xmlns:m="http://schemas.openxmlformats.org/officeDocument/2006/math" xmlns:a14="http://schemas.microsoft.com/office/drawing/2010/main" xmlns:ma14="http://schemas.microsoft.com/office/mac/drawingml/2011/main" val="1"/>
                 </a:ext>
               </a:extLst>
             </p:spPr>
@@ -6110,6 +6672,3863 @@
     <p:extLst>
       <p:ext uri="{BB962C8B-B14F-4D97-AF65-F5344CB8AC3E}">
         <p14:creationId xmlns:p14="http://schemas.microsoft.com/office/powerpoint/2010/main" val="3555085394"/>
+      </p:ext>
+    </p:extLst>
+  </p:cSld>
+  <p:clrMapOvr>
+    <a:masterClrMapping/>
+  </p:clrMapOvr>
+</p:sld>
+</file>
+
+<file path=ppt/slides/slide3.xml><?xml version="1.0" encoding="utf-8"?>
+<p:sld xmlns:a="http://schemas.openxmlformats.org/drawingml/2006/main" xmlns:r="http://schemas.openxmlformats.org/officeDocument/2006/relationships" xmlns:p="http://schemas.openxmlformats.org/presentationml/2006/main">
+  <p:cSld>
+    <p:spTree>
+      <p:nvGrpSpPr>
+        <p:cNvPr id="1" name=""/>
+        <p:cNvGrpSpPr/>
+        <p:nvPr/>
+      </p:nvGrpSpPr>
+      <p:grpSpPr>
+        <a:xfrm>
+          <a:off x="0" y="0"/>
+          <a:ext cx="0" cy="0"/>
+          <a:chOff x="0" y="0"/>
+          <a:chExt cx="0" cy="0"/>
+        </a:xfrm>
+      </p:grpSpPr>
+      <p:sp>
+        <p:nvSpPr>
+          <p:cNvPr id="24" name="Rectangle 23">
+            <a:extLst>
+              <a:ext uri="{FF2B5EF4-FFF2-40B4-BE49-F238E27FC236}">
+                <a16:creationId xmlns:a16="http://schemas.microsoft.com/office/drawing/2014/main" id="{EE5F0FD6-1CAB-0A4E-AB91-592066D7EFE8}"/>
+              </a:ext>
+            </a:extLst>
+          </p:cNvPr>
+          <p:cNvSpPr/>
+          <p:nvPr/>
+        </p:nvSpPr>
+        <p:spPr>
+          <a:xfrm>
+            <a:off x="4104503" y="2574720"/>
+            <a:ext cx="1272744" cy="560829"/>
+          </a:xfrm>
+          <a:prstGeom prst="rect">
+            <a:avLst/>
+          </a:prstGeom>
+          <a:solidFill>
+            <a:schemeClr val="accent2">
+              <a:lumMod val="20000"/>
+              <a:lumOff val="80000"/>
+            </a:schemeClr>
+          </a:solidFill>
+          <a:ln>
+            <a:noFill/>
+          </a:ln>
+        </p:spPr>
+        <p:style>
+          <a:lnRef idx="2">
+            <a:schemeClr val="accent1">
+              <a:shade val="50000"/>
+            </a:schemeClr>
+          </a:lnRef>
+          <a:fillRef idx="1">
+            <a:schemeClr val="accent1"/>
+          </a:fillRef>
+          <a:effectRef idx="0">
+            <a:schemeClr val="accent1"/>
+          </a:effectRef>
+          <a:fontRef idx="minor">
+            <a:schemeClr val="lt1"/>
+          </a:fontRef>
+        </p:style>
+        <p:txBody>
+          <a:bodyPr rtlCol="0" anchor="ctr"/>
+          <a:lstStyle/>
+          <a:p>
+            <a:pPr algn="ctr"/>
+            <a:endParaRPr lang="en-TW"/>
+          </a:p>
+        </p:txBody>
+      </p:sp>
+      <p:cxnSp>
+        <p:nvCxnSpPr>
+          <p:cNvPr id="3" name="Straight Arrow Connector 2">
+            <a:extLst>
+              <a:ext uri="{FF2B5EF4-FFF2-40B4-BE49-F238E27FC236}">
+                <a16:creationId xmlns:a16="http://schemas.microsoft.com/office/drawing/2014/main" id="{AE20577A-30F5-C543-885C-094C7EA0C328}"/>
+              </a:ext>
+            </a:extLst>
+          </p:cNvPr>
+          <p:cNvCxnSpPr>
+            <a:cxnSpLocks/>
+          </p:cNvCxnSpPr>
+          <p:nvPr/>
+        </p:nvCxnSpPr>
+        <p:spPr>
+          <a:xfrm flipV="1">
+            <a:off x="3956221" y="2443205"/>
+            <a:ext cx="0" cy="1927654"/>
+          </a:xfrm>
+          <a:prstGeom prst="straightConnector1">
+            <a:avLst/>
+          </a:prstGeom>
+          <a:ln>
+            <a:solidFill>
+              <a:schemeClr val="accent2">
+                <a:lumMod val="50000"/>
+              </a:schemeClr>
+            </a:solidFill>
+            <a:tailEnd type="triangle"/>
+          </a:ln>
+        </p:spPr>
+        <p:style>
+          <a:lnRef idx="1">
+            <a:schemeClr val="dk1"/>
+          </a:lnRef>
+          <a:fillRef idx="0">
+            <a:schemeClr val="dk1"/>
+          </a:fillRef>
+          <a:effectRef idx="0">
+            <a:schemeClr val="dk1"/>
+          </a:effectRef>
+          <a:fontRef idx="minor">
+            <a:schemeClr val="tx1"/>
+          </a:fontRef>
+        </p:style>
+      </p:cxnSp>
+      <p:cxnSp>
+        <p:nvCxnSpPr>
+          <p:cNvPr id="6" name="Straight Arrow Connector 5">
+            <a:extLst>
+              <a:ext uri="{FF2B5EF4-FFF2-40B4-BE49-F238E27FC236}">
+                <a16:creationId xmlns:a16="http://schemas.microsoft.com/office/drawing/2014/main" id="{95AD4D98-9B83-7F4E-BB17-F19F4C42A910}"/>
+              </a:ext>
+            </a:extLst>
+          </p:cNvPr>
+          <p:cNvCxnSpPr>
+            <a:cxnSpLocks/>
+          </p:cNvCxnSpPr>
+          <p:nvPr/>
+        </p:nvCxnSpPr>
+        <p:spPr>
+          <a:xfrm>
+            <a:off x="3956221" y="4370859"/>
+            <a:ext cx="3348682" cy="0"/>
+          </a:xfrm>
+          <a:prstGeom prst="straightConnector1">
+            <a:avLst/>
+          </a:prstGeom>
+          <a:ln>
+            <a:solidFill>
+              <a:schemeClr val="accent2">
+                <a:lumMod val="50000"/>
+              </a:schemeClr>
+            </a:solidFill>
+            <a:tailEnd type="triangle"/>
+          </a:ln>
+        </p:spPr>
+        <p:style>
+          <a:lnRef idx="1">
+            <a:schemeClr val="dk1"/>
+          </a:lnRef>
+          <a:fillRef idx="0">
+            <a:schemeClr val="dk1"/>
+          </a:fillRef>
+          <a:effectRef idx="0">
+            <a:schemeClr val="dk1"/>
+          </a:effectRef>
+          <a:fontRef idx="minor">
+            <a:schemeClr val="tx1"/>
+          </a:fontRef>
+        </p:style>
+      </p:cxnSp>
+      <p:sp>
+        <p:nvSpPr>
+          <p:cNvPr id="9" name="Freeform 8">
+            <a:extLst>
+              <a:ext uri="{FF2B5EF4-FFF2-40B4-BE49-F238E27FC236}">
+                <a16:creationId xmlns:a16="http://schemas.microsoft.com/office/drawing/2014/main" id="{70FA0F99-837B-9748-ACFE-8509276609EA}"/>
+              </a:ext>
+            </a:extLst>
+          </p:cNvPr>
+          <p:cNvSpPr/>
+          <p:nvPr/>
+        </p:nvSpPr>
+        <p:spPr>
+          <a:xfrm flipV="1">
+            <a:off x="4104503" y="2697672"/>
+            <a:ext cx="3027405" cy="1425170"/>
+          </a:xfrm>
+          <a:custGeom>
+            <a:avLst/>
+            <a:gdLst>
+              <a:gd name="connsiteX0" fmla="*/ 0 w 3027405"/>
+              <a:gd name="connsiteY0" fmla="*/ 225731 h 1425170"/>
+              <a:gd name="connsiteX1" fmla="*/ 259492 w 3027405"/>
+              <a:gd name="connsiteY1" fmla="*/ 361655 h 1425170"/>
+              <a:gd name="connsiteX2" fmla="*/ 432486 w 3027405"/>
+              <a:gd name="connsiteY2" fmla="*/ 670574 h 1425170"/>
+              <a:gd name="connsiteX3" fmla="*/ 679621 w 3027405"/>
+              <a:gd name="connsiteY3" fmla="*/ 361655 h 1425170"/>
+              <a:gd name="connsiteX4" fmla="*/ 864973 w 3027405"/>
+              <a:gd name="connsiteY4" fmla="*/ 3309 h 1425170"/>
+              <a:gd name="connsiteX5" fmla="*/ 1013254 w 3027405"/>
+              <a:gd name="connsiteY5" fmla="*/ 584077 h 1425170"/>
+              <a:gd name="connsiteX6" fmla="*/ 1272746 w 3027405"/>
+              <a:gd name="connsiteY6" fmla="*/ 472866 h 1425170"/>
+              <a:gd name="connsiteX7" fmla="*/ 1779373 w 3027405"/>
+              <a:gd name="connsiteY7" fmla="*/ 1424336 h 1425170"/>
+              <a:gd name="connsiteX8" fmla="*/ 2137719 w 3027405"/>
+              <a:gd name="connsiteY8" fmla="*/ 645860 h 1425170"/>
+              <a:gd name="connsiteX9" fmla="*/ 2360140 w 3027405"/>
+              <a:gd name="connsiteY9" fmla="*/ 942423 h 1425170"/>
+              <a:gd name="connsiteX10" fmla="*/ 2520778 w 3027405"/>
+              <a:gd name="connsiteY10" fmla="*/ 1103060 h 1425170"/>
+              <a:gd name="connsiteX11" fmla="*/ 2792627 w 3027405"/>
+              <a:gd name="connsiteY11" fmla="*/ 905352 h 1425170"/>
+              <a:gd name="connsiteX12" fmla="*/ 3027405 w 3027405"/>
+              <a:gd name="connsiteY12" fmla="*/ 336942 h 1425170"/>
+            </a:gdLst>
+            <a:ahLst/>
+            <a:cxnLst>
+              <a:cxn ang="0">
+                <a:pos x="connsiteX0" y="connsiteY0"/>
+              </a:cxn>
+              <a:cxn ang="0">
+                <a:pos x="connsiteX1" y="connsiteY1"/>
+              </a:cxn>
+              <a:cxn ang="0">
+                <a:pos x="connsiteX2" y="connsiteY2"/>
+              </a:cxn>
+              <a:cxn ang="0">
+                <a:pos x="connsiteX3" y="connsiteY3"/>
+              </a:cxn>
+              <a:cxn ang="0">
+                <a:pos x="connsiteX4" y="connsiteY4"/>
+              </a:cxn>
+              <a:cxn ang="0">
+                <a:pos x="connsiteX5" y="connsiteY5"/>
+              </a:cxn>
+              <a:cxn ang="0">
+                <a:pos x="connsiteX6" y="connsiteY6"/>
+              </a:cxn>
+              <a:cxn ang="0">
+                <a:pos x="connsiteX7" y="connsiteY7"/>
+              </a:cxn>
+              <a:cxn ang="0">
+                <a:pos x="connsiteX8" y="connsiteY8"/>
+              </a:cxn>
+              <a:cxn ang="0">
+                <a:pos x="connsiteX9" y="connsiteY9"/>
+              </a:cxn>
+              <a:cxn ang="0">
+                <a:pos x="connsiteX10" y="connsiteY10"/>
+              </a:cxn>
+              <a:cxn ang="0">
+                <a:pos x="connsiteX11" y="connsiteY11"/>
+              </a:cxn>
+              <a:cxn ang="0">
+                <a:pos x="connsiteX12" y="connsiteY12"/>
+              </a:cxn>
+            </a:cxnLst>
+            <a:rect l="l" t="t" r="r" b="b"/>
+            <a:pathLst>
+              <a:path w="3027405" h="1425170">
+                <a:moveTo>
+                  <a:pt x="0" y="225731"/>
+                </a:moveTo>
+                <a:cubicBezTo>
+                  <a:pt x="93705" y="256623"/>
+                  <a:pt x="187411" y="287515"/>
+                  <a:pt x="259492" y="361655"/>
+                </a:cubicBezTo>
+                <a:cubicBezTo>
+                  <a:pt x="331573" y="435796"/>
+                  <a:pt x="362465" y="670574"/>
+                  <a:pt x="432486" y="670574"/>
+                </a:cubicBezTo>
+                <a:cubicBezTo>
+                  <a:pt x="502507" y="670574"/>
+                  <a:pt x="607540" y="472866"/>
+                  <a:pt x="679621" y="361655"/>
+                </a:cubicBezTo>
+                <a:cubicBezTo>
+                  <a:pt x="751702" y="250444"/>
+                  <a:pt x="809367" y="-33761"/>
+                  <a:pt x="864973" y="3309"/>
+                </a:cubicBezTo>
+                <a:cubicBezTo>
+                  <a:pt x="920579" y="40379"/>
+                  <a:pt x="945292" y="505818"/>
+                  <a:pt x="1013254" y="584077"/>
+                </a:cubicBezTo>
+                <a:cubicBezTo>
+                  <a:pt x="1081216" y="662336"/>
+                  <a:pt x="1145060" y="332823"/>
+                  <a:pt x="1272746" y="472866"/>
+                </a:cubicBezTo>
+                <a:cubicBezTo>
+                  <a:pt x="1400432" y="612909"/>
+                  <a:pt x="1635211" y="1395504"/>
+                  <a:pt x="1779373" y="1424336"/>
+                </a:cubicBezTo>
+                <a:cubicBezTo>
+                  <a:pt x="1923535" y="1453168"/>
+                  <a:pt x="2040925" y="726179"/>
+                  <a:pt x="2137719" y="645860"/>
+                </a:cubicBezTo>
+                <a:cubicBezTo>
+                  <a:pt x="2234514" y="565541"/>
+                  <a:pt x="2296297" y="866223"/>
+                  <a:pt x="2360140" y="942423"/>
+                </a:cubicBezTo>
+                <a:cubicBezTo>
+                  <a:pt x="2423983" y="1018623"/>
+                  <a:pt x="2448697" y="1109238"/>
+                  <a:pt x="2520778" y="1103060"/>
+                </a:cubicBezTo>
+                <a:cubicBezTo>
+                  <a:pt x="2592859" y="1096882"/>
+                  <a:pt x="2708189" y="1033038"/>
+                  <a:pt x="2792627" y="905352"/>
+                </a:cubicBezTo>
+                <a:cubicBezTo>
+                  <a:pt x="2877065" y="777666"/>
+                  <a:pt x="2952235" y="557304"/>
+                  <a:pt x="3027405" y="336942"/>
+                </a:cubicBezTo>
+              </a:path>
+            </a:pathLst>
+          </a:custGeom>
+          <a:noFill/>
+          <a:ln>
+            <a:solidFill>
+              <a:schemeClr val="accent2">
+                <a:lumMod val="50000"/>
+              </a:schemeClr>
+            </a:solidFill>
+          </a:ln>
+        </p:spPr>
+        <p:style>
+          <a:lnRef idx="2">
+            <a:schemeClr val="accent1">
+              <a:shade val="50000"/>
+            </a:schemeClr>
+          </a:lnRef>
+          <a:fillRef idx="1">
+            <a:schemeClr val="accent1"/>
+          </a:fillRef>
+          <a:effectRef idx="0">
+            <a:schemeClr val="accent1"/>
+          </a:effectRef>
+          <a:fontRef idx="minor">
+            <a:schemeClr val="lt1"/>
+          </a:fontRef>
+        </p:style>
+        <p:txBody>
+          <a:bodyPr rtlCol="0" anchor="ctr"/>
+          <a:lstStyle/>
+          <a:p>
+            <a:pPr algn="ctr"/>
+            <a:endParaRPr lang="en-TW"/>
+          </a:p>
+        </p:txBody>
+      </p:sp>
+      <p:sp>
+        <p:nvSpPr>
+          <p:cNvPr id="15" name="Freeform 14">
+            <a:extLst>
+              <a:ext uri="{FF2B5EF4-FFF2-40B4-BE49-F238E27FC236}">
+                <a16:creationId xmlns:a16="http://schemas.microsoft.com/office/drawing/2014/main" id="{48D65B74-6FF8-A748-8C33-3EF0C660E719}"/>
+              </a:ext>
+            </a:extLst>
+          </p:cNvPr>
+          <p:cNvSpPr/>
+          <p:nvPr/>
+        </p:nvSpPr>
+        <p:spPr>
+          <a:xfrm flipV="1">
+            <a:off x="4178643" y="2914036"/>
+            <a:ext cx="3089189" cy="1113698"/>
+          </a:xfrm>
+          <a:custGeom>
+            <a:avLst/>
+            <a:gdLst>
+              <a:gd name="connsiteX0" fmla="*/ 0 w 3089189"/>
+              <a:gd name="connsiteY0" fmla="*/ 25371 h 1113698"/>
+              <a:gd name="connsiteX1" fmla="*/ 345989 w 3089189"/>
+              <a:gd name="connsiteY1" fmla="*/ 433144 h 1113698"/>
+              <a:gd name="connsiteX2" fmla="*/ 852616 w 3089189"/>
+              <a:gd name="connsiteY2" fmla="*/ 13014 h 1113698"/>
+              <a:gd name="connsiteX3" fmla="*/ 1569308 w 3089189"/>
+              <a:gd name="connsiteY3" fmla="*/ 1038625 h 1113698"/>
+              <a:gd name="connsiteX4" fmla="*/ 1865871 w 3089189"/>
+              <a:gd name="connsiteY4" fmla="*/ 976841 h 1113698"/>
+              <a:gd name="connsiteX5" fmla="*/ 2162433 w 3089189"/>
+              <a:gd name="connsiteY5" fmla="*/ 507285 h 1113698"/>
+              <a:gd name="connsiteX6" fmla="*/ 2718487 w 3089189"/>
+              <a:gd name="connsiteY6" fmla="*/ 667923 h 1113698"/>
+              <a:gd name="connsiteX7" fmla="*/ 3089189 w 3089189"/>
+              <a:gd name="connsiteY7" fmla="*/ 309577 h 1113698"/>
+            </a:gdLst>
+            <a:ahLst/>
+            <a:cxnLst>
+              <a:cxn ang="0">
+                <a:pos x="connsiteX0" y="connsiteY0"/>
+              </a:cxn>
+              <a:cxn ang="0">
+                <a:pos x="connsiteX1" y="connsiteY1"/>
+              </a:cxn>
+              <a:cxn ang="0">
+                <a:pos x="connsiteX2" y="connsiteY2"/>
+              </a:cxn>
+              <a:cxn ang="0">
+                <a:pos x="connsiteX3" y="connsiteY3"/>
+              </a:cxn>
+              <a:cxn ang="0">
+                <a:pos x="connsiteX4" y="connsiteY4"/>
+              </a:cxn>
+              <a:cxn ang="0">
+                <a:pos x="connsiteX5" y="connsiteY5"/>
+              </a:cxn>
+              <a:cxn ang="0">
+                <a:pos x="connsiteX6" y="connsiteY6"/>
+              </a:cxn>
+              <a:cxn ang="0">
+                <a:pos x="connsiteX7" y="connsiteY7"/>
+              </a:cxn>
+            </a:cxnLst>
+            <a:rect l="l" t="t" r="r" b="b"/>
+            <a:pathLst>
+              <a:path w="3089189" h="1113698">
+                <a:moveTo>
+                  <a:pt x="0" y="25371"/>
+                </a:moveTo>
+                <a:cubicBezTo>
+                  <a:pt x="101943" y="230287"/>
+                  <a:pt x="203886" y="435203"/>
+                  <a:pt x="345989" y="433144"/>
+                </a:cubicBezTo>
+                <a:cubicBezTo>
+                  <a:pt x="488092" y="431085"/>
+                  <a:pt x="648730" y="-87899"/>
+                  <a:pt x="852616" y="13014"/>
+                </a:cubicBezTo>
+                <a:cubicBezTo>
+                  <a:pt x="1056502" y="113927"/>
+                  <a:pt x="1400432" y="877987"/>
+                  <a:pt x="1569308" y="1038625"/>
+                </a:cubicBezTo>
+                <a:cubicBezTo>
+                  <a:pt x="1738184" y="1199263"/>
+                  <a:pt x="1767017" y="1065398"/>
+                  <a:pt x="1865871" y="976841"/>
+                </a:cubicBezTo>
+                <a:cubicBezTo>
+                  <a:pt x="1964725" y="888284"/>
+                  <a:pt x="2020330" y="558771"/>
+                  <a:pt x="2162433" y="507285"/>
+                </a:cubicBezTo>
+                <a:cubicBezTo>
+                  <a:pt x="2304536" y="455799"/>
+                  <a:pt x="2564028" y="700874"/>
+                  <a:pt x="2718487" y="667923"/>
+                </a:cubicBezTo>
+                <a:cubicBezTo>
+                  <a:pt x="2872946" y="634972"/>
+                  <a:pt x="2981067" y="472274"/>
+                  <a:pt x="3089189" y="309577"/>
+                </a:cubicBezTo>
+              </a:path>
+            </a:pathLst>
+          </a:custGeom>
+          <a:noFill/>
+          <a:ln>
+            <a:solidFill>
+              <a:srgbClr val="D2A66C"/>
+            </a:solidFill>
+            <a:prstDash val="lgDash"/>
+          </a:ln>
+        </p:spPr>
+        <p:style>
+          <a:lnRef idx="2">
+            <a:schemeClr val="accent1">
+              <a:shade val="50000"/>
+            </a:schemeClr>
+          </a:lnRef>
+          <a:fillRef idx="1">
+            <a:schemeClr val="accent1"/>
+          </a:fillRef>
+          <a:effectRef idx="0">
+            <a:schemeClr val="accent1"/>
+          </a:effectRef>
+          <a:fontRef idx="minor">
+            <a:schemeClr val="lt1"/>
+          </a:fontRef>
+        </p:style>
+        <p:txBody>
+          <a:bodyPr rtlCol="0" anchor="ctr"/>
+          <a:lstStyle/>
+          <a:p>
+            <a:pPr algn="ctr"/>
+            <a:endParaRPr lang="en-TW"/>
+          </a:p>
+        </p:txBody>
+      </p:sp>
+      <p:sp>
+        <p:nvSpPr>
+          <p:cNvPr id="16" name="Oval 15">
+            <a:extLst>
+              <a:ext uri="{FF2B5EF4-FFF2-40B4-BE49-F238E27FC236}">
+                <a16:creationId xmlns:a16="http://schemas.microsoft.com/office/drawing/2014/main" id="{F39274BF-8F78-084F-8A75-EF41EA88B2C6}"/>
+              </a:ext>
+            </a:extLst>
+          </p:cNvPr>
+          <p:cNvSpPr>
+            <a:spLocks noChangeAspect="1"/>
+          </p:cNvSpPr>
+          <p:nvPr/>
+        </p:nvSpPr>
+        <p:spPr>
+          <a:xfrm flipV="1">
+            <a:off x="6939848" y="3377733"/>
+            <a:ext cx="108000" cy="108000"/>
+          </a:xfrm>
+          <a:prstGeom prst="ellipse">
+            <a:avLst/>
+          </a:prstGeom>
+          <a:solidFill>
+            <a:srgbClr val="D2A66C"/>
+          </a:solidFill>
+          <a:ln>
+            <a:solidFill>
+              <a:schemeClr val="accent2">
+                <a:lumMod val="50000"/>
+              </a:schemeClr>
+            </a:solidFill>
+          </a:ln>
+        </p:spPr>
+        <p:style>
+          <a:lnRef idx="2">
+            <a:schemeClr val="accent1">
+              <a:shade val="50000"/>
+            </a:schemeClr>
+          </a:lnRef>
+          <a:fillRef idx="1">
+            <a:schemeClr val="accent1"/>
+          </a:fillRef>
+          <a:effectRef idx="0">
+            <a:schemeClr val="accent1"/>
+          </a:effectRef>
+          <a:fontRef idx="minor">
+            <a:schemeClr val="lt1"/>
+          </a:fontRef>
+        </p:style>
+        <p:txBody>
+          <a:bodyPr rtlCol="0" anchor="ctr"/>
+          <a:lstStyle/>
+          <a:p>
+            <a:pPr algn="ctr"/>
+            <a:endParaRPr lang="en-TW"/>
+          </a:p>
+        </p:txBody>
+      </p:sp>
+      <p:sp>
+        <p:nvSpPr>
+          <p:cNvPr id="18" name="Oval 17">
+            <a:extLst>
+              <a:ext uri="{FF2B5EF4-FFF2-40B4-BE49-F238E27FC236}">
+                <a16:creationId xmlns:a16="http://schemas.microsoft.com/office/drawing/2014/main" id="{2A2DE5E3-A880-0849-91AF-950F4C14829C}"/>
+              </a:ext>
+            </a:extLst>
+          </p:cNvPr>
+          <p:cNvSpPr>
+            <a:spLocks noChangeAspect="1"/>
+          </p:cNvSpPr>
+          <p:nvPr/>
+        </p:nvSpPr>
+        <p:spPr>
+          <a:xfrm flipV="1">
+            <a:off x="6066049" y="3101594"/>
+            <a:ext cx="108000" cy="108000"/>
+          </a:xfrm>
+          <a:prstGeom prst="ellipse">
+            <a:avLst/>
+          </a:prstGeom>
+          <a:solidFill>
+            <a:srgbClr val="D2A66C"/>
+          </a:solidFill>
+          <a:ln>
+            <a:solidFill>
+              <a:schemeClr val="accent2">
+                <a:lumMod val="50000"/>
+              </a:schemeClr>
+            </a:solidFill>
+          </a:ln>
+        </p:spPr>
+        <p:style>
+          <a:lnRef idx="2">
+            <a:schemeClr val="accent1">
+              <a:shade val="50000"/>
+            </a:schemeClr>
+          </a:lnRef>
+          <a:fillRef idx="1">
+            <a:schemeClr val="accent1"/>
+          </a:fillRef>
+          <a:effectRef idx="0">
+            <a:schemeClr val="accent1"/>
+          </a:effectRef>
+          <a:fontRef idx="minor">
+            <a:schemeClr val="lt1"/>
+          </a:fontRef>
+        </p:style>
+        <p:txBody>
+          <a:bodyPr rtlCol="0" anchor="ctr"/>
+          <a:lstStyle/>
+          <a:p>
+            <a:pPr algn="ctr"/>
+            <a:endParaRPr lang="en-TW"/>
+          </a:p>
+        </p:txBody>
+      </p:sp>
+      <p:sp>
+        <p:nvSpPr>
+          <p:cNvPr id="19" name="Oval 18">
+            <a:extLst>
+              <a:ext uri="{FF2B5EF4-FFF2-40B4-BE49-F238E27FC236}">
+                <a16:creationId xmlns:a16="http://schemas.microsoft.com/office/drawing/2014/main" id="{B85D2DD0-F3DE-C54F-9C9F-6C127750F91C}"/>
+              </a:ext>
+            </a:extLst>
+          </p:cNvPr>
+          <p:cNvSpPr>
+            <a:spLocks noChangeAspect="1"/>
+          </p:cNvSpPr>
+          <p:nvPr/>
+        </p:nvSpPr>
+        <p:spPr>
+          <a:xfrm flipV="1">
+            <a:off x="4964793" y="3944935"/>
+            <a:ext cx="108000" cy="108000"/>
+          </a:xfrm>
+          <a:prstGeom prst="ellipse">
+            <a:avLst/>
+          </a:prstGeom>
+          <a:solidFill>
+            <a:srgbClr val="D2A66C"/>
+          </a:solidFill>
+          <a:ln>
+            <a:solidFill>
+              <a:schemeClr val="accent2">
+                <a:lumMod val="50000"/>
+              </a:schemeClr>
+            </a:solidFill>
+          </a:ln>
+        </p:spPr>
+        <p:style>
+          <a:lnRef idx="2">
+            <a:schemeClr val="accent1">
+              <a:shade val="50000"/>
+            </a:schemeClr>
+          </a:lnRef>
+          <a:fillRef idx="1">
+            <a:schemeClr val="accent1"/>
+          </a:fillRef>
+          <a:effectRef idx="0">
+            <a:schemeClr val="accent1"/>
+          </a:effectRef>
+          <a:fontRef idx="minor">
+            <a:schemeClr val="lt1"/>
+          </a:fontRef>
+        </p:style>
+        <p:txBody>
+          <a:bodyPr rtlCol="0" anchor="ctr"/>
+          <a:lstStyle/>
+          <a:p>
+            <a:pPr algn="ctr"/>
+            <a:endParaRPr lang="en-TW"/>
+          </a:p>
+        </p:txBody>
+      </p:sp>
+      <p:sp>
+        <p:nvSpPr>
+          <p:cNvPr id="21" name="Oval 20">
+            <a:extLst>
+              <a:ext uri="{FF2B5EF4-FFF2-40B4-BE49-F238E27FC236}">
+                <a16:creationId xmlns:a16="http://schemas.microsoft.com/office/drawing/2014/main" id="{AFD0E487-C316-E24E-9528-B97B09700B39}"/>
+              </a:ext>
+            </a:extLst>
+          </p:cNvPr>
+          <p:cNvSpPr>
+            <a:spLocks noChangeAspect="1"/>
+          </p:cNvSpPr>
+          <p:nvPr/>
+        </p:nvSpPr>
+        <p:spPr>
+          <a:xfrm flipV="1">
+            <a:off x="5538306" y="3155594"/>
+            <a:ext cx="108000" cy="108000"/>
+          </a:xfrm>
+          <a:prstGeom prst="ellipse">
+            <a:avLst/>
+          </a:prstGeom>
+          <a:solidFill>
+            <a:srgbClr val="D2A66C"/>
+          </a:solidFill>
+          <a:ln>
+            <a:solidFill>
+              <a:schemeClr val="accent2">
+                <a:lumMod val="50000"/>
+              </a:schemeClr>
+            </a:solidFill>
+          </a:ln>
+        </p:spPr>
+        <p:style>
+          <a:lnRef idx="2">
+            <a:schemeClr val="accent1">
+              <a:shade val="50000"/>
+            </a:schemeClr>
+          </a:lnRef>
+          <a:fillRef idx="1">
+            <a:schemeClr val="accent1"/>
+          </a:fillRef>
+          <a:effectRef idx="0">
+            <a:schemeClr val="accent1"/>
+          </a:effectRef>
+          <a:fontRef idx="minor">
+            <a:schemeClr val="lt1"/>
+          </a:fontRef>
+        </p:style>
+        <p:txBody>
+          <a:bodyPr rtlCol="0" anchor="ctr"/>
+          <a:lstStyle/>
+          <a:p>
+            <a:pPr algn="ctr"/>
+            <a:endParaRPr lang="en-TW"/>
+          </a:p>
+        </p:txBody>
+      </p:sp>
+      <p:sp>
+        <p:nvSpPr>
+          <p:cNvPr id="22" name="Oval 21">
+            <a:extLst>
+              <a:ext uri="{FF2B5EF4-FFF2-40B4-BE49-F238E27FC236}">
+                <a16:creationId xmlns:a16="http://schemas.microsoft.com/office/drawing/2014/main" id="{562F5A92-3111-0D41-A437-D6DDE9B4D299}"/>
+              </a:ext>
+            </a:extLst>
+          </p:cNvPr>
+          <p:cNvSpPr>
+            <a:spLocks noChangeAspect="1"/>
+          </p:cNvSpPr>
+          <p:nvPr/>
+        </p:nvSpPr>
+        <p:spPr>
+          <a:xfrm flipV="1">
+            <a:off x="4375920" y="3585810"/>
+            <a:ext cx="108000" cy="108000"/>
+          </a:xfrm>
+          <a:prstGeom prst="ellipse">
+            <a:avLst/>
+          </a:prstGeom>
+          <a:solidFill>
+            <a:srgbClr val="D2A66C"/>
+          </a:solidFill>
+          <a:ln>
+            <a:solidFill>
+              <a:schemeClr val="accent2">
+                <a:lumMod val="50000"/>
+              </a:schemeClr>
+            </a:solidFill>
+          </a:ln>
+        </p:spPr>
+        <p:style>
+          <a:lnRef idx="2">
+            <a:schemeClr val="accent1">
+              <a:shade val="50000"/>
+            </a:schemeClr>
+          </a:lnRef>
+          <a:fillRef idx="1">
+            <a:schemeClr val="accent1"/>
+          </a:fillRef>
+          <a:effectRef idx="0">
+            <a:schemeClr val="accent1"/>
+          </a:effectRef>
+          <a:fontRef idx="minor">
+            <a:schemeClr val="lt1"/>
+          </a:fontRef>
+        </p:style>
+        <p:txBody>
+          <a:bodyPr rtlCol="0" anchor="ctr"/>
+          <a:lstStyle/>
+          <a:p>
+            <a:pPr algn="ctr"/>
+            <a:endParaRPr lang="en-TW"/>
+          </a:p>
+        </p:txBody>
+      </p:sp>
+      <p:cxnSp>
+        <p:nvCxnSpPr>
+          <p:cNvPr id="23" name="Straight Arrow Connector 22">
+            <a:extLst>
+              <a:ext uri="{FF2B5EF4-FFF2-40B4-BE49-F238E27FC236}">
+                <a16:creationId xmlns:a16="http://schemas.microsoft.com/office/drawing/2014/main" id="{972859B0-8026-414A-BD98-0835EB26BBB7}"/>
+              </a:ext>
+            </a:extLst>
+          </p:cNvPr>
+          <p:cNvCxnSpPr>
+            <a:cxnSpLocks/>
+            <a:stCxn id="19" idx="7"/>
+          </p:cNvCxnSpPr>
+          <p:nvPr/>
+        </p:nvCxnSpPr>
+        <p:spPr>
+          <a:xfrm>
+            <a:off x="5056977" y="4037119"/>
+            <a:ext cx="378846" cy="85723"/>
+          </a:xfrm>
+          <a:prstGeom prst="straightConnector1">
+            <a:avLst/>
+          </a:prstGeom>
+          <a:ln>
+            <a:solidFill>
+              <a:srgbClr val="C00000"/>
+            </a:solidFill>
+            <a:tailEnd type="triangle"/>
+          </a:ln>
+        </p:spPr>
+        <p:style>
+          <a:lnRef idx="1">
+            <a:schemeClr val="accent1"/>
+          </a:lnRef>
+          <a:fillRef idx="0">
+            <a:schemeClr val="accent1"/>
+          </a:fillRef>
+          <a:effectRef idx="0">
+            <a:schemeClr val="accent1"/>
+          </a:effectRef>
+          <a:fontRef idx="minor">
+            <a:schemeClr val="tx1"/>
+          </a:fontRef>
+        </p:style>
+      </p:cxnSp>
+      <p:sp>
+        <p:nvSpPr>
+          <p:cNvPr id="25" name="Rectangle 24">
+            <a:extLst>
+              <a:ext uri="{FF2B5EF4-FFF2-40B4-BE49-F238E27FC236}">
+                <a16:creationId xmlns:a16="http://schemas.microsoft.com/office/drawing/2014/main" id="{2003999F-7CB5-8644-85A9-330B3C7928BA}"/>
+              </a:ext>
+            </a:extLst>
+          </p:cNvPr>
+          <p:cNvSpPr/>
+          <p:nvPr/>
+        </p:nvSpPr>
+        <p:spPr>
+          <a:xfrm>
+            <a:off x="4982211" y="4101775"/>
+            <a:ext cx="1197764" cy="253916"/>
+          </a:xfrm>
+          <a:prstGeom prst="rect">
+            <a:avLst/>
+          </a:prstGeom>
+        </p:spPr>
+        <p:txBody>
+          <a:bodyPr wrap="none">
+            <a:spAutoFit/>
+          </a:bodyPr>
+          <a:lstStyle/>
+          <a:p>
+            <a:pPr algn="ctr"/>
+            <a:r>
+              <a:rPr lang="en-TW" sz="1050" dirty="0">
+                <a:solidFill>
+                  <a:srgbClr val="C00000"/>
+                </a:solidFill>
+              </a:rPr>
+              <a:t>Promising minima</a:t>
+            </a:r>
+          </a:p>
+        </p:txBody>
+      </p:sp>
+      <p:sp>
+        <p:nvSpPr>
+          <p:cNvPr id="26" name="Oval 25">
+            <a:extLst>
+              <a:ext uri="{FF2B5EF4-FFF2-40B4-BE49-F238E27FC236}">
+                <a16:creationId xmlns:a16="http://schemas.microsoft.com/office/drawing/2014/main" id="{1AA04F27-9297-2F45-8645-4799426DE436}"/>
+              </a:ext>
+            </a:extLst>
+          </p:cNvPr>
+          <p:cNvSpPr>
+            <a:spLocks noChangeAspect="1"/>
+          </p:cNvSpPr>
+          <p:nvPr/>
+        </p:nvSpPr>
+        <p:spPr>
+          <a:xfrm>
+            <a:off x="4258316" y="2655197"/>
+            <a:ext cx="72000" cy="72000"/>
+          </a:xfrm>
+          <a:prstGeom prst="ellipse">
+            <a:avLst/>
+          </a:prstGeom>
+          <a:solidFill>
+            <a:srgbClr val="D2A66C"/>
+          </a:solidFill>
+          <a:ln>
+            <a:solidFill>
+              <a:schemeClr val="accent2">
+                <a:lumMod val="50000"/>
+              </a:schemeClr>
+            </a:solidFill>
+          </a:ln>
+        </p:spPr>
+        <p:style>
+          <a:lnRef idx="2">
+            <a:schemeClr val="accent1">
+              <a:shade val="50000"/>
+            </a:schemeClr>
+          </a:lnRef>
+          <a:fillRef idx="1">
+            <a:schemeClr val="accent1"/>
+          </a:fillRef>
+          <a:effectRef idx="0">
+            <a:schemeClr val="accent1"/>
+          </a:effectRef>
+          <a:fontRef idx="minor">
+            <a:schemeClr val="lt1"/>
+          </a:fontRef>
+        </p:style>
+        <p:txBody>
+          <a:bodyPr rtlCol="0" anchor="ctr"/>
+          <a:lstStyle/>
+          <a:p>
+            <a:pPr algn="ctr"/>
+            <a:endParaRPr lang="en-TW"/>
+          </a:p>
+        </p:txBody>
+      </p:sp>
+      <p:sp>
+        <p:nvSpPr>
+          <p:cNvPr id="27" name="Rectangle 26">
+            <a:extLst>
+              <a:ext uri="{FF2B5EF4-FFF2-40B4-BE49-F238E27FC236}">
+                <a16:creationId xmlns:a16="http://schemas.microsoft.com/office/drawing/2014/main" id="{0F6F12C6-2765-2041-8B32-96267ECF571A}"/>
+              </a:ext>
+            </a:extLst>
+          </p:cNvPr>
+          <p:cNvSpPr/>
+          <p:nvPr/>
+        </p:nvSpPr>
+        <p:spPr>
+          <a:xfrm>
+            <a:off x="4404704" y="2575781"/>
+            <a:ext cx="910826" cy="230832"/>
+          </a:xfrm>
+          <a:prstGeom prst="rect">
+            <a:avLst/>
+          </a:prstGeom>
+        </p:spPr>
+        <p:txBody>
+          <a:bodyPr wrap="none">
+            <a:spAutoFit/>
+          </a:bodyPr>
+          <a:lstStyle/>
+          <a:p>
+            <a:pPr algn="ctr"/>
+            <a:r>
+              <a:rPr lang="en-TW" sz="900" dirty="0">
+                <a:solidFill>
+                  <a:schemeClr val="accent2">
+                    <a:lumMod val="50000"/>
+                  </a:schemeClr>
+                </a:solidFill>
+              </a:rPr>
+              <a:t>Sampled points</a:t>
+            </a:r>
+          </a:p>
+        </p:txBody>
+      </p:sp>
+      <p:cxnSp>
+        <p:nvCxnSpPr>
+          <p:cNvPr id="29" name="Straight Connector 28">
+            <a:extLst>
+              <a:ext uri="{FF2B5EF4-FFF2-40B4-BE49-F238E27FC236}">
+                <a16:creationId xmlns:a16="http://schemas.microsoft.com/office/drawing/2014/main" id="{825840D8-E6B5-D246-8F6D-2AC94763E13F}"/>
+              </a:ext>
+            </a:extLst>
+          </p:cNvPr>
+          <p:cNvCxnSpPr>
+            <a:cxnSpLocks/>
+          </p:cNvCxnSpPr>
+          <p:nvPr/>
+        </p:nvCxnSpPr>
+        <p:spPr>
+          <a:xfrm>
+            <a:off x="4201323" y="2883000"/>
+            <a:ext cx="180000" cy="0"/>
+          </a:xfrm>
+          <a:prstGeom prst="line">
+            <a:avLst/>
+          </a:prstGeom>
+          <a:ln w="15875">
+            <a:solidFill>
+              <a:schemeClr val="accent2">
+                <a:lumMod val="50000"/>
+              </a:schemeClr>
+            </a:solidFill>
+          </a:ln>
+        </p:spPr>
+        <p:style>
+          <a:lnRef idx="1">
+            <a:schemeClr val="accent1"/>
+          </a:lnRef>
+          <a:fillRef idx="0">
+            <a:schemeClr val="accent1"/>
+          </a:fillRef>
+          <a:effectRef idx="0">
+            <a:schemeClr val="accent1"/>
+          </a:effectRef>
+          <a:fontRef idx="minor">
+            <a:schemeClr val="tx1"/>
+          </a:fontRef>
+        </p:style>
+      </p:cxnSp>
+      <p:cxnSp>
+        <p:nvCxnSpPr>
+          <p:cNvPr id="31" name="Straight Connector 30">
+            <a:extLst>
+              <a:ext uri="{FF2B5EF4-FFF2-40B4-BE49-F238E27FC236}">
+                <a16:creationId xmlns:a16="http://schemas.microsoft.com/office/drawing/2014/main" id="{974BBBFB-CC74-D541-9538-4887C78221EA}"/>
+              </a:ext>
+            </a:extLst>
+          </p:cNvPr>
+          <p:cNvCxnSpPr>
+            <a:cxnSpLocks/>
+          </p:cNvCxnSpPr>
+          <p:nvPr/>
+        </p:nvCxnSpPr>
+        <p:spPr>
+          <a:xfrm>
+            <a:off x="4201323" y="3017983"/>
+            <a:ext cx="180000" cy="0"/>
+          </a:xfrm>
+          <a:prstGeom prst="line">
+            <a:avLst/>
+          </a:prstGeom>
+          <a:ln w="15875">
+            <a:solidFill>
+              <a:srgbClr val="D2A66C"/>
+            </a:solidFill>
+            <a:prstDash val="sysDash"/>
+          </a:ln>
+        </p:spPr>
+        <p:style>
+          <a:lnRef idx="1">
+            <a:schemeClr val="accent1"/>
+          </a:lnRef>
+          <a:fillRef idx="0">
+            <a:schemeClr val="accent1"/>
+          </a:fillRef>
+          <a:effectRef idx="0">
+            <a:schemeClr val="accent1"/>
+          </a:effectRef>
+          <a:fontRef idx="minor">
+            <a:schemeClr val="tx1"/>
+          </a:fontRef>
+        </p:style>
+      </p:cxnSp>
+      <p:sp>
+        <p:nvSpPr>
+          <p:cNvPr id="34" name="Rectangle 33">
+            <a:extLst>
+              <a:ext uri="{FF2B5EF4-FFF2-40B4-BE49-F238E27FC236}">
+                <a16:creationId xmlns:a16="http://schemas.microsoft.com/office/drawing/2014/main" id="{865E0EFC-F186-AD4A-83A7-D5DB155035EF}"/>
+              </a:ext>
+            </a:extLst>
+          </p:cNvPr>
+          <p:cNvSpPr/>
+          <p:nvPr/>
+        </p:nvSpPr>
+        <p:spPr>
+          <a:xfrm>
+            <a:off x="4342989" y="2763732"/>
+            <a:ext cx="1050288" cy="230832"/>
+          </a:xfrm>
+          <a:prstGeom prst="rect">
+            <a:avLst/>
+          </a:prstGeom>
+        </p:spPr>
+        <p:txBody>
+          <a:bodyPr wrap="none">
+            <a:spAutoFit/>
+          </a:bodyPr>
+          <a:lstStyle/>
+          <a:p>
+            <a:r>
+              <a:rPr lang="en-TW" sz="900" dirty="0">
+                <a:solidFill>
+                  <a:schemeClr val="accent2">
+                    <a:lumMod val="50000"/>
+                  </a:schemeClr>
+                </a:solidFill>
+              </a:rPr>
+              <a:t>Objective function</a:t>
+            </a:r>
+          </a:p>
+        </p:txBody>
+      </p:sp>
+      <p:sp>
+        <p:nvSpPr>
+          <p:cNvPr id="36" name="Rectangle 35">
+            <a:extLst>
+              <a:ext uri="{FF2B5EF4-FFF2-40B4-BE49-F238E27FC236}">
+                <a16:creationId xmlns:a16="http://schemas.microsoft.com/office/drawing/2014/main" id="{1E4FDEDE-23F2-0C4D-8785-94DF3B9EBCB1}"/>
+              </a:ext>
+            </a:extLst>
+          </p:cNvPr>
+          <p:cNvSpPr/>
+          <p:nvPr/>
+        </p:nvSpPr>
+        <p:spPr>
+          <a:xfrm>
+            <a:off x="4336815" y="2900186"/>
+            <a:ext cx="1063112" cy="230832"/>
+          </a:xfrm>
+          <a:prstGeom prst="rect">
+            <a:avLst/>
+          </a:prstGeom>
+        </p:spPr>
+        <p:txBody>
+          <a:bodyPr wrap="none">
+            <a:spAutoFit/>
+          </a:bodyPr>
+          <a:lstStyle/>
+          <a:p>
+            <a:r>
+              <a:rPr lang="en-TW" sz="900" dirty="0">
+                <a:solidFill>
+                  <a:schemeClr val="accent2">
+                    <a:lumMod val="50000"/>
+                  </a:schemeClr>
+                </a:solidFill>
+              </a:rPr>
+              <a:t>Surrogate function</a:t>
+            </a:r>
+          </a:p>
+        </p:txBody>
+      </p:sp>
+      <p:sp>
+        <p:nvSpPr>
+          <p:cNvPr id="40" name="Rectangle 39">
+            <a:extLst>
+              <a:ext uri="{FF2B5EF4-FFF2-40B4-BE49-F238E27FC236}">
+                <a16:creationId xmlns:a16="http://schemas.microsoft.com/office/drawing/2014/main" id="{634F3514-4B19-9143-9E52-E00FA068DE35}"/>
+              </a:ext>
+            </a:extLst>
+          </p:cNvPr>
+          <p:cNvSpPr/>
+          <p:nvPr/>
+        </p:nvSpPr>
+        <p:spPr>
+          <a:xfrm>
+            <a:off x="5504566" y="4355691"/>
+            <a:ext cx="251992" cy="276999"/>
+          </a:xfrm>
+          <a:prstGeom prst="rect">
+            <a:avLst/>
+          </a:prstGeom>
+        </p:spPr>
+        <p:txBody>
+          <a:bodyPr wrap="none">
+            <a:spAutoFit/>
+          </a:bodyPr>
+          <a:lstStyle/>
+          <a:p>
+            <a:r>
+              <a:rPr lang="en-TW" sz="1200" dirty="0">
+                <a:solidFill>
+                  <a:schemeClr val="accent2">
+                    <a:lumMod val="50000"/>
+                  </a:schemeClr>
+                </a:solidFill>
+              </a:rPr>
+              <a:t>x</a:t>
+            </a:r>
+          </a:p>
+        </p:txBody>
+      </p:sp>
+      <p:sp>
+        <p:nvSpPr>
+          <p:cNvPr id="42" name="Rectangle 41">
+            <a:extLst>
+              <a:ext uri="{FF2B5EF4-FFF2-40B4-BE49-F238E27FC236}">
+                <a16:creationId xmlns:a16="http://schemas.microsoft.com/office/drawing/2014/main" id="{FA998650-D817-BC48-8C32-D2E20848D9C3}"/>
+              </a:ext>
+            </a:extLst>
+          </p:cNvPr>
+          <p:cNvSpPr/>
+          <p:nvPr/>
+        </p:nvSpPr>
+        <p:spPr>
+          <a:xfrm>
+            <a:off x="3572446" y="3157385"/>
+            <a:ext cx="407484" cy="261610"/>
+          </a:xfrm>
+          <a:prstGeom prst="rect">
+            <a:avLst/>
+          </a:prstGeom>
+        </p:spPr>
+        <p:txBody>
+          <a:bodyPr wrap="none">
+            <a:spAutoFit/>
+          </a:bodyPr>
+          <a:lstStyle/>
+          <a:p>
+            <a:r>
+              <a:rPr lang="en-US" sz="1100" dirty="0">
+                <a:solidFill>
+                  <a:schemeClr val="accent2">
+                    <a:lumMod val="50000"/>
+                  </a:schemeClr>
+                </a:solidFill>
+              </a:rPr>
+              <a:t>C</a:t>
+            </a:r>
+            <a:r>
+              <a:rPr lang="en-TW" sz="1100" dirty="0">
+                <a:solidFill>
+                  <a:schemeClr val="accent2">
+                    <a:lumMod val="50000"/>
+                  </a:schemeClr>
+                </a:solidFill>
+              </a:rPr>
+              <a:t>(x)</a:t>
+            </a:r>
+            <a:endParaRPr lang="en-TW" sz="1100" dirty="0"/>
+          </a:p>
+        </p:txBody>
+      </p:sp>
+      <p:grpSp>
+        <p:nvGrpSpPr>
+          <p:cNvPr id="43" name="Group 42">
+            <a:extLst>
+              <a:ext uri="{FF2B5EF4-FFF2-40B4-BE49-F238E27FC236}">
+                <a16:creationId xmlns:a16="http://schemas.microsoft.com/office/drawing/2014/main" id="{920DBD35-92A6-A744-A71A-3C0C0BF2A144}"/>
+              </a:ext>
+            </a:extLst>
+          </p:cNvPr>
+          <p:cNvGrpSpPr/>
+          <p:nvPr/>
+        </p:nvGrpSpPr>
+        <p:grpSpPr>
+          <a:xfrm>
+            <a:off x="2874336" y="4276681"/>
+            <a:ext cx="5764444" cy="1050587"/>
+            <a:chOff x="3360126" y="3971848"/>
+            <a:chExt cx="5764444" cy="1050587"/>
+          </a:xfrm>
+        </p:grpSpPr>
+        <p:grpSp>
+          <p:nvGrpSpPr>
+            <p:cNvPr id="44" name="Group 43">
+              <a:extLst>
+                <a:ext uri="{FF2B5EF4-FFF2-40B4-BE49-F238E27FC236}">
+                  <a16:creationId xmlns:a16="http://schemas.microsoft.com/office/drawing/2014/main" id="{920B3296-BC7E-0D47-8E2F-C5902C3ABA4E}"/>
+                </a:ext>
+              </a:extLst>
+            </p:cNvPr>
+            <p:cNvGrpSpPr/>
+            <p:nvPr/>
+          </p:nvGrpSpPr>
+          <p:grpSpPr>
+            <a:xfrm>
+              <a:off x="3360126" y="4324980"/>
+              <a:ext cx="2735874" cy="328935"/>
+              <a:chOff x="7237110" y="4273903"/>
+              <a:chExt cx="2735874" cy="328935"/>
+            </a:xfrm>
+          </p:grpSpPr>
+          <p:sp>
+            <p:nvSpPr>
+              <p:cNvPr id="49" name="Intelligent Information Retrieval Laboratory">
+                <a:extLst>
+                  <a:ext uri="{FF2B5EF4-FFF2-40B4-BE49-F238E27FC236}">
+                    <a16:creationId xmlns:a16="http://schemas.microsoft.com/office/drawing/2014/main" id="{B188D744-BBC8-2341-8A05-FB0876A5557F}"/>
+                  </a:ext>
+                </a:extLst>
+              </p:cNvPr>
+              <p:cNvSpPr txBox="1"/>
+              <p:nvPr/>
+            </p:nvSpPr>
+            <p:spPr>
+              <a:xfrm>
+                <a:off x="7237110" y="4273903"/>
+                <a:ext cx="2590800" cy="328935"/>
+              </a:xfrm>
+              <a:prstGeom prst="rect">
+                <a:avLst/>
+              </a:prstGeom>
+              <a:noFill/>
+              <a:ln w="12700" cap="flat">
+                <a:noFill/>
+                <a:miter lim="400000"/>
+              </a:ln>
+              <a:effectLst/>
+              <a:extLst>
+                <a:ext uri="{C572A759-6A51-4108-AA02-DFA0A04FC94B}">
+                  <ma14:wrappingTextBoxFlag xmlns="" xmlns:m="http://schemas.openxmlformats.org/officeDocument/2006/math" xmlns:a14="http://schemas.microsoft.com/office/drawing/2010/main" xmlns:ma14="http://schemas.microsoft.com/office/mac/drawingml/2011/main" val="1"/>
+                </a:ext>
+              </a:extLst>
+            </p:spPr>
+            <p:txBody>
+              <a:bodyPr wrap="square" lIns="71437" tIns="71437" rIns="71437" bIns="71437" numCol="1" anchor="ctr">
+                <a:spAutoFit/>
+              </a:bodyPr>
+              <a:lstStyle>
+                <a:lvl1pPr algn="l" defTabSz="821531">
+                  <a:defRPr sz="2400" b="0">
+                    <a:solidFill>
+                      <a:srgbClr val="FFFFFF"/>
+                    </a:solidFill>
+                    <a:latin typeface="Helvetica Neue Bold Condensed"/>
+                    <a:ea typeface="Helvetica Neue Bold Condensed"/>
+                    <a:cs typeface="Helvetica Neue Bold Condensed"/>
+                    <a:sym typeface="Helvetica Neue Bold Condensed"/>
+                  </a:defRPr>
+                </a:lvl1pPr>
+              </a:lstStyle>
+              <a:p>
+                <a:r>
+                  <a:rPr kumimoji="0" lang="zh-TW" altLang="en-US" sz="1050" b="0" i="0" u="none" strike="noStrike" cap="none" spc="0" normalizeH="0" baseline="0" dirty="0">
+                    <a:ln>
+                      <a:noFill/>
+                    </a:ln>
+                    <a:solidFill>
+                      <a:schemeClr val="tx1">
+                        <a:alpha val="15000"/>
+                      </a:schemeClr>
+                    </a:solidFill>
+                    <a:effectLst/>
+                    <a:uFillTx/>
+                    <a:latin typeface="Helvetica Neue Bold Condensed"/>
+                    <a:ea typeface="Helvetica Neue Bold Condensed"/>
+                    <a:cs typeface="Helvetica Neue Bold Condensed"/>
+                    <a:sym typeface="Helvetica Neue Bold Condensed"/>
+                  </a:rPr>
+                  <a:t>第</a:t>
+                </a:r>
+                <a:r>
+                  <a:rPr kumimoji="0" lang="en-US" altLang="zh-TW" sz="1050" b="0" i="0" u="none" strike="noStrike" cap="none" spc="0" normalizeH="0" baseline="0" dirty="0">
+                    <a:ln>
+                      <a:noFill/>
+                    </a:ln>
+                    <a:solidFill>
+                      <a:schemeClr val="tx1">
+                        <a:alpha val="15000"/>
+                      </a:schemeClr>
+                    </a:solidFill>
+                    <a:effectLst/>
+                    <a:uFillTx/>
+                    <a:latin typeface="Helvetica Neue Bold Condensed"/>
+                    <a:ea typeface="Helvetica Neue Bold Condensed"/>
+                    <a:cs typeface="Helvetica Neue Bold Condensed"/>
+                    <a:sym typeface="Helvetica Neue Bold Condensed"/>
+                  </a:rPr>
+                  <a:t>13</a:t>
+                </a:r>
+                <a:r>
+                  <a:rPr kumimoji="0" lang="zh-TW" altLang="en-US" sz="1050" b="0" i="0" u="none" strike="noStrike" cap="none" spc="0" normalizeH="0" baseline="0" dirty="0">
+                    <a:ln>
+                      <a:noFill/>
+                    </a:ln>
+                    <a:solidFill>
+                      <a:schemeClr val="tx1">
+                        <a:alpha val="15000"/>
+                      </a:schemeClr>
+                    </a:solidFill>
+                    <a:effectLst/>
+                    <a:uFillTx/>
+                    <a:latin typeface="Helvetica Neue Bold Condensed"/>
+                    <a:ea typeface="Helvetica Neue Bold Condensed"/>
+                    <a:cs typeface="Helvetica Neue Bold Condensed"/>
+                    <a:sym typeface="Helvetica Neue Bold Condensed"/>
+                  </a:rPr>
+                  <a:t>屆 </a:t>
+                </a:r>
+                <a:r>
+                  <a:rPr kumimoji="0" lang="en-US" sz="1200" b="0" i="0" u="none" strike="noStrike" cap="none" spc="0" normalizeH="0" baseline="0" dirty="0">
+                    <a:ln>
+                      <a:noFill/>
+                    </a:ln>
+                    <a:solidFill>
+                      <a:schemeClr val="tx1">
+                        <a:alpha val="15000"/>
+                      </a:schemeClr>
+                    </a:solidFill>
+                    <a:effectLst/>
+                    <a:uFillTx/>
+                    <a:latin typeface="Helvetica Neue Bold Condensed"/>
+                    <a:ea typeface="Helvetica Neue Bold Condensed"/>
+                    <a:cs typeface="Helvetica Neue Bold Condensed"/>
+                    <a:sym typeface="Helvetica Neue Bold Condensed"/>
+                  </a:rPr>
+                  <a:t>iT</a:t>
+                </a:r>
+                <a:r>
+                  <a:rPr kumimoji="0" lang="zh-TW" altLang="en-US" sz="1100" b="0" i="0" u="none" strike="noStrike" cap="none" spc="0" normalizeH="0" baseline="0" dirty="0">
+                    <a:ln>
+                      <a:noFill/>
+                    </a:ln>
+                    <a:solidFill>
+                      <a:schemeClr val="tx1">
+                        <a:alpha val="15000"/>
+                      </a:schemeClr>
+                    </a:solidFill>
+                    <a:effectLst/>
+                    <a:uFillTx/>
+                    <a:latin typeface="Helvetica Neue Bold Condensed"/>
+                    <a:ea typeface="Helvetica Neue Bold Condensed"/>
+                    <a:cs typeface="Helvetica Neue Bold Condensed"/>
+                    <a:sym typeface="Helvetica Neue Bold Condensed"/>
+                  </a:rPr>
+                  <a:t>邦</a:t>
+                </a:r>
+                <a:r>
+                  <a:rPr kumimoji="0" lang="zh-TW" altLang="en-US" sz="1000" b="0" i="0" u="none" strike="noStrike" cap="none" spc="0" normalizeH="0" baseline="0" dirty="0">
+                    <a:ln>
+                      <a:noFill/>
+                    </a:ln>
+                    <a:solidFill>
+                      <a:schemeClr val="tx1">
+                        <a:alpha val="15000"/>
+                      </a:schemeClr>
+                    </a:solidFill>
+                    <a:effectLst/>
+                    <a:uFillTx/>
+                    <a:latin typeface="Helvetica Neue Bold Condensed"/>
+                    <a:ea typeface="Helvetica Neue Bold Condensed"/>
+                    <a:cs typeface="Helvetica Neue Bold Condensed"/>
+                    <a:sym typeface="Helvetica Neue Bold Condensed"/>
+                  </a:rPr>
+                  <a:t>幫忙</a:t>
+                </a:r>
+                <a:r>
+                  <a:rPr kumimoji="0" lang="zh-TW" altLang="en-US" sz="1100" b="0" i="0" u="none" strike="noStrike" cap="none" spc="0" normalizeH="0" baseline="0" dirty="0">
+                    <a:ln>
+                      <a:noFill/>
+                    </a:ln>
+                    <a:solidFill>
+                      <a:schemeClr val="tx1">
+                        <a:alpha val="15000"/>
+                      </a:schemeClr>
+                    </a:solidFill>
+                    <a:effectLst/>
+                    <a:uFillTx/>
+                    <a:latin typeface="Helvetica Neue Bold Condensed"/>
+                    <a:ea typeface="Helvetica Neue Bold Condensed"/>
+                    <a:cs typeface="Helvetica Neue Bold Condensed"/>
+                    <a:sym typeface="Helvetica Neue Bold Condensed"/>
+                  </a:rPr>
+                  <a:t> 鐵人賽</a:t>
+                </a:r>
+                <a:endParaRPr sz="1100" dirty="0">
+                  <a:solidFill>
+                    <a:schemeClr val="tx1">
+                      <a:alpha val="15000"/>
+                    </a:schemeClr>
+                  </a:solidFill>
+                </a:endParaRPr>
+              </a:p>
+            </p:txBody>
+          </p:sp>
+          <p:sp>
+            <p:nvSpPr>
+              <p:cNvPr id="50" name="Intelligent Information Retrieval Laboratory">
+                <a:extLst>
+                  <a:ext uri="{FF2B5EF4-FFF2-40B4-BE49-F238E27FC236}">
+                    <a16:creationId xmlns:a16="http://schemas.microsoft.com/office/drawing/2014/main" id="{9E2CFDDB-F8CD-AF45-822B-D7E1BB7B36EF}"/>
+                  </a:ext>
+                </a:extLst>
+              </p:cNvPr>
+              <p:cNvSpPr txBox="1"/>
+              <p:nvPr/>
+            </p:nvSpPr>
+            <p:spPr>
+              <a:xfrm>
+                <a:off x="8753784" y="4289292"/>
+                <a:ext cx="1219200" cy="313546"/>
+              </a:xfrm>
+              <a:prstGeom prst="rect">
+                <a:avLst/>
+              </a:prstGeom>
+              <a:noFill/>
+              <a:ln w="12700" cap="flat">
+                <a:noFill/>
+                <a:miter lim="400000"/>
+              </a:ln>
+              <a:effectLst/>
+              <a:extLst>
+                <a:ext uri="{C572A759-6A51-4108-AA02-DFA0A04FC94B}">
+                  <ma14:wrappingTextBoxFlag xmlns="" xmlns:m="http://schemas.openxmlformats.org/officeDocument/2006/math" xmlns:a14="http://schemas.microsoft.com/office/drawing/2010/main" xmlns:ma14="http://schemas.microsoft.com/office/mac/drawingml/2011/main" val="1"/>
+                </a:ext>
+              </a:extLst>
+            </p:spPr>
+            <p:txBody>
+              <a:bodyPr wrap="square" lIns="71437" tIns="71437" rIns="71437" bIns="71437" numCol="1" anchor="ctr">
+                <a:spAutoFit/>
+              </a:bodyPr>
+              <a:lstStyle>
+                <a:lvl1pPr algn="l" defTabSz="821531">
+                  <a:defRPr sz="2400" b="0">
+                    <a:solidFill>
+                      <a:srgbClr val="FFFFFF"/>
+                    </a:solidFill>
+                    <a:latin typeface="Helvetica Neue Bold Condensed"/>
+                    <a:ea typeface="Helvetica Neue Bold Condensed"/>
+                    <a:cs typeface="Helvetica Neue Bold Condensed"/>
+                    <a:sym typeface="Helvetica Neue Bold Condensed"/>
+                  </a:defRPr>
+                </a:lvl1pPr>
+              </a:lstStyle>
+              <a:p>
+                <a:r>
+                  <a:rPr kumimoji="0" lang="en-US" altLang="zh-TW" sz="1050" b="0" i="0" u="none" strike="noStrike" cap="none" spc="0" normalizeH="0" baseline="0" dirty="0">
+                    <a:ln>
+                      <a:noFill/>
+                    </a:ln>
+                    <a:solidFill>
+                      <a:schemeClr val="tx1">
+                        <a:alpha val="15000"/>
+                      </a:schemeClr>
+                    </a:solidFill>
+                    <a:effectLst/>
+                    <a:uFillTx/>
+                    <a:latin typeface="Helvetica Neue Bold Condensed"/>
+                    <a:ea typeface="Helvetica Neue Bold Condensed"/>
+                    <a:cs typeface="Helvetica Neue Bold Condensed"/>
+                    <a:sym typeface="Helvetica Neue Bold Condensed"/>
+                  </a:rPr>
+                  <a:t>AI &amp; Data </a:t>
+                </a:r>
+                <a:r>
+                  <a:rPr kumimoji="0" lang="zh-TW" altLang="en-US" sz="1050" b="0" i="0" u="none" strike="noStrike" cap="none" spc="0" normalizeH="0" baseline="0" dirty="0">
+                    <a:ln>
+                      <a:noFill/>
+                    </a:ln>
+                    <a:solidFill>
+                      <a:schemeClr val="tx1">
+                        <a:alpha val="15000"/>
+                      </a:schemeClr>
+                    </a:solidFill>
+                    <a:effectLst/>
+                    <a:uFillTx/>
+                    <a:latin typeface="Helvetica Neue Bold Condensed"/>
+                    <a:ea typeface="Helvetica Neue Bold Condensed"/>
+                    <a:cs typeface="Helvetica Neue Bold Condensed"/>
+                    <a:sym typeface="Helvetica Neue Bold Condensed"/>
+                  </a:rPr>
+                  <a:t>組</a:t>
+                </a:r>
+                <a:endParaRPr sz="1100" dirty="0">
+                  <a:solidFill>
+                    <a:schemeClr val="tx1">
+                      <a:alpha val="15000"/>
+                    </a:schemeClr>
+                  </a:solidFill>
+                </a:endParaRPr>
+              </a:p>
+            </p:txBody>
+          </p:sp>
+        </p:grpSp>
+        <p:grpSp>
+          <p:nvGrpSpPr>
+            <p:cNvPr id="45" name="Group 44">
+              <a:extLst>
+                <a:ext uri="{FF2B5EF4-FFF2-40B4-BE49-F238E27FC236}">
+                  <a16:creationId xmlns:a16="http://schemas.microsoft.com/office/drawing/2014/main" id="{3DE408B0-490D-6A49-A8B0-5782B0341E60}"/>
+                </a:ext>
+              </a:extLst>
+            </p:cNvPr>
+            <p:cNvGrpSpPr/>
+            <p:nvPr/>
+          </p:nvGrpSpPr>
+          <p:grpSpPr>
+            <a:xfrm>
+              <a:off x="7247835" y="3971848"/>
+              <a:ext cx="1876735" cy="1050587"/>
+              <a:chOff x="3891792" y="3940042"/>
+              <a:chExt cx="1876735" cy="1050587"/>
+            </a:xfrm>
+          </p:grpSpPr>
+          <p:pic>
+            <p:nvPicPr>
+              <p:cNvPr id="46" name="Picture 45">
+                <a:extLst>
+                  <a:ext uri="{FF2B5EF4-FFF2-40B4-BE49-F238E27FC236}">
+                    <a16:creationId xmlns:a16="http://schemas.microsoft.com/office/drawing/2014/main" id="{5BA47080-0B0F-094D-AB9C-CB042C77800F}"/>
+                  </a:ext>
+                </a:extLst>
+              </p:cNvPr>
+              <p:cNvPicPr>
+                <a:picLocks noChangeAspect="1" noChangeArrowheads="1"/>
+              </p:cNvPicPr>
+              <p:nvPr/>
+            </p:nvPicPr>
+            <p:blipFill>
+              <a:blip r:embed="rId2">
+                <a:duotone>
+                  <a:prstClr val="black"/>
+                  <a:schemeClr val="tx1">
+                    <a:tint val="45000"/>
+                    <a:satMod val="400000"/>
+                  </a:schemeClr>
+                </a:duotone>
+                <a:alphaModFix amt="20000"/>
+              </a:blip>
+              <a:srcRect/>
+              <a:stretch/>
+            </p:blipFill>
+            <p:spPr bwMode="auto">
+              <a:xfrm>
+                <a:off x="4489805" y="3940042"/>
+                <a:ext cx="1050587" cy="1050587"/>
+              </a:xfrm>
+              <a:prstGeom prst="rect">
+                <a:avLst/>
+              </a:prstGeom>
+              <a:noFill/>
+              <a:extLst>
+                <a:ext uri="{909E8E84-426E-40DD-AFC4-6F175D3DCCD1}">
+                  <a14:hiddenFill xmlns:a14="http://schemas.microsoft.com/office/drawing/2010/main">
+                    <a:solidFill>
+                      <a:srgbClr val="FFFFFF"/>
+                    </a:solidFill>
+                  </a14:hiddenFill>
+                </a:ext>
+              </a:extLst>
+            </p:spPr>
+          </p:pic>
+          <p:pic>
+            <p:nvPicPr>
+              <p:cNvPr id="47" name="Picture 4" descr="Youtube logo | Logok">
+                <a:extLst>
+                  <a:ext uri="{FF2B5EF4-FFF2-40B4-BE49-F238E27FC236}">
+                    <a16:creationId xmlns:a16="http://schemas.microsoft.com/office/drawing/2014/main" id="{ACD6587B-FFD8-0F43-A177-D9DEF700FFF9}"/>
+                  </a:ext>
+                </a:extLst>
+              </p:cNvPr>
+              <p:cNvPicPr>
+                <a:picLocks noChangeAspect="1" noChangeArrowheads="1"/>
+              </p:cNvPicPr>
+              <p:nvPr/>
+            </p:nvPicPr>
+            <p:blipFill>
+              <a:blip r:embed="rId3">
+                <a:alphaModFix amt="20000"/>
+                <a:extLst>
+                  <a:ext uri="{28A0092B-C50C-407E-A947-70E740481C1C}">
+                    <a14:useLocalDpi xmlns:a14="http://schemas.microsoft.com/office/drawing/2010/main" val="0"/>
+                  </a:ext>
+                </a:extLst>
+              </a:blip>
+              <a:srcRect/>
+              <a:stretch>
+                <a:fillRect/>
+              </a:stretch>
+            </p:blipFill>
+            <p:spPr bwMode="auto">
+              <a:xfrm>
+                <a:off x="3891792" y="4187926"/>
+                <a:ext cx="739756" cy="554817"/>
+              </a:xfrm>
+              <a:prstGeom prst="rect">
+                <a:avLst/>
+              </a:prstGeom>
+              <a:noFill/>
+              <a:extLst>
+                <a:ext uri="{909E8E84-426E-40DD-AFC4-6F175D3DCCD1}">
+                  <a14:hiddenFill xmlns:a14="http://schemas.microsoft.com/office/drawing/2010/main">
+                    <a:solidFill>
+                      <a:srgbClr val="FFFFFF"/>
+                    </a:solidFill>
+                  </a14:hiddenFill>
+                </a:ext>
+              </a:extLst>
+            </p:spPr>
+          </p:pic>
+          <p:sp>
+            <p:nvSpPr>
+              <p:cNvPr id="48" name="Intelligent Information Retrieval Laboratory">
+                <a:extLst>
+                  <a:ext uri="{FF2B5EF4-FFF2-40B4-BE49-F238E27FC236}">
+                    <a16:creationId xmlns:a16="http://schemas.microsoft.com/office/drawing/2014/main" id="{1B4784E3-C4C1-D346-BD12-9DD04D1E35D3}"/>
+                  </a:ext>
+                </a:extLst>
+              </p:cNvPr>
+              <p:cNvSpPr txBox="1"/>
+              <p:nvPr/>
+            </p:nvSpPr>
+            <p:spPr>
+              <a:xfrm>
+                <a:off x="4549327" y="4308601"/>
+                <a:ext cx="1219200" cy="328935"/>
+              </a:xfrm>
+              <a:prstGeom prst="rect">
+                <a:avLst/>
+              </a:prstGeom>
+              <a:noFill/>
+              <a:ln w="12700" cap="flat">
+                <a:noFill/>
+                <a:miter lim="400000"/>
+              </a:ln>
+              <a:effectLst/>
+              <a:extLst>
+                <a:ext uri="{C572A759-6A51-4108-AA02-DFA0A04FC94B}">
+                  <ma14:wrappingTextBoxFlag xmlns="" xmlns:m="http://schemas.openxmlformats.org/officeDocument/2006/math" xmlns:a14="http://schemas.microsoft.com/office/drawing/2010/main" xmlns:ma14="http://schemas.microsoft.com/office/mac/drawingml/2011/main" val="1"/>
+                </a:ext>
+              </a:extLst>
+            </p:spPr>
+            <p:txBody>
+              <a:bodyPr wrap="square" lIns="71437" tIns="71437" rIns="71437" bIns="71437" numCol="1" anchor="ctr">
+                <a:spAutoFit/>
+              </a:bodyPr>
+              <a:lstStyle>
+                <a:lvl1pPr algn="l" defTabSz="821531">
+                  <a:defRPr sz="2400" b="0">
+                    <a:solidFill>
+                      <a:srgbClr val="FFFFFF"/>
+                    </a:solidFill>
+                    <a:latin typeface="Helvetica Neue Bold Condensed"/>
+                    <a:ea typeface="Helvetica Neue Bold Condensed"/>
+                    <a:cs typeface="Helvetica Neue Bold Condensed"/>
+                    <a:sym typeface="Helvetica Neue Bold Condensed"/>
+                  </a:defRPr>
+                </a:lvl1pPr>
+              </a:lstStyle>
+              <a:p>
+                <a:r>
+                  <a:rPr kumimoji="0" lang="en-US" altLang="zh-TW" sz="1200" b="0" i="0" u="none" strike="noStrike" cap="none" spc="0" normalizeH="0" baseline="0" dirty="0">
+                    <a:ln>
+                      <a:noFill/>
+                    </a:ln>
+                    <a:solidFill>
+                      <a:schemeClr val="tx1">
+                        <a:alpha val="15000"/>
+                      </a:schemeClr>
+                    </a:solidFill>
+                    <a:effectLst/>
+                    <a:uFillTx/>
+                    <a:latin typeface="Helvetica Neue Bold Condensed"/>
+                    <a:ea typeface="Helvetica Neue Bold Condensed"/>
+                    <a:cs typeface="Helvetica Neue Bold Condensed"/>
+                    <a:sym typeface="Helvetica Neue Bold Condensed"/>
+                  </a:rPr>
+                  <a:t>10</a:t>
+                </a:r>
+                <a:r>
+                  <a:rPr kumimoji="0" lang="zh-TW" altLang="en-US" sz="1200" b="0" i="0" u="none" strike="noStrike" cap="none" spc="0" normalizeH="0" baseline="0" dirty="0">
+                    <a:ln>
+                      <a:noFill/>
+                    </a:ln>
+                    <a:solidFill>
+                      <a:schemeClr val="tx1">
+                        <a:alpha val="15000"/>
+                      </a:schemeClr>
+                    </a:solidFill>
+                    <a:effectLst/>
+                    <a:uFillTx/>
+                    <a:sym typeface="Helvetica Neue Bold Condensed"/>
+                  </a:rPr>
+                  <a:t>程式中</a:t>
+                </a:r>
+                <a:endParaRPr sz="1400" dirty="0">
+                  <a:solidFill>
+                    <a:schemeClr val="tx1">
+                      <a:alpha val="15000"/>
+                    </a:schemeClr>
+                  </a:solidFill>
+                </a:endParaRPr>
+              </a:p>
+            </p:txBody>
+          </p:sp>
+        </p:grpSp>
+      </p:grpSp>
+    </p:spTree>
+    <p:extLst>
+      <p:ext uri="{BB962C8B-B14F-4D97-AF65-F5344CB8AC3E}">
+        <p14:creationId xmlns:p14="http://schemas.microsoft.com/office/powerpoint/2010/main" val="1008386800"/>
+      </p:ext>
+    </p:extLst>
+  </p:cSld>
+  <p:clrMapOvr>
+    <a:masterClrMapping/>
+  </p:clrMapOvr>
+</p:sld>
+</file>
+
+<file path=ppt/slides/slide4.xml><?xml version="1.0" encoding="utf-8"?>
+<p:sld xmlns:a="http://schemas.openxmlformats.org/drawingml/2006/main" xmlns:r="http://schemas.openxmlformats.org/officeDocument/2006/relationships" xmlns:p="http://schemas.openxmlformats.org/presentationml/2006/main">
+  <p:cSld>
+    <p:spTree>
+      <p:nvGrpSpPr>
+        <p:cNvPr id="1" name=""/>
+        <p:cNvGrpSpPr/>
+        <p:nvPr/>
+      </p:nvGrpSpPr>
+      <p:grpSpPr>
+        <a:xfrm>
+          <a:off x="0" y="0"/>
+          <a:ext cx="0" cy="0"/>
+          <a:chOff x="0" y="0"/>
+          <a:chExt cx="0" cy="0"/>
+        </a:xfrm>
+      </p:grpSpPr>
+      <p:sp>
+        <p:nvSpPr>
+          <p:cNvPr id="2" name="Rectangle 1">
+            <a:extLst>
+              <a:ext uri="{FF2B5EF4-FFF2-40B4-BE49-F238E27FC236}">
+                <a16:creationId xmlns:a16="http://schemas.microsoft.com/office/drawing/2014/main" id="{97ABB373-21E0-4F42-82DE-BCD3E6A33EC6}"/>
+              </a:ext>
+            </a:extLst>
+          </p:cNvPr>
+          <p:cNvSpPr/>
+          <p:nvPr/>
+        </p:nvSpPr>
+        <p:spPr>
+          <a:xfrm>
+            <a:off x="4104503" y="2574720"/>
+            <a:ext cx="1272744" cy="560829"/>
+          </a:xfrm>
+          <a:prstGeom prst="rect">
+            <a:avLst/>
+          </a:prstGeom>
+          <a:solidFill>
+            <a:schemeClr val="accent2">
+              <a:lumMod val="20000"/>
+              <a:lumOff val="80000"/>
+            </a:schemeClr>
+          </a:solidFill>
+          <a:ln>
+            <a:noFill/>
+          </a:ln>
+        </p:spPr>
+        <p:style>
+          <a:lnRef idx="2">
+            <a:schemeClr val="accent1">
+              <a:shade val="50000"/>
+            </a:schemeClr>
+          </a:lnRef>
+          <a:fillRef idx="1">
+            <a:schemeClr val="accent1"/>
+          </a:fillRef>
+          <a:effectRef idx="0">
+            <a:schemeClr val="accent1"/>
+          </a:effectRef>
+          <a:fontRef idx="minor">
+            <a:schemeClr val="lt1"/>
+          </a:fontRef>
+        </p:style>
+        <p:txBody>
+          <a:bodyPr rtlCol="0" anchor="ctr"/>
+          <a:lstStyle/>
+          <a:p>
+            <a:pPr algn="ctr"/>
+            <a:endParaRPr lang="en-TW"/>
+          </a:p>
+        </p:txBody>
+      </p:sp>
+      <p:cxnSp>
+        <p:nvCxnSpPr>
+          <p:cNvPr id="3" name="Straight Arrow Connector 2">
+            <a:extLst>
+              <a:ext uri="{FF2B5EF4-FFF2-40B4-BE49-F238E27FC236}">
+                <a16:creationId xmlns:a16="http://schemas.microsoft.com/office/drawing/2014/main" id="{6EA7C579-BB18-564D-BE17-F5B8971F707B}"/>
+              </a:ext>
+            </a:extLst>
+          </p:cNvPr>
+          <p:cNvCxnSpPr>
+            <a:cxnSpLocks/>
+          </p:cNvCxnSpPr>
+          <p:nvPr/>
+        </p:nvCxnSpPr>
+        <p:spPr>
+          <a:xfrm flipV="1">
+            <a:off x="3956221" y="2443205"/>
+            <a:ext cx="0" cy="1927654"/>
+          </a:xfrm>
+          <a:prstGeom prst="straightConnector1">
+            <a:avLst/>
+          </a:prstGeom>
+          <a:ln>
+            <a:solidFill>
+              <a:schemeClr val="accent2">
+                <a:lumMod val="50000"/>
+              </a:schemeClr>
+            </a:solidFill>
+            <a:tailEnd type="triangle"/>
+          </a:ln>
+        </p:spPr>
+        <p:style>
+          <a:lnRef idx="1">
+            <a:schemeClr val="dk1"/>
+          </a:lnRef>
+          <a:fillRef idx="0">
+            <a:schemeClr val="dk1"/>
+          </a:fillRef>
+          <a:effectRef idx="0">
+            <a:schemeClr val="dk1"/>
+          </a:effectRef>
+          <a:fontRef idx="minor">
+            <a:schemeClr val="tx1"/>
+          </a:fontRef>
+        </p:style>
+      </p:cxnSp>
+      <p:cxnSp>
+        <p:nvCxnSpPr>
+          <p:cNvPr id="4" name="Straight Arrow Connector 3">
+            <a:extLst>
+              <a:ext uri="{FF2B5EF4-FFF2-40B4-BE49-F238E27FC236}">
+                <a16:creationId xmlns:a16="http://schemas.microsoft.com/office/drawing/2014/main" id="{AB7D1016-3C99-944A-989C-2EF80ADD0832}"/>
+              </a:ext>
+            </a:extLst>
+          </p:cNvPr>
+          <p:cNvCxnSpPr>
+            <a:cxnSpLocks/>
+          </p:cNvCxnSpPr>
+          <p:nvPr/>
+        </p:nvCxnSpPr>
+        <p:spPr>
+          <a:xfrm>
+            <a:off x="3956221" y="4370859"/>
+            <a:ext cx="3348682" cy="0"/>
+          </a:xfrm>
+          <a:prstGeom prst="straightConnector1">
+            <a:avLst/>
+          </a:prstGeom>
+          <a:ln>
+            <a:solidFill>
+              <a:schemeClr val="accent2">
+                <a:lumMod val="50000"/>
+              </a:schemeClr>
+            </a:solidFill>
+            <a:tailEnd type="triangle"/>
+          </a:ln>
+        </p:spPr>
+        <p:style>
+          <a:lnRef idx="1">
+            <a:schemeClr val="dk1"/>
+          </a:lnRef>
+          <a:fillRef idx="0">
+            <a:schemeClr val="dk1"/>
+          </a:fillRef>
+          <a:effectRef idx="0">
+            <a:schemeClr val="dk1"/>
+          </a:effectRef>
+          <a:fontRef idx="minor">
+            <a:schemeClr val="tx1"/>
+          </a:fontRef>
+        </p:style>
+      </p:cxnSp>
+      <p:sp>
+        <p:nvSpPr>
+          <p:cNvPr id="5" name="Freeform 4">
+            <a:extLst>
+              <a:ext uri="{FF2B5EF4-FFF2-40B4-BE49-F238E27FC236}">
+                <a16:creationId xmlns:a16="http://schemas.microsoft.com/office/drawing/2014/main" id="{1A9CCCCB-2448-494E-A6ED-D56AFFB18327}"/>
+              </a:ext>
+            </a:extLst>
+          </p:cNvPr>
+          <p:cNvSpPr/>
+          <p:nvPr/>
+        </p:nvSpPr>
+        <p:spPr>
+          <a:xfrm flipV="1">
+            <a:off x="4104503" y="2697672"/>
+            <a:ext cx="3027405" cy="1425170"/>
+          </a:xfrm>
+          <a:custGeom>
+            <a:avLst/>
+            <a:gdLst>
+              <a:gd name="connsiteX0" fmla="*/ 0 w 3027405"/>
+              <a:gd name="connsiteY0" fmla="*/ 225731 h 1425170"/>
+              <a:gd name="connsiteX1" fmla="*/ 259492 w 3027405"/>
+              <a:gd name="connsiteY1" fmla="*/ 361655 h 1425170"/>
+              <a:gd name="connsiteX2" fmla="*/ 432486 w 3027405"/>
+              <a:gd name="connsiteY2" fmla="*/ 670574 h 1425170"/>
+              <a:gd name="connsiteX3" fmla="*/ 679621 w 3027405"/>
+              <a:gd name="connsiteY3" fmla="*/ 361655 h 1425170"/>
+              <a:gd name="connsiteX4" fmla="*/ 864973 w 3027405"/>
+              <a:gd name="connsiteY4" fmla="*/ 3309 h 1425170"/>
+              <a:gd name="connsiteX5" fmla="*/ 1013254 w 3027405"/>
+              <a:gd name="connsiteY5" fmla="*/ 584077 h 1425170"/>
+              <a:gd name="connsiteX6" fmla="*/ 1272746 w 3027405"/>
+              <a:gd name="connsiteY6" fmla="*/ 472866 h 1425170"/>
+              <a:gd name="connsiteX7" fmla="*/ 1779373 w 3027405"/>
+              <a:gd name="connsiteY7" fmla="*/ 1424336 h 1425170"/>
+              <a:gd name="connsiteX8" fmla="*/ 2137719 w 3027405"/>
+              <a:gd name="connsiteY8" fmla="*/ 645860 h 1425170"/>
+              <a:gd name="connsiteX9" fmla="*/ 2360140 w 3027405"/>
+              <a:gd name="connsiteY9" fmla="*/ 942423 h 1425170"/>
+              <a:gd name="connsiteX10" fmla="*/ 2520778 w 3027405"/>
+              <a:gd name="connsiteY10" fmla="*/ 1103060 h 1425170"/>
+              <a:gd name="connsiteX11" fmla="*/ 2792627 w 3027405"/>
+              <a:gd name="connsiteY11" fmla="*/ 905352 h 1425170"/>
+              <a:gd name="connsiteX12" fmla="*/ 3027405 w 3027405"/>
+              <a:gd name="connsiteY12" fmla="*/ 336942 h 1425170"/>
+            </a:gdLst>
+            <a:ahLst/>
+            <a:cxnLst>
+              <a:cxn ang="0">
+                <a:pos x="connsiteX0" y="connsiteY0"/>
+              </a:cxn>
+              <a:cxn ang="0">
+                <a:pos x="connsiteX1" y="connsiteY1"/>
+              </a:cxn>
+              <a:cxn ang="0">
+                <a:pos x="connsiteX2" y="connsiteY2"/>
+              </a:cxn>
+              <a:cxn ang="0">
+                <a:pos x="connsiteX3" y="connsiteY3"/>
+              </a:cxn>
+              <a:cxn ang="0">
+                <a:pos x="connsiteX4" y="connsiteY4"/>
+              </a:cxn>
+              <a:cxn ang="0">
+                <a:pos x="connsiteX5" y="connsiteY5"/>
+              </a:cxn>
+              <a:cxn ang="0">
+                <a:pos x="connsiteX6" y="connsiteY6"/>
+              </a:cxn>
+              <a:cxn ang="0">
+                <a:pos x="connsiteX7" y="connsiteY7"/>
+              </a:cxn>
+              <a:cxn ang="0">
+                <a:pos x="connsiteX8" y="connsiteY8"/>
+              </a:cxn>
+              <a:cxn ang="0">
+                <a:pos x="connsiteX9" y="connsiteY9"/>
+              </a:cxn>
+              <a:cxn ang="0">
+                <a:pos x="connsiteX10" y="connsiteY10"/>
+              </a:cxn>
+              <a:cxn ang="0">
+                <a:pos x="connsiteX11" y="connsiteY11"/>
+              </a:cxn>
+              <a:cxn ang="0">
+                <a:pos x="connsiteX12" y="connsiteY12"/>
+              </a:cxn>
+            </a:cxnLst>
+            <a:rect l="l" t="t" r="r" b="b"/>
+            <a:pathLst>
+              <a:path w="3027405" h="1425170">
+                <a:moveTo>
+                  <a:pt x="0" y="225731"/>
+                </a:moveTo>
+                <a:cubicBezTo>
+                  <a:pt x="93705" y="256623"/>
+                  <a:pt x="187411" y="287515"/>
+                  <a:pt x="259492" y="361655"/>
+                </a:cubicBezTo>
+                <a:cubicBezTo>
+                  <a:pt x="331573" y="435796"/>
+                  <a:pt x="362465" y="670574"/>
+                  <a:pt x="432486" y="670574"/>
+                </a:cubicBezTo>
+                <a:cubicBezTo>
+                  <a:pt x="502507" y="670574"/>
+                  <a:pt x="607540" y="472866"/>
+                  <a:pt x="679621" y="361655"/>
+                </a:cubicBezTo>
+                <a:cubicBezTo>
+                  <a:pt x="751702" y="250444"/>
+                  <a:pt x="809367" y="-33761"/>
+                  <a:pt x="864973" y="3309"/>
+                </a:cubicBezTo>
+                <a:cubicBezTo>
+                  <a:pt x="920579" y="40379"/>
+                  <a:pt x="945292" y="505818"/>
+                  <a:pt x="1013254" y="584077"/>
+                </a:cubicBezTo>
+                <a:cubicBezTo>
+                  <a:pt x="1081216" y="662336"/>
+                  <a:pt x="1145060" y="332823"/>
+                  <a:pt x="1272746" y="472866"/>
+                </a:cubicBezTo>
+                <a:cubicBezTo>
+                  <a:pt x="1400432" y="612909"/>
+                  <a:pt x="1635211" y="1395504"/>
+                  <a:pt x="1779373" y="1424336"/>
+                </a:cubicBezTo>
+                <a:cubicBezTo>
+                  <a:pt x="1923535" y="1453168"/>
+                  <a:pt x="2040925" y="726179"/>
+                  <a:pt x="2137719" y="645860"/>
+                </a:cubicBezTo>
+                <a:cubicBezTo>
+                  <a:pt x="2234514" y="565541"/>
+                  <a:pt x="2296297" y="866223"/>
+                  <a:pt x="2360140" y="942423"/>
+                </a:cubicBezTo>
+                <a:cubicBezTo>
+                  <a:pt x="2423983" y="1018623"/>
+                  <a:pt x="2448697" y="1109238"/>
+                  <a:pt x="2520778" y="1103060"/>
+                </a:cubicBezTo>
+                <a:cubicBezTo>
+                  <a:pt x="2592859" y="1096882"/>
+                  <a:pt x="2708189" y="1033038"/>
+                  <a:pt x="2792627" y="905352"/>
+                </a:cubicBezTo>
+                <a:cubicBezTo>
+                  <a:pt x="2877065" y="777666"/>
+                  <a:pt x="2952235" y="557304"/>
+                  <a:pt x="3027405" y="336942"/>
+                </a:cubicBezTo>
+              </a:path>
+            </a:pathLst>
+          </a:custGeom>
+          <a:noFill/>
+          <a:ln>
+            <a:solidFill>
+              <a:schemeClr val="accent2">
+                <a:lumMod val="50000"/>
+              </a:schemeClr>
+            </a:solidFill>
+          </a:ln>
+        </p:spPr>
+        <p:style>
+          <a:lnRef idx="2">
+            <a:schemeClr val="accent1">
+              <a:shade val="50000"/>
+            </a:schemeClr>
+          </a:lnRef>
+          <a:fillRef idx="1">
+            <a:schemeClr val="accent1"/>
+          </a:fillRef>
+          <a:effectRef idx="0">
+            <a:schemeClr val="accent1"/>
+          </a:effectRef>
+          <a:fontRef idx="minor">
+            <a:schemeClr val="lt1"/>
+          </a:fontRef>
+        </p:style>
+        <p:txBody>
+          <a:bodyPr rtlCol="0" anchor="ctr"/>
+          <a:lstStyle/>
+          <a:p>
+            <a:pPr algn="ctr"/>
+            <a:endParaRPr lang="en-TW"/>
+          </a:p>
+        </p:txBody>
+      </p:sp>
+      <p:sp>
+        <p:nvSpPr>
+          <p:cNvPr id="7" name="Oval 6">
+            <a:extLst>
+              <a:ext uri="{FF2B5EF4-FFF2-40B4-BE49-F238E27FC236}">
+                <a16:creationId xmlns:a16="http://schemas.microsoft.com/office/drawing/2014/main" id="{8803292D-A19F-074E-AC64-6139220AA190}"/>
+              </a:ext>
+            </a:extLst>
+          </p:cNvPr>
+          <p:cNvSpPr>
+            <a:spLocks noChangeAspect="1"/>
+          </p:cNvSpPr>
+          <p:nvPr/>
+        </p:nvSpPr>
+        <p:spPr>
+          <a:xfrm flipV="1">
+            <a:off x="6939848" y="3377733"/>
+            <a:ext cx="108000" cy="108000"/>
+          </a:xfrm>
+          <a:prstGeom prst="ellipse">
+            <a:avLst/>
+          </a:prstGeom>
+          <a:solidFill>
+            <a:srgbClr val="D2A66C"/>
+          </a:solidFill>
+          <a:ln>
+            <a:solidFill>
+              <a:schemeClr val="accent2">
+                <a:lumMod val="50000"/>
+              </a:schemeClr>
+            </a:solidFill>
+          </a:ln>
+        </p:spPr>
+        <p:style>
+          <a:lnRef idx="2">
+            <a:schemeClr val="accent1">
+              <a:shade val="50000"/>
+            </a:schemeClr>
+          </a:lnRef>
+          <a:fillRef idx="1">
+            <a:schemeClr val="accent1"/>
+          </a:fillRef>
+          <a:effectRef idx="0">
+            <a:schemeClr val="accent1"/>
+          </a:effectRef>
+          <a:fontRef idx="minor">
+            <a:schemeClr val="lt1"/>
+          </a:fontRef>
+        </p:style>
+        <p:txBody>
+          <a:bodyPr rtlCol="0" anchor="ctr"/>
+          <a:lstStyle/>
+          <a:p>
+            <a:pPr algn="ctr"/>
+            <a:endParaRPr lang="en-TW"/>
+          </a:p>
+        </p:txBody>
+      </p:sp>
+      <p:sp>
+        <p:nvSpPr>
+          <p:cNvPr id="8" name="Oval 7">
+            <a:extLst>
+              <a:ext uri="{FF2B5EF4-FFF2-40B4-BE49-F238E27FC236}">
+                <a16:creationId xmlns:a16="http://schemas.microsoft.com/office/drawing/2014/main" id="{4FC37603-4E2D-8743-B8C2-1917CE19345E}"/>
+              </a:ext>
+            </a:extLst>
+          </p:cNvPr>
+          <p:cNvSpPr>
+            <a:spLocks noChangeAspect="1"/>
+          </p:cNvSpPr>
+          <p:nvPr/>
+        </p:nvSpPr>
+        <p:spPr>
+          <a:xfrm flipV="1">
+            <a:off x="6061211" y="3101594"/>
+            <a:ext cx="108000" cy="108000"/>
+          </a:xfrm>
+          <a:prstGeom prst="ellipse">
+            <a:avLst/>
+          </a:prstGeom>
+          <a:solidFill>
+            <a:srgbClr val="D2A66C"/>
+          </a:solidFill>
+          <a:ln>
+            <a:solidFill>
+              <a:schemeClr val="accent2">
+                <a:lumMod val="50000"/>
+              </a:schemeClr>
+            </a:solidFill>
+          </a:ln>
+        </p:spPr>
+        <p:style>
+          <a:lnRef idx="2">
+            <a:schemeClr val="accent1">
+              <a:shade val="50000"/>
+            </a:schemeClr>
+          </a:lnRef>
+          <a:fillRef idx="1">
+            <a:schemeClr val="accent1"/>
+          </a:fillRef>
+          <a:effectRef idx="0">
+            <a:schemeClr val="accent1"/>
+          </a:effectRef>
+          <a:fontRef idx="minor">
+            <a:schemeClr val="lt1"/>
+          </a:fontRef>
+        </p:style>
+        <p:txBody>
+          <a:bodyPr rtlCol="0" anchor="ctr"/>
+          <a:lstStyle/>
+          <a:p>
+            <a:pPr algn="ctr"/>
+            <a:endParaRPr lang="en-TW"/>
+          </a:p>
+        </p:txBody>
+      </p:sp>
+      <p:sp>
+        <p:nvSpPr>
+          <p:cNvPr id="9" name="Oval 8">
+            <a:extLst>
+              <a:ext uri="{FF2B5EF4-FFF2-40B4-BE49-F238E27FC236}">
+                <a16:creationId xmlns:a16="http://schemas.microsoft.com/office/drawing/2014/main" id="{5CB18229-BAB0-3440-89F4-D156E7C9DC96}"/>
+              </a:ext>
+            </a:extLst>
+          </p:cNvPr>
+          <p:cNvSpPr>
+            <a:spLocks noChangeAspect="1"/>
+          </p:cNvSpPr>
+          <p:nvPr/>
+        </p:nvSpPr>
+        <p:spPr>
+          <a:xfrm flipV="1">
+            <a:off x="4977327" y="3924824"/>
+            <a:ext cx="108000" cy="108000"/>
+          </a:xfrm>
+          <a:prstGeom prst="ellipse">
+            <a:avLst/>
+          </a:prstGeom>
+          <a:solidFill>
+            <a:srgbClr val="D2A66C"/>
+          </a:solidFill>
+          <a:ln>
+            <a:solidFill>
+              <a:schemeClr val="accent2">
+                <a:lumMod val="50000"/>
+              </a:schemeClr>
+            </a:solidFill>
+          </a:ln>
+        </p:spPr>
+        <p:style>
+          <a:lnRef idx="2">
+            <a:schemeClr val="accent1">
+              <a:shade val="50000"/>
+            </a:schemeClr>
+          </a:lnRef>
+          <a:fillRef idx="1">
+            <a:schemeClr val="accent1"/>
+          </a:fillRef>
+          <a:effectRef idx="0">
+            <a:schemeClr val="accent1"/>
+          </a:effectRef>
+          <a:fontRef idx="minor">
+            <a:schemeClr val="lt1"/>
+          </a:fontRef>
+        </p:style>
+        <p:txBody>
+          <a:bodyPr rtlCol="0" anchor="ctr"/>
+          <a:lstStyle/>
+          <a:p>
+            <a:pPr algn="ctr"/>
+            <a:endParaRPr lang="en-TW"/>
+          </a:p>
+        </p:txBody>
+      </p:sp>
+      <p:sp>
+        <p:nvSpPr>
+          <p:cNvPr id="10" name="Oval 9">
+            <a:extLst>
+              <a:ext uri="{FF2B5EF4-FFF2-40B4-BE49-F238E27FC236}">
+                <a16:creationId xmlns:a16="http://schemas.microsoft.com/office/drawing/2014/main" id="{1AA6079D-06BB-134C-A21C-93EC37E0E062}"/>
+              </a:ext>
+            </a:extLst>
+          </p:cNvPr>
+          <p:cNvSpPr>
+            <a:spLocks noChangeAspect="1"/>
+          </p:cNvSpPr>
+          <p:nvPr/>
+        </p:nvSpPr>
+        <p:spPr>
+          <a:xfrm flipV="1">
+            <a:off x="5538306" y="3141080"/>
+            <a:ext cx="108000" cy="108000"/>
+          </a:xfrm>
+          <a:prstGeom prst="ellipse">
+            <a:avLst/>
+          </a:prstGeom>
+          <a:solidFill>
+            <a:srgbClr val="D2A66C"/>
+          </a:solidFill>
+          <a:ln>
+            <a:solidFill>
+              <a:schemeClr val="accent2">
+                <a:lumMod val="50000"/>
+              </a:schemeClr>
+            </a:solidFill>
+          </a:ln>
+        </p:spPr>
+        <p:style>
+          <a:lnRef idx="2">
+            <a:schemeClr val="accent1">
+              <a:shade val="50000"/>
+            </a:schemeClr>
+          </a:lnRef>
+          <a:fillRef idx="1">
+            <a:schemeClr val="accent1"/>
+          </a:fillRef>
+          <a:effectRef idx="0">
+            <a:schemeClr val="accent1"/>
+          </a:effectRef>
+          <a:fontRef idx="minor">
+            <a:schemeClr val="lt1"/>
+          </a:fontRef>
+        </p:style>
+        <p:txBody>
+          <a:bodyPr rtlCol="0" anchor="ctr"/>
+          <a:lstStyle/>
+          <a:p>
+            <a:pPr algn="ctr"/>
+            <a:endParaRPr lang="en-TW"/>
+          </a:p>
+        </p:txBody>
+      </p:sp>
+      <p:sp>
+        <p:nvSpPr>
+          <p:cNvPr id="11" name="Oval 10">
+            <a:extLst>
+              <a:ext uri="{FF2B5EF4-FFF2-40B4-BE49-F238E27FC236}">
+                <a16:creationId xmlns:a16="http://schemas.microsoft.com/office/drawing/2014/main" id="{54C6D281-0F50-374C-BF00-B913B6BE9D1D}"/>
+              </a:ext>
+            </a:extLst>
+          </p:cNvPr>
+          <p:cNvSpPr>
+            <a:spLocks noChangeAspect="1"/>
+          </p:cNvSpPr>
+          <p:nvPr/>
+        </p:nvSpPr>
+        <p:spPr>
+          <a:xfrm flipV="1">
+            <a:off x="4375920" y="3585810"/>
+            <a:ext cx="108000" cy="108000"/>
+          </a:xfrm>
+          <a:prstGeom prst="ellipse">
+            <a:avLst/>
+          </a:prstGeom>
+          <a:solidFill>
+            <a:srgbClr val="D2A66C"/>
+          </a:solidFill>
+          <a:ln>
+            <a:solidFill>
+              <a:schemeClr val="accent2">
+                <a:lumMod val="50000"/>
+              </a:schemeClr>
+            </a:solidFill>
+          </a:ln>
+        </p:spPr>
+        <p:style>
+          <a:lnRef idx="2">
+            <a:schemeClr val="accent1">
+              <a:shade val="50000"/>
+            </a:schemeClr>
+          </a:lnRef>
+          <a:fillRef idx="1">
+            <a:schemeClr val="accent1"/>
+          </a:fillRef>
+          <a:effectRef idx="0">
+            <a:schemeClr val="accent1"/>
+          </a:effectRef>
+          <a:fontRef idx="minor">
+            <a:schemeClr val="lt1"/>
+          </a:fontRef>
+        </p:style>
+        <p:txBody>
+          <a:bodyPr rtlCol="0" anchor="ctr"/>
+          <a:lstStyle/>
+          <a:p>
+            <a:pPr algn="ctr"/>
+            <a:endParaRPr lang="en-TW"/>
+          </a:p>
+        </p:txBody>
+      </p:sp>
+      <p:sp>
+        <p:nvSpPr>
+          <p:cNvPr id="14" name="Oval 13">
+            <a:extLst>
+              <a:ext uri="{FF2B5EF4-FFF2-40B4-BE49-F238E27FC236}">
+                <a16:creationId xmlns:a16="http://schemas.microsoft.com/office/drawing/2014/main" id="{C9457E50-2DC9-0643-B80C-CD8DF621AF6C}"/>
+              </a:ext>
+            </a:extLst>
+          </p:cNvPr>
+          <p:cNvSpPr>
+            <a:spLocks noChangeAspect="1"/>
+          </p:cNvSpPr>
+          <p:nvPr/>
+        </p:nvSpPr>
+        <p:spPr>
+          <a:xfrm>
+            <a:off x="4258316" y="2655197"/>
+            <a:ext cx="72000" cy="72000"/>
+          </a:xfrm>
+          <a:prstGeom prst="ellipse">
+            <a:avLst/>
+          </a:prstGeom>
+          <a:solidFill>
+            <a:srgbClr val="D2A66C"/>
+          </a:solidFill>
+          <a:ln>
+            <a:solidFill>
+              <a:schemeClr val="accent2">
+                <a:lumMod val="50000"/>
+              </a:schemeClr>
+            </a:solidFill>
+          </a:ln>
+        </p:spPr>
+        <p:style>
+          <a:lnRef idx="2">
+            <a:schemeClr val="accent1">
+              <a:shade val="50000"/>
+            </a:schemeClr>
+          </a:lnRef>
+          <a:fillRef idx="1">
+            <a:schemeClr val="accent1"/>
+          </a:fillRef>
+          <a:effectRef idx="0">
+            <a:schemeClr val="accent1"/>
+          </a:effectRef>
+          <a:fontRef idx="minor">
+            <a:schemeClr val="lt1"/>
+          </a:fontRef>
+        </p:style>
+        <p:txBody>
+          <a:bodyPr rtlCol="0" anchor="ctr"/>
+          <a:lstStyle/>
+          <a:p>
+            <a:pPr algn="ctr"/>
+            <a:endParaRPr lang="en-TW"/>
+          </a:p>
+        </p:txBody>
+      </p:sp>
+      <p:sp>
+        <p:nvSpPr>
+          <p:cNvPr id="15" name="Rectangle 14">
+            <a:extLst>
+              <a:ext uri="{FF2B5EF4-FFF2-40B4-BE49-F238E27FC236}">
+                <a16:creationId xmlns:a16="http://schemas.microsoft.com/office/drawing/2014/main" id="{6508B782-342F-F048-B53F-C71A5F721833}"/>
+              </a:ext>
+            </a:extLst>
+          </p:cNvPr>
+          <p:cNvSpPr/>
+          <p:nvPr/>
+        </p:nvSpPr>
+        <p:spPr>
+          <a:xfrm>
+            <a:off x="4404704" y="2575781"/>
+            <a:ext cx="910826" cy="230832"/>
+          </a:xfrm>
+          <a:prstGeom prst="rect">
+            <a:avLst/>
+          </a:prstGeom>
+        </p:spPr>
+        <p:txBody>
+          <a:bodyPr wrap="none">
+            <a:spAutoFit/>
+          </a:bodyPr>
+          <a:lstStyle/>
+          <a:p>
+            <a:pPr algn="ctr"/>
+            <a:r>
+              <a:rPr lang="en-TW" sz="900" dirty="0">
+                <a:solidFill>
+                  <a:schemeClr val="accent2">
+                    <a:lumMod val="50000"/>
+                  </a:schemeClr>
+                </a:solidFill>
+              </a:rPr>
+              <a:t>Sampled points</a:t>
+            </a:r>
+          </a:p>
+        </p:txBody>
+      </p:sp>
+      <p:cxnSp>
+        <p:nvCxnSpPr>
+          <p:cNvPr id="16" name="Straight Connector 15">
+            <a:extLst>
+              <a:ext uri="{FF2B5EF4-FFF2-40B4-BE49-F238E27FC236}">
+                <a16:creationId xmlns:a16="http://schemas.microsoft.com/office/drawing/2014/main" id="{B492570C-9547-6948-8958-FA375C4FA435}"/>
+              </a:ext>
+            </a:extLst>
+          </p:cNvPr>
+          <p:cNvCxnSpPr>
+            <a:cxnSpLocks/>
+          </p:cNvCxnSpPr>
+          <p:nvPr/>
+        </p:nvCxnSpPr>
+        <p:spPr>
+          <a:xfrm>
+            <a:off x="4201323" y="2883000"/>
+            <a:ext cx="180000" cy="0"/>
+          </a:xfrm>
+          <a:prstGeom prst="line">
+            <a:avLst/>
+          </a:prstGeom>
+          <a:ln w="15875">
+            <a:solidFill>
+              <a:schemeClr val="accent2">
+                <a:lumMod val="50000"/>
+              </a:schemeClr>
+            </a:solidFill>
+          </a:ln>
+        </p:spPr>
+        <p:style>
+          <a:lnRef idx="1">
+            <a:schemeClr val="accent1"/>
+          </a:lnRef>
+          <a:fillRef idx="0">
+            <a:schemeClr val="accent1"/>
+          </a:fillRef>
+          <a:effectRef idx="0">
+            <a:schemeClr val="accent1"/>
+          </a:effectRef>
+          <a:fontRef idx="minor">
+            <a:schemeClr val="tx1"/>
+          </a:fontRef>
+        </p:style>
+      </p:cxnSp>
+      <p:cxnSp>
+        <p:nvCxnSpPr>
+          <p:cNvPr id="17" name="Straight Connector 16">
+            <a:extLst>
+              <a:ext uri="{FF2B5EF4-FFF2-40B4-BE49-F238E27FC236}">
+                <a16:creationId xmlns:a16="http://schemas.microsoft.com/office/drawing/2014/main" id="{A48663BD-AEBC-E54F-8F09-322074019691}"/>
+              </a:ext>
+            </a:extLst>
+          </p:cNvPr>
+          <p:cNvCxnSpPr>
+            <a:cxnSpLocks/>
+          </p:cNvCxnSpPr>
+          <p:nvPr/>
+        </p:nvCxnSpPr>
+        <p:spPr>
+          <a:xfrm>
+            <a:off x="4201323" y="3017983"/>
+            <a:ext cx="180000" cy="0"/>
+          </a:xfrm>
+          <a:prstGeom prst="line">
+            <a:avLst/>
+          </a:prstGeom>
+          <a:ln w="15875">
+            <a:solidFill>
+              <a:srgbClr val="D2A66C"/>
+            </a:solidFill>
+            <a:prstDash val="sysDash"/>
+          </a:ln>
+        </p:spPr>
+        <p:style>
+          <a:lnRef idx="1">
+            <a:schemeClr val="accent1"/>
+          </a:lnRef>
+          <a:fillRef idx="0">
+            <a:schemeClr val="accent1"/>
+          </a:fillRef>
+          <a:effectRef idx="0">
+            <a:schemeClr val="accent1"/>
+          </a:effectRef>
+          <a:fontRef idx="minor">
+            <a:schemeClr val="tx1"/>
+          </a:fontRef>
+        </p:style>
+      </p:cxnSp>
+      <p:sp>
+        <p:nvSpPr>
+          <p:cNvPr id="18" name="Rectangle 17">
+            <a:extLst>
+              <a:ext uri="{FF2B5EF4-FFF2-40B4-BE49-F238E27FC236}">
+                <a16:creationId xmlns:a16="http://schemas.microsoft.com/office/drawing/2014/main" id="{A01D08EC-9FC6-1248-A4A6-BFBA90DC505E}"/>
+              </a:ext>
+            </a:extLst>
+          </p:cNvPr>
+          <p:cNvSpPr/>
+          <p:nvPr/>
+        </p:nvSpPr>
+        <p:spPr>
+          <a:xfrm>
+            <a:off x="4342989" y="2763732"/>
+            <a:ext cx="1050288" cy="230832"/>
+          </a:xfrm>
+          <a:prstGeom prst="rect">
+            <a:avLst/>
+          </a:prstGeom>
+        </p:spPr>
+        <p:txBody>
+          <a:bodyPr wrap="none">
+            <a:spAutoFit/>
+          </a:bodyPr>
+          <a:lstStyle/>
+          <a:p>
+            <a:r>
+              <a:rPr lang="en-TW" sz="900" dirty="0">
+                <a:solidFill>
+                  <a:schemeClr val="accent2">
+                    <a:lumMod val="50000"/>
+                  </a:schemeClr>
+                </a:solidFill>
+              </a:rPr>
+              <a:t>Objective function</a:t>
+            </a:r>
+          </a:p>
+        </p:txBody>
+      </p:sp>
+      <p:sp>
+        <p:nvSpPr>
+          <p:cNvPr id="19" name="Rectangle 18">
+            <a:extLst>
+              <a:ext uri="{FF2B5EF4-FFF2-40B4-BE49-F238E27FC236}">
+                <a16:creationId xmlns:a16="http://schemas.microsoft.com/office/drawing/2014/main" id="{74E37528-E9EF-E34C-8421-2547F6D44872}"/>
+              </a:ext>
+            </a:extLst>
+          </p:cNvPr>
+          <p:cNvSpPr/>
+          <p:nvPr/>
+        </p:nvSpPr>
+        <p:spPr>
+          <a:xfrm>
+            <a:off x="4336815" y="2900186"/>
+            <a:ext cx="1063112" cy="230832"/>
+          </a:xfrm>
+          <a:prstGeom prst="rect">
+            <a:avLst/>
+          </a:prstGeom>
+        </p:spPr>
+        <p:txBody>
+          <a:bodyPr wrap="none">
+            <a:spAutoFit/>
+          </a:bodyPr>
+          <a:lstStyle/>
+          <a:p>
+            <a:r>
+              <a:rPr lang="en-TW" sz="900" dirty="0">
+                <a:solidFill>
+                  <a:schemeClr val="accent2">
+                    <a:lumMod val="50000"/>
+                  </a:schemeClr>
+                </a:solidFill>
+              </a:rPr>
+              <a:t>Surrogate function</a:t>
+            </a:r>
+          </a:p>
+        </p:txBody>
+      </p:sp>
+      <p:sp>
+        <p:nvSpPr>
+          <p:cNvPr id="20" name="Rectangle 19">
+            <a:extLst>
+              <a:ext uri="{FF2B5EF4-FFF2-40B4-BE49-F238E27FC236}">
+                <a16:creationId xmlns:a16="http://schemas.microsoft.com/office/drawing/2014/main" id="{41BEC1D0-921B-114A-BA53-C73A7E80BA2B}"/>
+              </a:ext>
+            </a:extLst>
+          </p:cNvPr>
+          <p:cNvSpPr/>
+          <p:nvPr/>
+        </p:nvSpPr>
+        <p:spPr>
+          <a:xfrm>
+            <a:off x="5504566" y="4355691"/>
+            <a:ext cx="251992" cy="276999"/>
+          </a:xfrm>
+          <a:prstGeom prst="rect">
+            <a:avLst/>
+          </a:prstGeom>
+        </p:spPr>
+        <p:txBody>
+          <a:bodyPr wrap="none">
+            <a:spAutoFit/>
+          </a:bodyPr>
+          <a:lstStyle/>
+          <a:p>
+            <a:r>
+              <a:rPr lang="en-TW" sz="1200" dirty="0">
+                <a:solidFill>
+                  <a:schemeClr val="accent2">
+                    <a:lumMod val="50000"/>
+                  </a:schemeClr>
+                </a:solidFill>
+              </a:rPr>
+              <a:t>x</a:t>
+            </a:r>
+          </a:p>
+        </p:txBody>
+      </p:sp>
+      <p:sp>
+        <p:nvSpPr>
+          <p:cNvPr id="21" name="Rectangle 20">
+            <a:extLst>
+              <a:ext uri="{FF2B5EF4-FFF2-40B4-BE49-F238E27FC236}">
+                <a16:creationId xmlns:a16="http://schemas.microsoft.com/office/drawing/2014/main" id="{AAFBF165-D3F2-E143-93BC-53FA400E8A6E}"/>
+              </a:ext>
+            </a:extLst>
+          </p:cNvPr>
+          <p:cNvSpPr/>
+          <p:nvPr/>
+        </p:nvSpPr>
+        <p:spPr>
+          <a:xfrm>
+            <a:off x="3572446" y="3157385"/>
+            <a:ext cx="407484" cy="261610"/>
+          </a:xfrm>
+          <a:prstGeom prst="rect">
+            <a:avLst/>
+          </a:prstGeom>
+        </p:spPr>
+        <p:txBody>
+          <a:bodyPr wrap="none">
+            <a:spAutoFit/>
+          </a:bodyPr>
+          <a:lstStyle/>
+          <a:p>
+            <a:r>
+              <a:rPr lang="en-US" sz="1100" dirty="0">
+                <a:solidFill>
+                  <a:schemeClr val="accent2">
+                    <a:lumMod val="50000"/>
+                  </a:schemeClr>
+                </a:solidFill>
+              </a:rPr>
+              <a:t>C</a:t>
+            </a:r>
+            <a:r>
+              <a:rPr lang="en-TW" sz="1100" dirty="0">
+                <a:solidFill>
+                  <a:schemeClr val="accent2">
+                    <a:lumMod val="50000"/>
+                  </a:schemeClr>
+                </a:solidFill>
+              </a:rPr>
+              <a:t>(x)</a:t>
+            </a:r>
+            <a:endParaRPr lang="en-TW" sz="1100" dirty="0"/>
+          </a:p>
+        </p:txBody>
+      </p:sp>
+      <p:grpSp>
+        <p:nvGrpSpPr>
+          <p:cNvPr id="22" name="Group 21">
+            <a:extLst>
+              <a:ext uri="{FF2B5EF4-FFF2-40B4-BE49-F238E27FC236}">
+                <a16:creationId xmlns:a16="http://schemas.microsoft.com/office/drawing/2014/main" id="{3394E9CC-838A-214B-8B9C-594B81DE6EEA}"/>
+              </a:ext>
+            </a:extLst>
+          </p:cNvPr>
+          <p:cNvGrpSpPr/>
+          <p:nvPr/>
+        </p:nvGrpSpPr>
+        <p:grpSpPr>
+          <a:xfrm>
+            <a:off x="2874336" y="4276681"/>
+            <a:ext cx="5764444" cy="1050587"/>
+            <a:chOff x="3360126" y="3971848"/>
+            <a:chExt cx="5764444" cy="1050587"/>
+          </a:xfrm>
+        </p:grpSpPr>
+        <p:grpSp>
+          <p:nvGrpSpPr>
+            <p:cNvPr id="23" name="Group 22">
+              <a:extLst>
+                <a:ext uri="{FF2B5EF4-FFF2-40B4-BE49-F238E27FC236}">
+                  <a16:creationId xmlns:a16="http://schemas.microsoft.com/office/drawing/2014/main" id="{29B0F179-BC41-1444-A00E-ED109E2C2E5F}"/>
+                </a:ext>
+              </a:extLst>
+            </p:cNvPr>
+            <p:cNvGrpSpPr/>
+            <p:nvPr/>
+          </p:nvGrpSpPr>
+          <p:grpSpPr>
+            <a:xfrm>
+              <a:off x="3360126" y="4324980"/>
+              <a:ext cx="2735874" cy="328935"/>
+              <a:chOff x="7237110" y="4273903"/>
+              <a:chExt cx="2735874" cy="328935"/>
+            </a:xfrm>
+          </p:grpSpPr>
+          <p:sp>
+            <p:nvSpPr>
+              <p:cNvPr id="28" name="Intelligent Information Retrieval Laboratory">
+                <a:extLst>
+                  <a:ext uri="{FF2B5EF4-FFF2-40B4-BE49-F238E27FC236}">
+                    <a16:creationId xmlns:a16="http://schemas.microsoft.com/office/drawing/2014/main" id="{0A1CB4C0-70A5-6841-947D-53DF4D5B5D95}"/>
+                  </a:ext>
+                </a:extLst>
+              </p:cNvPr>
+              <p:cNvSpPr txBox="1"/>
+              <p:nvPr/>
+            </p:nvSpPr>
+            <p:spPr>
+              <a:xfrm>
+                <a:off x="7237110" y="4273903"/>
+                <a:ext cx="2590800" cy="328935"/>
+              </a:xfrm>
+              <a:prstGeom prst="rect">
+                <a:avLst/>
+              </a:prstGeom>
+              <a:noFill/>
+              <a:ln w="12700" cap="flat">
+                <a:noFill/>
+                <a:miter lim="400000"/>
+              </a:ln>
+              <a:effectLst/>
+              <a:extLst>
+                <a:ext uri="{C572A759-6A51-4108-AA02-DFA0A04FC94B}">
+                  <ma14:wrappingTextBoxFlag xmlns="" xmlns:m="http://schemas.openxmlformats.org/officeDocument/2006/math" xmlns:a14="http://schemas.microsoft.com/office/drawing/2010/main" xmlns:ma14="http://schemas.microsoft.com/office/mac/drawingml/2011/main" val="1"/>
+                </a:ext>
+              </a:extLst>
+            </p:spPr>
+            <p:txBody>
+              <a:bodyPr wrap="square" lIns="71437" tIns="71437" rIns="71437" bIns="71437" numCol="1" anchor="ctr">
+                <a:spAutoFit/>
+              </a:bodyPr>
+              <a:lstStyle>
+                <a:lvl1pPr algn="l" defTabSz="821531">
+                  <a:defRPr sz="2400" b="0">
+                    <a:solidFill>
+                      <a:srgbClr val="FFFFFF"/>
+                    </a:solidFill>
+                    <a:latin typeface="Helvetica Neue Bold Condensed"/>
+                    <a:ea typeface="Helvetica Neue Bold Condensed"/>
+                    <a:cs typeface="Helvetica Neue Bold Condensed"/>
+                    <a:sym typeface="Helvetica Neue Bold Condensed"/>
+                  </a:defRPr>
+                </a:lvl1pPr>
+              </a:lstStyle>
+              <a:p>
+                <a:r>
+                  <a:rPr kumimoji="0" lang="zh-TW" altLang="en-US" sz="1050" b="0" i="0" u="none" strike="noStrike" cap="none" spc="0" normalizeH="0" baseline="0" dirty="0">
+                    <a:ln>
+                      <a:noFill/>
+                    </a:ln>
+                    <a:solidFill>
+                      <a:schemeClr val="tx1">
+                        <a:alpha val="15000"/>
+                      </a:schemeClr>
+                    </a:solidFill>
+                    <a:effectLst/>
+                    <a:uFillTx/>
+                    <a:latin typeface="Helvetica Neue Bold Condensed"/>
+                    <a:ea typeface="Helvetica Neue Bold Condensed"/>
+                    <a:cs typeface="Helvetica Neue Bold Condensed"/>
+                    <a:sym typeface="Helvetica Neue Bold Condensed"/>
+                  </a:rPr>
+                  <a:t>第</a:t>
+                </a:r>
+                <a:r>
+                  <a:rPr kumimoji="0" lang="en-US" altLang="zh-TW" sz="1050" b="0" i="0" u="none" strike="noStrike" cap="none" spc="0" normalizeH="0" baseline="0" dirty="0">
+                    <a:ln>
+                      <a:noFill/>
+                    </a:ln>
+                    <a:solidFill>
+                      <a:schemeClr val="tx1">
+                        <a:alpha val="15000"/>
+                      </a:schemeClr>
+                    </a:solidFill>
+                    <a:effectLst/>
+                    <a:uFillTx/>
+                    <a:latin typeface="Helvetica Neue Bold Condensed"/>
+                    <a:ea typeface="Helvetica Neue Bold Condensed"/>
+                    <a:cs typeface="Helvetica Neue Bold Condensed"/>
+                    <a:sym typeface="Helvetica Neue Bold Condensed"/>
+                  </a:rPr>
+                  <a:t>13</a:t>
+                </a:r>
+                <a:r>
+                  <a:rPr kumimoji="0" lang="zh-TW" altLang="en-US" sz="1050" b="0" i="0" u="none" strike="noStrike" cap="none" spc="0" normalizeH="0" baseline="0" dirty="0">
+                    <a:ln>
+                      <a:noFill/>
+                    </a:ln>
+                    <a:solidFill>
+                      <a:schemeClr val="tx1">
+                        <a:alpha val="15000"/>
+                      </a:schemeClr>
+                    </a:solidFill>
+                    <a:effectLst/>
+                    <a:uFillTx/>
+                    <a:latin typeface="Helvetica Neue Bold Condensed"/>
+                    <a:ea typeface="Helvetica Neue Bold Condensed"/>
+                    <a:cs typeface="Helvetica Neue Bold Condensed"/>
+                    <a:sym typeface="Helvetica Neue Bold Condensed"/>
+                  </a:rPr>
+                  <a:t>屆 </a:t>
+                </a:r>
+                <a:r>
+                  <a:rPr kumimoji="0" lang="en-US" sz="1200" b="0" i="0" u="none" strike="noStrike" cap="none" spc="0" normalizeH="0" baseline="0" dirty="0">
+                    <a:ln>
+                      <a:noFill/>
+                    </a:ln>
+                    <a:solidFill>
+                      <a:schemeClr val="tx1">
+                        <a:alpha val="15000"/>
+                      </a:schemeClr>
+                    </a:solidFill>
+                    <a:effectLst/>
+                    <a:uFillTx/>
+                    <a:latin typeface="Helvetica Neue Bold Condensed"/>
+                    <a:ea typeface="Helvetica Neue Bold Condensed"/>
+                    <a:cs typeface="Helvetica Neue Bold Condensed"/>
+                    <a:sym typeface="Helvetica Neue Bold Condensed"/>
+                  </a:rPr>
+                  <a:t>iT</a:t>
+                </a:r>
+                <a:r>
+                  <a:rPr kumimoji="0" lang="zh-TW" altLang="en-US" sz="1100" b="0" i="0" u="none" strike="noStrike" cap="none" spc="0" normalizeH="0" baseline="0" dirty="0">
+                    <a:ln>
+                      <a:noFill/>
+                    </a:ln>
+                    <a:solidFill>
+                      <a:schemeClr val="tx1">
+                        <a:alpha val="15000"/>
+                      </a:schemeClr>
+                    </a:solidFill>
+                    <a:effectLst/>
+                    <a:uFillTx/>
+                    <a:latin typeface="Helvetica Neue Bold Condensed"/>
+                    <a:ea typeface="Helvetica Neue Bold Condensed"/>
+                    <a:cs typeface="Helvetica Neue Bold Condensed"/>
+                    <a:sym typeface="Helvetica Neue Bold Condensed"/>
+                  </a:rPr>
+                  <a:t>邦</a:t>
+                </a:r>
+                <a:r>
+                  <a:rPr kumimoji="0" lang="zh-TW" altLang="en-US" sz="1000" b="0" i="0" u="none" strike="noStrike" cap="none" spc="0" normalizeH="0" baseline="0" dirty="0">
+                    <a:ln>
+                      <a:noFill/>
+                    </a:ln>
+                    <a:solidFill>
+                      <a:schemeClr val="tx1">
+                        <a:alpha val="15000"/>
+                      </a:schemeClr>
+                    </a:solidFill>
+                    <a:effectLst/>
+                    <a:uFillTx/>
+                    <a:latin typeface="Helvetica Neue Bold Condensed"/>
+                    <a:ea typeface="Helvetica Neue Bold Condensed"/>
+                    <a:cs typeface="Helvetica Neue Bold Condensed"/>
+                    <a:sym typeface="Helvetica Neue Bold Condensed"/>
+                  </a:rPr>
+                  <a:t>幫忙</a:t>
+                </a:r>
+                <a:r>
+                  <a:rPr kumimoji="0" lang="zh-TW" altLang="en-US" sz="1100" b="0" i="0" u="none" strike="noStrike" cap="none" spc="0" normalizeH="0" baseline="0" dirty="0">
+                    <a:ln>
+                      <a:noFill/>
+                    </a:ln>
+                    <a:solidFill>
+                      <a:schemeClr val="tx1">
+                        <a:alpha val="15000"/>
+                      </a:schemeClr>
+                    </a:solidFill>
+                    <a:effectLst/>
+                    <a:uFillTx/>
+                    <a:latin typeface="Helvetica Neue Bold Condensed"/>
+                    <a:ea typeface="Helvetica Neue Bold Condensed"/>
+                    <a:cs typeface="Helvetica Neue Bold Condensed"/>
+                    <a:sym typeface="Helvetica Neue Bold Condensed"/>
+                  </a:rPr>
+                  <a:t> 鐵人賽</a:t>
+                </a:r>
+                <a:endParaRPr sz="1100" dirty="0">
+                  <a:solidFill>
+                    <a:schemeClr val="tx1">
+                      <a:alpha val="15000"/>
+                    </a:schemeClr>
+                  </a:solidFill>
+                </a:endParaRPr>
+              </a:p>
+            </p:txBody>
+          </p:sp>
+          <p:sp>
+            <p:nvSpPr>
+              <p:cNvPr id="29" name="Intelligent Information Retrieval Laboratory">
+                <a:extLst>
+                  <a:ext uri="{FF2B5EF4-FFF2-40B4-BE49-F238E27FC236}">
+                    <a16:creationId xmlns:a16="http://schemas.microsoft.com/office/drawing/2014/main" id="{F5290662-6EC4-E943-A127-6A0AB3DCE99E}"/>
+                  </a:ext>
+                </a:extLst>
+              </p:cNvPr>
+              <p:cNvSpPr txBox="1"/>
+              <p:nvPr/>
+            </p:nvSpPr>
+            <p:spPr>
+              <a:xfrm>
+                <a:off x="8753784" y="4289292"/>
+                <a:ext cx="1219200" cy="313546"/>
+              </a:xfrm>
+              <a:prstGeom prst="rect">
+                <a:avLst/>
+              </a:prstGeom>
+              <a:noFill/>
+              <a:ln w="12700" cap="flat">
+                <a:noFill/>
+                <a:miter lim="400000"/>
+              </a:ln>
+              <a:effectLst/>
+              <a:extLst>
+                <a:ext uri="{C572A759-6A51-4108-AA02-DFA0A04FC94B}">
+                  <ma14:wrappingTextBoxFlag xmlns="" xmlns:m="http://schemas.openxmlformats.org/officeDocument/2006/math" xmlns:a14="http://schemas.microsoft.com/office/drawing/2010/main" xmlns:ma14="http://schemas.microsoft.com/office/mac/drawingml/2011/main" val="1"/>
+                </a:ext>
+              </a:extLst>
+            </p:spPr>
+            <p:txBody>
+              <a:bodyPr wrap="square" lIns="71437" tIns="71437" rIns="71437" bIns="71437" numCol="1" anchor="ctr">
+                <a:spAutoFit/>
+              </a:bodyPr>
+              <a:lstStyle>
+                <a:lvl1pPr algn="l" defTabSz="821531">
+                  <a:defRPr sz="2400" b="0">
+                    <a:solidFill>
+                      <a:srgbClr val="FFFFFF"/>
+                    </a:solidFill>
+                    <a:latin typeface="Helvetica Neue Bold Condensed"/>
+                    <a:ea typeface="Helvetica Neue Bold Condensed"/>
+                    <a:cs typeface="Helvetica Neue Bold Condensed"/>
+                    <a:sym typeface="Helvetica Neue Bold Condensed"/>
+                  </a:defRPr>
+                </a:lvl1pPr>
+              </a:lstStyle>
+              <a:p>
+                <a:r>
+                  <a:rPr kumimoji="0" lang="en-US" altLang="zh-TW" sz="1050" b="0" i="0" u="none" strike="noStrike" cap="none" spc="0" normalizeH="0" baseline="0" dirty="0">
+                    <a:ln>
+                      <a:noFill/>
+                    </a:ln>
+                    <a:solidFill>
+                      <a:schemeClr val="tx1">
+                        <a:alpha val="15000"/>
+                      </a:schemeClr>
+                    </a:solidFill>
+                    <a:effectLst/>
+                    <a:uFillTx/>
+                    <a:latin typeface="Helvetica Neue Bold Condensed"/>
+                    <a:ea typeface="Helvetica Neue Bold Condensed"/>
+                    <a:cs typeface="Helvetica Neue Bold Condensed"/>
+                    <a:sym typeface="Helvetica Neue Bold Condensed"/>
+                  </a:rPr>
+                  <a:t>AI &amp; Data </a:t>
+                </a:r>
+                <a:r>
+                  <a:rPr kumimoji="0" lang="zh-TW" altLang="en-US" sz="1050" b="0" i="0" u="none" strike="noStrike" cap="none" spc="0" normalizeH="0" baseline="0" dirty="0">
+                    <a:ln>
+                      <a:noFill/>
+                    </a:ln>
+                    <a:solidFill>
+                      <a:schemeClr val="tx1">
+                        <a:alpha val="15000"/>
+                      </a:schemeClr>
+                    </a:solidFill>
+                    <a:effectLst/>
+                    <a:uFillTx/>
+                    <a:latin typeface="Helvetica Neue Bold Condensed"/>
+                    <a:ea typeface="Helvetica Neue Bold Condensed"/>
+                    <a:cs typeface="Helvetica Neue Bold Condensed"/>
+                    <a:sym typeface="Helvetica Neue Bold Condensed"/>
+                  </a:rPr>
+                  <a:t>組</a:t>
+                </a:r>
+                <a:endParaRPr sz="1100" dirty="0">
+                  <a:solidFill>
+                    <a:schemeClr val="tx1">
+                      <a:alpha val="15000"/>
+                    </a:schemeClr>
+                  </a:solidFill>
+                </a:endParaRPr>
+              </a:p>
+            </p:txBody>
+          </p:sp>
+        </p:grpSp>
+        <p:grpSp>
+          <p:nvGrpSpPr>
+            <p:cNvPr id="24" name="Group 23">
+              <a:extLst>
+                <a:ext uri="{FF2B5EF4-FFF2-40B4-BE49-F238E27FC236}">
+                  <a16:creationId xmlns:a16="http://schemas.microsoft.com/office/drawing/2014/main" id="{DF35A481-05D5-2D47-A83F-6E1C1ED859C7}"/>
+                </a:ext>
+              </a:extLst>
+            </p:cNvPr>
+            <p:cNvGrpSpPr/>
+            <p:nvPr/>
+          </p:nvGrpSpPr>
+          <p:grpSpPr>
+            <a:xfrm>
+              <a:off x="7247835" y="3971848"/>
+              <a:ext cx="1876735" cy="1050587"/>
+              <a:chOff x="3891792" y="3940042"/>
+              <a:chExt cx="1876735" cy="1050587"/>
+            </a:xfrm>
+          </p:grpSpPr>
+          <p:pic>
+            <p:nvPicPr>
+              <p:cNvPr id="25" name="Picture 24">
+                <a:extLst>
+                  <a:ext uri="{FF2B5EF4-FFF2-40B4-BE49-F238E27FC236}">
+                    <a16:creationId xmlns:a16="http://schemas.microsoft.com/office/drawing/2014/main" id="{4EE2B574-0F45-784F-B9FB-00836906AE20}"/>
+                  </a:ext>
+                </a:extLst>
+              </p:cNvPr>
+              <p:cNvPicPr>
+                <a:picLocks noChangeAspect="1" noChangeArrowheads="1"/>
+              </p:cNvPicPr>
+              <p:nvPr/>
+            </p:nvPicPr>
+            <p:blipFill>
+              <a:blip r:embed="rId3">
+                <a:duotone>
+                  <a:prstClr val="black"/>
+                  <a:schemeClr val="tx1">
+                    <a:tint val="45000"/>
+                    <a:satMod val="400000"/>
+                  </a:schemeClr>
+                </a:duotone>
+                <a:alphaModFix amt="20000"/>
+              </a:blip>
+              <a:srcRect/>
+              <a:stretch/>
+            </p:blipFill>
+            <p:spPr bwMode="auto">
+              <a:xfrm>
+                <a:off x="4489805" y="3940042"/>
+                <a:ext cx="1050587" cy="1050587"/>
+              </a:xfrm>
+              <a:prstGeom prst="rect">
+                <a:avLst/>
+              </a:prstGeom>
+              <a:noFill/>
+              <a:extLst>
+                <a:ext uri="{909E8E84-426E-40DD-AFC4-6F175D3DCCD1}">
+                  <a14:hiddenFill xmlns:a14="http://schemas.microsoft.com/office/drawing/2010/main">
+                    <a:solidFill>
+                      <a:srgbClr val="FFFFFF"/>
+                    </a:solidFill>
+                  </a14:hiddenFill>
+                </a:ext>
+              </a:extLst>
+            </p:spPr>
+          </p:pic>
+          <p:pic>
+            <p:nvPicPr>
+              <p:cNvPr id="26" name="Picture 4" descr="Youtube logo | Logok">
+                <a:extLst>
+                  <a:ext uri="{FF2B5EF4-FFF2-40B4-BE49-F238E27FC236}">
+                    <a16:creationId xmlns:a16="http://schemas.microsoft.com/office/drawing/2014/main" id="{6E976C8F-A5C9-FD46-8AC7-6F9AF8494118}"/>
+                  </a:ext>
+                </a:extLst>
+              </p:cNvPr>
+              <p:cNvPicPr>
+                <a:picLocks noChangeAspect="1" noChangeArrowheads="1"/>
+              </p:cNvPicPr>
+              <p:nvPr/>
+            </p:nvPicPr>
+            <p:blipFill>
+              <a:blip r:embed="rId4">
+                <a:alphaModFix amt="20000"/>
+                <a:extLst>
+                  <a:ext uri="{28A0092B-C50C-407E-A947-70E740481C1C}">
+                    <a14:useLocalDpi xmlns:a14="http://schemas.microsoft.com/office/drawing/2010/main" val="0"/>
+                  </a:ext>
+                </a:extLst>
+              </a:blip>
+              <a:srcRect/>
+              <a:stretch>
+                <a:fillRect/>
+              </a:stretch>
+            </p:blipFill>
+            <p:spPr bwMode="auto">
+              <a:xfrm>
+                <a:off x="3891792" y="4187926"/>
+                <a:ext cx="739756" cy="554817"/>
+              </a:xfrm>
+              <a:prstGeom prst="rect">
+                <a:avLst/>
+              </a:prstGeom>
+              <a:noFill/>
+              <a:extLst>
+                <a:ext uri="{909E8E84-426E-40DD-AFC4-6F175D3DCCD1}">
+                  <a14:hiddenFill xmlns:a14="http://schemas.microsoft.com/office/drawing/2010/main">
+                    <a:solidFill>
+                      <a:srgbClr val="FFFFFF"/>
+                    </a:solidFill>
+                  </a14:hiddenFill>
+                </a:ext>
+              </a:extLst>
+            </p:spPr>
+          </p:pic>
+          <p:sp>
+            <p:nvSpPr>
+              <p:cNvPr id="27" name="Intelligent Information Retrieval Laboratory">
+                <a:extLst>
+                  <a:ext uri="{FF2B5EF4-FFF2-40B4-BE49-F238E27FC236}">
+                    <a16:creationId xmlns:a16="http://schemas.microsoft.com/office/drawing/2014/main" id="{00D90A6A-582D-364D-BF02-0A5113F394C8}"/>
+                  </a:ext>
+                </a:extLst>
+              </p:cNvPr>
+              <p:cNvSpPr txBox="1"/>
+              <p:nvPr/>
+            </p:nvSpPr>
+            <p:spPr>
+              <a:xfrm>
+                <a:off x="4549327" y="4308601"/>
+                <a:ext cx="1219200" cy="328935"/>
+              </a:xfrm>
+              <a:prstGeom prst="rect">
+                <a:avLst/>
+              </a:prstGeom>
+              <a:noFill/>
+              <a:ln w="12700" cap="flat">
+                <a:noFill/>
+                <a:miter lim="400000"/>
+              </a:ln>
+              <a:effectLst/>
+              <a:extLst>
+                <a:ext uri="{C572A759-6A51-4108-AA02-DFA0A04FC94B}">
+                  <ma14:wrappingTextBoxFlag xmlns="" xmlns:m="http://schemas.openxmlformats.org/officeDocument/2006/math" xmlns:a14="http://schemas.microsoft.com/office/drawing/2010/main" xmlns:ma14="http://schemas.microsoft.com/office/mac/drawingml/2011/main" val="1"/>
+                </a:ext>
+              </a:extLst>
+            </p:spPr>
+            <p:txBody>
+              <a:bodyPr wrap="square" lIns="71437" tIns="71437" rIns="71437" bIns="71437" numCol="1" anchor="ctr">
+                <a:spAutoFit/>
+              </a:bodyPr>
+              <a:lstStyle>
+                <a:lvl1pPr algn="l" defTabSz="821531">
+                  <a:defRPr sz="2400" b="0">
+                    <a:solidFill>
+                      <a:srgbClr val="FFFFFF"/>
+                    </a:solidFill>
+                    <a:latin typeface="Helvetica Neue Bold Condensed"/>
+                    <a:ea typeface="Helvetica Neue Bold Condensed"/>
+                    <a:cs typeface="Helvetica Neue Bold Condensed"/>
+                    <a:sym typeface="Helvetica Neue Bold Condensed"/>
+                  </a:defRPr>
+                </a:lvl1pPr>
+              </a:lstStyle>
+              <a:p>
+                <a:r>
+                  <a:rPr kumimoji="0" lang="en-US" altLang="zh-TW" sz="1200" b="0" i="0" u="none" strike="noStrike" cap="none" spc="0" normalizeH="0" baseline="0" dirty="0">
+                    <a:ln>
+                      <a:noFill/>
+                    </a:ln>
+                    <a:solidFill>
+                      <a:schemeClr val="tx1">
+                        <a:alpha val="15000"/>
+                      </a:schemeClr>
+                    </a:solidFill>
+                    <a:effectLst/>
+                    <a:uFillTx/>
+                    <a:latin typeface="Helvetica Neue Bold Condensed"/>
+                    <a:ea typeface="Helvetica Neue Bold Condensed"/>
+                    <a:cs typeface="Helvetica Neue Bold Condensed"/>
+                    <a:sym typeface="Helvetica Neue Bold Condensed"/>
+                  </a:rPr>
+                  <a:t>10</a:t>
+                </a:r>
+                <a:r>
+                  <a:rPr kumimoji="0" lang="zh-TW" altLang="en-US" sz="1200" b="0" i="0" u="none" strike="noStrike" cap="none" spc="0" normalizeH="0" baseline="0" dirty="0">
+                    <a:ln>
+                      <a:noFill/>
+                    </a:ln>
+                    <a:solidFill>
+                      <a:schemeClr val="tx1">
+                        <a:alpha val="15000"/>
+                      </a:schemeClr>
+                    </a:solidFill>
+                    <a:effectLst/>
+                    <a:uFillTx/>
+                    <a:sym typeface="Helvetica Neue Bold Condensed"/>
+                  </a:rPr>
+                  <a:t>程式中</a:t>
+                </a:r>
+                <a:endParaRPr sz="1400" dirty="0">
+                  <a:solidFill>
+                    <a:schemeClr val="tx1">
+                      <a:alpha val="15000"/>
+                    </a:schemeClr>
+                  </a:solidFill>
+                </a:endParaRPr>
+              </a:p>
+            </p:txBody>
+          </p:sp>
+        </p:grpSp>
+      </p:grpSp>
+      <p:sp>
+        <p:nvSpPr>
+          <p:cNvPr id="30" name="Freeform 29">
+            <a:extLst>
+              <a:ext uri="{FF2B5EF4-FFF2-40B4-BE49-F238E27FC236}">
+                <a16:creationId xmlns:a16="http://schemas.microsoft.com/office/drawing/2014/main" id="{337D6C7A-86BC-784A-8F3C-D99CCD11702E}"/>
+              </a:ext>
+            </a:extLst>
+          </p:cNvPr>
+          <p:cNvSpPr/>
+          <p:nvPr/>
+        </p:nvSpPr>
+        <p:spPr>
+          <a:xfrm>
+            <a:off x="4104503" y="2704955"/>
+            <a:ext cx="3109097" cy="1370159"/>
+          </a:xfrm>
+          <a:custGeom>
+            <a:avLst/>
+            <a:gdLst>
+              <a:gd name="connsiteX0" fmla="*/ 0 w 3086100"/>
+              <a:gd name="connsiteY0" fmla="*/ 1143145 h 1370159"/>
+              <a:gd name="connsiteX1" fmla="*/ 304800 w 3086100"/>
+              <a:gd name="connsiteY1" fmla="*/ 978045 h 1370159"/>
+              <a:gd name="connsiteX2" fmla="*/ 393700 w 3086100"/>
+              <a:gd name="connsiteY2" fmla="*/ 749445 h 1370159"/>
+              <a:gd name="connsiteX3" fmla="*/ 736600 w 3086100"/>
+              <a:gd name="connsiteY3" fmla="*/ 1232045 h 1370159"/>
+              <a:gd name="connsiteX4" fmla="*/ 901700 w 3086100"/>
+              <a:gd name="connsiteY4" fmla="*/ 1346345 h 1370159"/>
+              <a:gd name="connsiteX5" fmla="*/ 990600 w 3086100"/>
+              <a:gd name="connsiteY5" fmla="*/ 838345 h 1370159"/>
+              <a:gd name="connsiteX6" fmla="*/ 1333500 w 3086100"/>
+              <a:gd name="connsiteY6" fmla="*/ 812945 h 1370159"/>
+              <a:gd name="connsiteX7" fmla="*/ 1447800 w 3086100"/>
+              <a:gd name="connsiteY7" fmla="*/ 520845 h 1370159"/>
+              <a:gd name="connsiteX8" fmla="*/ 1739900 w 3086100"/>
+              <a:gd name="connsiteY8" fmla="*/ 145 h 1370159"/>
+              <a:gd name="connsiteX9" fmla="*/ 1993900 w 3086100"/>
+              <a:gd name="connsiteY9" fmla="*/ 470045 h 1370159"/>
+              <a:gd name="connsiteX10" fmla="*/ 2222500 w 3086100"/>
+              <a:gd name="connsiteY10" fmla="*/ 685945 h 1370159"/>
+              <a:gd name="connsiteX11" fmla="*/ 2654300 w 3086100"/>
+              <a:gd name="connsiteY11" fmla="*/ 393845 h 1370159"/>
+              <a:gd name="connsiteX12" fmla="*/ 2882900 w 3086100"/>
+              <a:gd name="connsiteY12" fmla="*/ 749445 h 1370159"/>
+              <a:gd name="connsiteX13" fmla="*/ 3086100 w 3086100"/>
+              <a:gd name="connsiteY13" fmla="*/ 1143145 h 1370159"/>
+            </a:gdLst>
+            <a:ahLst/>
+            <a:cxnLst>
+              <a:cxn ang="0">
+                <a:pos x="connsiteX0" y="connsiteY0"/>
+              </a:cxn>
+              <a:cxn ang="0">
+                <a:pos x="connsiteX1" y="connsiteY1"/>
+              </a:cxn>
+              <a:cxn ang="0">
+                <a:pos x="connsiteX2" y="connsiteY2"/>
+              </a:cxn>
+              <a:cxn ang="0">
+                <a:pos x="connsiteX3" y="connsiteY3"/>
+              </a:cxn>
+              <a:cxn ang="0">
+                <a:pos x="connsiteX4" y="connsiteY4"/>
+              </a:cxn>
+              <a:cxn ang="0">
+                <a:pos x="connsiteX5" y="connsiteY5"/>
+              </a:cxn>
+              <a:cxn ang="0">
+                <a:pos x="connsiteX6" y="connsiteY6"/>
+              </a:cxn>
+              <a:cxn ang="0">
+                <a:pos x="connsiteX7" y="connsiteY7"/>
+              </a:cxn>
+              <a:cxn ang="0">
+                <a:pos x="connsiteX8" y="connsiteY8"/>
+              </a:cxn>
+              <a:cxn ang="0">
+                <a:pos x="connsiteX9" y="connsiteY9"/>
+              </a:cxn>
+              <a:cxn ang="0">
+                <a:pos x="connsiteX10" y="connsiteY10"/>
+              </a:cxn>
+              <a:cxn ang="0">
+                <a:pos x="connsiteX11" y="connsiteY11"/>
+              </a:cxn>
+              <a:cxn ang="0">
+                <a:pos x="connsiteX12" y="connsiteY12"/>
+              </a:cxn>
+              <a:cxn ang="0">
+                <a:pos x="connsiteX13" y="connsiteY13"/>
+              </a:cxn>
+            </a:cxnLst>
+            <a:rect l="l" t="t" r="r" b="b"/>
+            <a:pathLst>
+              <a:path w="3086100" h="1370159">
+                <a:moveTo>
+                  <a:pt x="0" y="1143145"/>
+                </a:moveTo>
+                <a:cubicBezTo>
+                  <a:pt x="119591" y="1093403"/>
+                  <a:pt x="239183" y="1043662"/>
+                  <a:pt x="304800" y="978045"/>
+                </a:cubicBezTo>
+                <a:cubicBezTo>
+                  <a:pt x="370417" y="912428"/>
+                  <a:pt x="321733" y="707112"/>
+                  <a:pt x="393700" y="749445"/>
+                </a:cubicBezTo>
+                <a:cubicBezTo>
+                  <a:pt x="465667" y="791778"/>
+                  <a:pt x="651933" y="1132562"/>
+                  <a:pt x="736600" y="1232045"/>
+                </a:cubicBezTo>
+                <a:cubicBezTo>
+                  <a:pt x="821267" y="1331528"/>
+                  <a:pt x="859367" y="1411962"/>
+                  <a:pt x="901700" y="1346345"/>
+                </a:cubicBezTo>
+                <a:cubicBezTo>
+                  <a:pt x="944033" y="1280728"/>
+                  <a:pt x="918633" y="927245"/>
+                  <a:pt x="990600" y="838345"/>
+                </a:cubicBezTo>
+                <a:cubicBezTo>
+                  <a:pt x="1062567" y="749445"/>
+                  <a:pt x="1257300" y="865862"/>
+                  <a:pt x="1333500" y="812945"/>
+                </a:cubicBezTo>
+                <a:cubicBezTo>
+                  <a:pt x="1409700" y="760028"/>
+                  <a:pt x="1380067" y="656312"/>
+                  <a:pt x="1447800" y="520845"/>
+                </a:cubicBezTo>
+                <a:cubicBezTo>
+                  <a:pt x="1515533" y="385378"/>
+                  <a:pt x="1648883" y="8612"/>
+                  <a:pt x="1739900" y="145"/>
+                </a:cubicBezTo>
+                <a:cubicBezTo>
+                  <a:pt x="1830917" y="-8322"/>
+                  <a:pt x="1913467" y="355745"/>
+                  <a:pt x="1993900" y="470045"/>
+                </a:cubicBezTo>
+                <a:cubicBezTo>
+                  <a:pt x="2074333" y="584345"/>
+                  <a:pt x="2112433" y="698645"/>
+                  <a:pt x="2222500" y="685945"/>
+                </a:cubicBezTo>
+                <a:cubicBezTo>
+                  <a:pt x="2332567" y="673245"/>
+                  <a:pt x="2544233" y="383262"/>
+                  <a:pt x="2654300" y="393845"/>
+                </a:cubicBezTo>
+                <a:cubicBezTo>
+                  <a:pt x="2764367" y="404428"/>
+                  <a:pt x="2810933" y="624562"/>
+                  <a:pt x="2882900" y="749445"/>
+                </a:cubicBezTo>
+                <a:cubicBezTo>
+                  <a:pt x="2954867" y="874328"/>
+                  <a:pt x="3020483" y="1008736"/>
+                  <a:pt x="3086100" y="1143145"/>
+                </a:cubicBezTo>
+              </a:path>
+            </a:pathLst>
+          </a:custGeom>
+          <a:noFill/>
+          <a:ln>
+            <a:solidFill>
+              <a:srgbClr val="D2A66C"/>
+            </a:solidFill>
+            <a:prstDash val="lgDash"/>
+          </a:ln>
+        </p:spPr>
+        <p:style>
+          <a:lnRef idx="2">
+            <a:schemeClr val="accent1">
+              <a:shade val="50000"/>
+            </a:schemeClr>
+          </a:lnRef>
+          <a:fillRef idx="1">
+            <a:schemeClr val="accent1"/>
+          </a:fillRef>
+          <a:effectRef idx="0">
+            <a:schemeClr val="accent1"/>
+          </a:effectRef>
+          <a:fontRef idx="minor">
+            <a:schemeClr val="lt1"/>
+          </a:fontRef>
+        </p:style>
+        <p:txBody>
+          <a:bodyPr rtlCol="0" anchor="ctr"/>
+          <a:lstStyle/>
+          <a:p>
+            <a:pPr algn="ctr"/>
+            <a:endParaRPr lang="en-TW"/>
+          </a:p>
+        </p:txBody>
+      </p:sp>
+      <p:sp>
+        <p:nvSpPr>
+          <p:cNvPr id="31" name="Oval 30">
+            <a:extLst>
+              <a:ext uri="{FF2B5EF4-FFF2-40B4-BE49-F238E27FC236}">
+                <a16:creationId xmlns:a16="http://schemas.microsoft.com/office/drawing/2014/main" id="{C8A1C4E9-A782-244C-B913-93C7F687CC79}"/>
+              </a:ext>
+            </a:extLst>
+          </p:cNvPr>
+          <p:cNvSpPr>
+            <a:spLocks noChangeAspect="1"/>
+          </p:cNvSpPr>
+          <p:nvPr/>
+        </p:nvSpPr>
+        <p:spPr>
+          <a:xfrm flipV="1">
+            <a:off x="6738075" y="3047594"/>
+            <a:ext cx="108000" cy="108000"/>
+          </a:xfrm>
+          <a:prstGeom prst="ellipse">
+            <a:avLst/>
+          </a:prstGeom>
+          <a:solidFill>
+            <a:schemeClr val="accent2">
+              <a:lumMod val="20000"/>
+              <a:lumOff val="80000"/>
+            </a:schemeClr>
+          </a:solidFill>
+          <a:ln>
+            <a:solidFill>
+              <a:schemeClr val="accent2">
+                <a:lumMod val="50000"/>
+              </a:schemeClr>
+            </a:solidFill>
+          </a:ln>
+        </p:spPr>
+        <p:style>
+          <a:lnRef idx="2">
+            <a:schemeClr val="accent1">
+              <a:shade val="50000"/>
+            </a:schemeClr>
+          </a:lnRef>
+          <a:fillRef idx="1">
+            <a:schemeClr val="accent1"/>
+          </a:fillRef>
+          <a:effectRef idx="0">
+            <a:schemeClr val="accent1"/>
+          </a:effectRef>
+          <a:fontRef idx="minor">
+            <a:schemeClr val="lt1"/>
+          </a:fontRef>
+        </p:style>
+        <p:txBody>
+          <a:bodyPr rtlCol="0" anchor="ctr"/>
+          <a:lstStyle/>
+          <a:p>
+            <a:pPr algn="ctr"/>
+            <a:endParaRPr lang="en-TW"/>
+          </a:p>
+        </p:txBody>
+      </p:sp>
+      <p:sp>
+        <p:nvSpPr>
+          <p:cNvPr id="32" name="Oval 31">
+            <a:extLst>
+              <a:ext uri="{FF2B5EF4-FFF2-40B4-BE49-F238E27FC236}">
+                <a16:creationId xmlns:a16="http://schemas.microsoft.com/office/drawing/2014/main" id="{DC877598-DBDD-D947-B3E1-B0A0D82A749C}"/>
+              </a:ext>
+            </a:extLst>
+          </p:cNvPr>
+          <p:cNvSpPr>
+            <a:spLocks noChangeAspect="1"/>
+          </p:cNvSpPr>
+          <p:nvPr/>
+        </p:nvSpPr>
+        <p:spPr>
+          <a:xfrm flipV="1">
+            <a:off x="4814133" y="3892428"/>
+            <a:ext cx="108000" cy="108000"/>
+          </a:xfrm>
+          <a:prstGeom prst="ellipse">
+            <a:avLst/>
+          </a:prstGeom>
+          <a:solidFill>
+            <a:schemeClr val="accent2">
+              <a:lumMod val="20000"/>
+              <a:lumOff val="80000"/>
+            </a:schemeClr>
+          </a:solidFill>
+          <a:ln>
+            <a:solidFill>
+              <a:schemeClr val="accent2">
+                <a:lumMod val="50000"/>
+              </a:schemeClr>
+            </a:solidFill>
+          </a:ln>
+        </p:spPr>
+        <p:style>
+          <a:lnRef idx="2">
+            <a:schemeClr val="accent1">
+              <a:shade val="50000"/>
+            </a:schemeClr>
+          </a:lnRef>
+          <a:fillRef idx="1">
+            <a:schemeClr val="accent1"/>
+          </a:fillRef>
+          <a:effectRef idx="0">
+            <a:schemeClr val="accent1"/>
+          </a:effectRef>
+          <a:fontRef idx="minor">
+            <a:schemeClr val="lt1"/>
+          </a:fontRef>
+        </p:style>
+        <p:txBody>
+          <a:bodyPr rtlCol="0" anchor="ctr"/>
+          <a:lstStyle/>
+          <a:p>
+            <a:pPr algn="ctr"/>
+            <a:endParaRPr lang="en-TW"/>
+          </a:p>
+        </p:txBody>
+      </p:sp>
+      <p:sp>
+        <p:nvSpPr>
+          <p:cNvPr id="33" name="Oval 32">
+            <a:extLst>
+              <a:ext uri="{FF2B5EF4-FFF2-40B4-BE49-F238E27FC236}">
+                <a16:creationId xmlns:a16="http://schemas.microsoft.com/office/drawing/2014/main" id="{08CCB19E-0B10-7C4F-A152-8498F9D83F89}"/>
+              </a:ext>
+            </a:extLst>
+          </p:cNvPr>
+          <p:cNvSpPr>
+            <a:spLocks noChangeAspect="1"/>
+          </p:cNvSpPr>
+          <p:nvPr/>
+        </p:nvSpPr>
+        <p:spPr>
+          <a:xfrm flipV="1">
+            <a:off x="5797065" y="2661951"/>
+            <a:ext cx="108000" cy="108000"/>
+          </a:xfrm>
+          <a:prstGeom prst="ellipse">
+            <a:avLst/>
+          </a:prstGeom>
+          <a:solidFill>
+            <a:schemeClr val="accent2">
+              <a:lumMod val="20000"/>
+              <a:lumOff val="80000"/>
+            </a:schemeClr>
+          </a:solidFill>
+          <a:ln>
+            <a:solidFill>
+              <a:schemeClr val="accent2">
+                <a:lumMod val="50000"/>
+              </a:schemeClr>
+            </a:solidFill>
+          </a:ln>
+        </p:spPr>
+        <p:style>
+          <a:lnRef idx="2">
+            <a:schemeClr val="accent1">
+              <a:shade val="50000"/>
+            </a:schemeClr>
+          </a:lnRef>
+          <a:fillRef idx="1">
+            <a:schemeClr val="accent1"/>
+          </a:fillRef>
+          <a:effectRef idx="0">
+            <a:schemeClr val="accent1"/>
+          </a:effectRef>
+          <a:fontRef idx="minor">
+            <a:schemeClr val="lt1"/>
+          </a:fontRef>
+        </p:style>
+        <p:txBody>
+          <a:bodyPr rtlCol="0" anchor="ctr"/>
+          <a:lstStyle/>
+          <a:p>
+            <a:pPr algn="ctr"/>
+            <a:endParaRPr lang="en-TW"/>
+          </a:p>
+        </p:txBody>
+      </p:sp>
+      <p:sp>
+        <p:nvSpPr>
+          <p:cNvPr id="34" name="Oval 33">
+            <a:extLst>
+              <a:ext uri="{FF2B5EF4-FFF2-40B4-BE49-F238E27FC236}">
+                <a16:creationId xmlns:a16="http://schemas.microsoft.com/office/drawing/2014/main" id="{F5A9AB32-CA5D-D54F-A699-CB487046D3B6}"/>
+              </a:ext>
+            </a:extLst>
+          </p:cNvPr>
+          <p:cNvSpPr>
+            <a:spLocks noChangeAspect="1"/>
+          </p:cNvSpPr>
+          <p:nvPr/>
+        </p:nvSpPr>
+        <p:spPr>
+          <a:xfrm flipV="1">
+            <a:off x="5077670" y="3485733"/>
+            <a:ext cx="108000" cy="108000"/>
+          </a:xfrm>
+          <a:prstGeom prst="ellipse">
+            <a:avLst/>
+          </a:prstGeom>
+          <a:solidFill>
+            <a:schemeClr val="accent2">
+              <a:lumMod val="20000"/>
+              <a:lumOff val="80000"/>
+            </a:schemeClr>
+          </a:solidFill>
+          <a:ln>
+            <a:solidFill>
+              <a:schemeClr val="accent2">
+                <a:lumMod val="50000"/>
+              </a:schemeClr>
+            </a:solidFill>
+          </a:ln>
+        </p:spPr>
+        <p:style>
+          <a:lnRef idx="2">
+            <a:schemeClr val="accent1">
+              <a:shade val="50000"/>
+            </a:schemeClr>
+          </a:lnRef>
+          <a:fillRef idx="1">
+            <a:schemeClr val="accent1"/>
+          </a:fillRef>
+          <a:effectRef idx="0">
+            <a:schemeClr val="accent1"/>
+          </a:effectRef>
+          <a:fontRef idx="minor">
+            <a:schemeClr val="lt1"/>
+          </a:fontRef>
+        </p:style>
+        <p:txBody>
+          <a:bodyPr rtlCol="0" anchor="ctr"/>
+          <a:lstStyle/>
+          <a:p>
+            <a:pPr algn="ctr"/>
+            <a:endParaRPr lang="en-TW"/>
+          </a:p>
+        </p:txBody>
+      </p:sp>
+      <p:sp>
+        <p:nvSpPr>
+          <p:cNvPr id="35" name="Oval 34">
+            <a:extLst>
+              <a:ext uri="{FF2B5EF4-FFF2-40B4-BE49-F238E27FC236}">
+                <a16:creationId xmlns:a16="http://schemas.microsoft.com/office/drawing/2014/main" id="{79BBBF4C-C3AE-2F42-A91B-A7DEAAA0BAA1}"/>
+              </a:ext>
+            </a:extLst>
+          </p:cNvPr>
+          <p:cNvSpPr>
+            <a:spLocks noChangeAspect="1"/>
+          </p:cNvSpPr>
+          <p:nvPr/>
+        </p:nvSpPr>
+        <p:spPr>
+          <a:xfrm flipV="1">
+            <a:off x="6890475" y="3199994"/>
+            <a:ext cx="108000" cy="108000"/>
+          </a:xfrm>
+          <a:prstGeom prst="ellipse">
+            <a:avLst/>
+          </a:prstGeom>
+          <a:solidFill>
+            <a:schemeClr val="accent2">
+              <a:lumMod val="20000"/>
+              <a:lumOff val="80000"/>
+            </a:schemeClr>
+          </a:solidFill>
+          <a:ln>
+            <a:solidFill>
+              <a:schemeClr val="accent2">
+                <a:lumMod val="50000"/>
+              </a:schemeClr>
+            </a:solidFill>
+          </a:ln>
+        </p:spPr>
+        <p:style>
+          <a:lnRef idx="2">
+            <a:schemeClr val="accent1">
+              <a:shade val="50000"/>
+            </a:schemeClr>
+          </a:lnRef>
+          <a:fillRef idx="1">
+            <a:schemeClr val="accent1"/>
+          </a:fillRef>
+          <a:effectRef idx="0">
+            <a:schemeClr val="accent1"/>
+          </a:effectRef>
+          <a:fontRef idx="minor">
+            <a:schemeClr val="lt1"/>
+          </a:fontRef>
+        </p:style>
+        <p:txBody>
+          <a:bodyPr rtlCol="0" anchor="ctr"/>
+          <a:lstStyle/>
+          <a:p>
+            <a:pPr algn="ctr"/>
+            <a:endParaRPr lang="en-TW"/>
+          </a:p>
+        </p:txBody>
+      </p:sp>
+    </p:spTree>
+    <p:extLst>
+      <p:ext uri="{BB962C8B-B14F-4D97-AF65-F5344CB8AC3E}">
+        <p14:creationId xmlns:p14="http://schemas.microsoft.com/office/powerpoint/2010/main" val="2257427775"/>
       </p:ext>
     </p:extLst>
   </p:cSld>
@@ -6412,4 +10831,299 @@
     </a:ext>
   </a:extLst>
 </a:theme>
+</file>
+
+<file path=ppt/theme/theme2.xml><?xml version="1.0" encoding="utf-8"?>
+<a:theme xmlns:a="http://schemas.openxmlformats.org/drawingml/2006/main" name="Office Theme">
+  <a:themeElements>
+    <a:clrScheme name="Office">
+      <a:dk1>
+        <a:sysClr val="windowText" lastClr="000000"/>
+      </a:dk1>
+      <a:lt1>
+        <a:sysClr val="window" lastClr="FFFFFF"/>
+      </a:lt1>
+      <a:dk2>
+        <a:srgbClr val="44546A"/>
+      </a:dk2>
+      <a:lt2>
+        <a:srgbClr val="E7E6E6"/>
+      </a:lt2>
+      <a:accent1>
+        <a:srgbClr val="4472C4"/>
+      </a:accent1>
+      <a:accent2>
+        <a:srgbClr val="ED7D31"/>
+      </a:accent2>
+      <a:accent3>
+        <a:srgbClr val="A5A5A5"/>
+      </a:accent3>
+      <a:accent4>
+        <a:srgbClr val="FFC000"/>
+      </a:accent4>
+      <a:accent5>
+        <a:srgbClr val="5B9BD5"/>
+      </a:accent5>
+      <a:accent6>
+        <a:srgbClr val="70AD47"/>
+      </a:accent6>
+      <a:hlink>
+        <a:srgbClr val="0563C1"/>
+      </a:hlink>
+      <a:folHlink>
+        <a:srgbClr val="954F72"/>
+      </a:folHlink>
+    </a:clrScheme>
+    <a:fontScheme name="Office">
+      <a:majorFont>
+        <a:latin typeface="Calibri Light" panose="020F0302020204030204"/>
+        <a:ea typeface=""/>
+        <a:cs typeface=""/>
+        <a:font script="Jpan" typeface="游ゴシック Light"/>
+        <a:font script="Hang" typeface="맑은 고딕"/>
+        <a:font script="Hans" typeface="等线 Light"/>
+        <a:font script="Hant" typeface="新細明體"/>
+        <a:font script="Arab" typeface="Times New Roman"/>
+        <a:font script="Hebr" typeface="Times New Roman"/>
+        <a:font script="Thai" typeface="Angsana New"/>
+        <a:font script="Ethi" typeface="Nyala"/>
+        <a:font script="Beng" typeface="Vrinda"/>
+        <a:font script="Gujr" typeface="Shruti"/>
+        <a:font script="Khmr" typeface="MoolBoran"/>
+        <a:font script="Knda" typeface="Tunga"/>
+        <a:font script="Guru" typeface="Raavi"/>
+        <a:font script="Cans" typeface="Euphemia"/>
+        <a:font script="Cher" typeface="Plantagenet Cherokee"/>
+        <a:font script="Yiii" typeface="Microsoft Yi Baiti"/>
+        <a:font script="Tibt" typeface="Microsoft Himalaya"/>
+        <a:font script="Thaa" typeface="MV Boli"/>
+        <a:font script="Deva" typeface="Mangal"/>
+        <a:font script="Telu" typeface="Gautami"/>
+        <a:font script="Taml" typeface="Latha"/>
+        <a:font script="Syrc" typeface="Estrangelo Edessa"/>
+        <a:font script="Orya" typeface="Kalinga"/>
+        <a:font script="Mlym" typeface="Kartika"/>
+        <a:font script="Laoo" typeface="DokChampa"/>
+        <a:font script="Sinh" typeface="Iskoola Pota"/>
+        <a:font script="Mong" typeface="Mongolian Baiti"/>
+        <a:font script="Viet" typeface="Times New Roman"/>
+        <a:font script="Uigh" typeface="Microsoft Uighur"/>
+        <a:font script="Geor" typeface="Sylfaen"/>
+        <a:font script="Armn" typeface="Arial"/>
+        <a:font script="Bugi" typeface="Leelawadee UI"/>
+        <a:font script="Bopo" typeface="Microsoft JhengHei"/>
+        <a:font script="Java" typeface="Javanese Text"/>
+        <a:font script="Lisu" typeface="Segoe UI"/>
+        <a:font script="Mymr" typeface="Myanmar Text"/>
+        <a:font script="Nkoo" typeface="Ebrima"/>
+        <a:font script="Olck" typeface="Nirmala UI"/>
+        <a:font script="Osma" typeface="Ebrima"/>
+        <a:font script="Phag" typeface="Phagspa"/>
+        <a:font script="Syrn" typeface="Estrangelo Edessa"/>
+        <a:font script="Syrj" typeface="Estrangelo Edessa"/>
+        <a:font script="Syre" typeface="Estrangelo Edessa"/>
+        <a:font script="Sora" typeface="Nirmala UI"/>
+        <a:font script="Tale" typeface="Microsoft Tai Le"/>
+        <a:font script="Talu" typeface="Microsoft New Tai Lue"/>
+        <a:font script="Tfng" typeface="Ebrima"/>
+      </a:majorFont>
+      <a:minorFont>
+        <a:latin typeface="Calibri" panose="020F0502020204030204"/>
+        <a:ea typeface=""/>
+        <a:cs typeface=""/>
+        <a:font script="Jpan" typeface="游ゴシック"/>
+        <a:font script="Hang" typeface="맑은 고딕"/>
+        <a:font script="Hans" typeface="等线"/>
+        <a:font script="Hant" typeface="新細明體"/>
+        <a:font script="Arab" typeface="Arial"/>
+        <a:font script="Hebr" typeface="Arial"/>
+        <a:font script="Thai" typeface="Cordia New"/>
+        <a:font script="Ethi" typeface="Nyala"/>
+        <a:font script="Beng" typeface="Vrinda"/>
+        <a:font script="Gujr" typeface="Shruti"/>
+        <a:font script="Khmr" typeface="DaunPenh"/>
+        <a:font script="Knda" typeface="Tunga"/>
+        <a:font script="Guru" typeface="Raavi"/>
+        <a:font script="Cans" typeface="Euphemia"/>
+        <a:font script="Cher" typeface="Plantagenet Cherokee"/>
+        <a:font script="Yiii" typeface="Microsoft Yi Baiti"/>
+        <a:font script="Tibt" typeface="Microsoft Himalaya"/>
+        <a:font script="Thaa" typeface="MV Boli"/>
+        <a:font script="Deva" typeface="Mangal"/>
+        <a:font script="Telu" typeface="Gautami"/>
+        <a:font script="Taml" typeface="Latha"/>
+        <a:font script="Syrc" typeface="Estrangelo Edessa"/>
+        <a:font script="Orya" typeface="Kalinga"/>
+        <a:font script="Mlym" typeface="Kartika"/>
+        <a:font script="Laoo" typeface="DokChampa"/>
+        <a:font script="Sinh" typeface="Iskoola Pota"/>
+        <a:font script="Mong" typeface="Mongolian Baiti"/>
+        <a:font script="Viet" typeface="Arial"/>
+        <a:font script="Uigh" typeface="Microsoft Uighur"/>
+        <a:font script="Geor" typeface="Sylfaen"/>
+        <a:font script="Armn" typeface="Arial"/>
+        <a:font script="Bugi" typeface="Leelawadee UI"/>
+        <a:font script="Bopo" typeface="Microsoft JhengHei"/>
+        <a:font script="Java" typeface="Javanese Text"/>
+        <a:font script="Lisu" typeface="Segoe UI"/>
+        <a:font script="Mymr" typeface="Myanmar Text"/>
+        <a:font script="Nkoo" typeface="Ebrima"/>
+        <a:font script="Olck" typeface="Nirmala UI"/>
+        <a:font script="Osma" typeface="Ebrima"/>
+        <a:font script="Phag" typeface="Phagspa"/>
+        <a:font script="Syrn" typeface="Estrangelo Edessa"/>
+        <a:font script="Syrj" typeface="Estrangelo Edessa"/>
+        <a:font script="Syre" typeface="Estrangelo Edessa"/>
+        <a:font script="Sora" typeface="Nirmala UI"/>
+        <a:font script="Tale" typeface="Microsoft Tai Le"/>
+        <a:font script="Talu" typeface="Microsoft New Tai Lue"/>
+        <a:font script="Tfng" typeface="Ebrima"/>
+      </a:minorFont>
+    </a:fontScheme>
+    <a:fmtScheme name="Office">
+      <a:fillStyleLst>
+        <a:solidFill>
+          <a:schemeClr val="phClr"/>
+        </a:solidFill>
+        <a:gradFill rotWithShape="1">
+          <a:gsLst>
+            <a:gs pos="0">
+              <a:schemeClr val="phClr">
+                <a:lumMod val="110000"/>
+                <a:satMod val="105000"/>
+                <a:tint val="67000"/>
+              </a:schemeClr>
+            </a:gs>
+            <a:gs pos="50000">
+              <a:schemeClr val="phClr">
+                <a:lumMod val="105000"/>
+                <a:satMod val="103000"/>
+                <a:tint val="73000"/>
+              </a:schemeClr>
+            </a:gs>
+            <a:gs pos="100000">
+              <a:schemeClr val="phClr">
+                <a:lumMod val="105000"/>
+                <a:satMod val="109000"/>
+                <a:tint val="81000"/>
+              </a:schemeClr>
+            </a:gs>
+          </a:gsLst>
+          <a:lin ang="5400000" scaled="0"/>
+        </a:gradFill>
+        <a:gradFill rotWithShape="1">
+          <a:gsLst>
+            <a:gs pos="0">
+              <a:schemeClr val="phClr">
+                <a:satMod val="103000"/>
+                <a:lumMod val="102000"/>
+                <a:tint val="94000"/>
+              </a:schemeClr>
+            </a:gs>
+            <a:gs pos="50000">
+              <a:schemeClr val="phClr">
+                <a:satMod val="110000"/>
+                <a:lumMod val="100000"/>
+                <a:shade val="100000"/>
+              </a:schemeClr>
+            </a:gs>
+            <a:gs pos="100000">
+              <a:schemeClr val="phClr">
+                <a:lumMod val="99000"/>
+                <a:satMod val="120000"/>
+                <a:shade val="78000"/>
+              </a:schemeClr>
+            </a:gs>
+          </a:gsLst>
+          <a:lin ang="5400000" scaled="0"/>
+        </a:gradFill>
+      </a:fillStyleLst>
+      <a:lnStyleLst>
+        <a:ln w="6350" cap="flat" cmpd="sng" algn="ctr">
+          <a:solidFill>
+            <a:schemeClr val="phClr"/>
+          </a:solidFill>
+          <a:prstDash val="solid"/>
+          <a:miter lim="800000"/>
+        </a:ln>
+        <a:ln w="12700" cap="flat" cmpd="sng" algn="ctr">
+          <a:solidFill>
+            <a:schemeClr val="phClr"/>
+          </a:solidFill>
+          <a:prstDash val="solid"/>
+          <a:miter lim="800000"/>
+        </a:ln>
+        <a:ln w="19050" cap="flat" cmpd="sng" algn="ctr">
+          <a:solidFill>
+            <a:schemeClr val="phClr"/>
+          </a:solidFill>
+          <a:prstDash val="solid"/>
+          <a:miter lim="800000"/>
+        </a:ln>
+      </a:lnStyleLst>
+      <a:effectStyleLst>
+        <a:effectStyle>
+          <a:effectLst/>
+        </a:effectStyle>
+        <a:effectStyle>
+          <a:effectLst/>
+        </a:effectStyle>
+        <a:effectStyle>
+          <a:effectLst>
+            <a:outerShdw blurRad="57150" dist="19050" dir="5400000" algn="ctr" rotWithShape="0">
+              <a:srgbClr val="000000">
+                <a:alpha val="63000"/>
+              </a:srgbClr>
+            </a:outerShdw>
+          </a:effectLst>
+        </a:effectStyle>
+      </a:effectStyleLst>
+      <a:bgFillStyleLst>
+        <a:solidFill>
+          <a:schemeClr val="phClr"/>
+        </a:solidFill>
+        <a:solidFill>
+          <a:schemeClr val="phClr">
+            <a:tint val="95000"/>
+            <a:satMod val="170000"/>
+          </a:schemeClr>
+        </a:solidFill>
+        <a:gradFill rotWithShape="1">
+          <a:gsLst>
+            <a:gs pos="0">
+              <a:schemeClr val="phClr">
+                <a:tint val="93000"/>
+                <a:satMod val="150000"/>
+                <a:shade val="98000"/>
+                <a:lumMod val="102000"/>
+              </a:schemeClr>
+            </a:gs>
+            <a:gs pos="50000">
+              <a:schemeClr val="phClr">
+                <a:tint val="98000"/>
+                <a:satMod val="130000"/>
+                <a:shade val="90000"/>
+                <a:lumMod val="103000"/>
+              </a:schemeClr>
+            </a:gs>
+            <a:gs pos="100000">
+              <a:schemeClr val="phClr">
+                <a:shade val="63000"/>
+                <a:satMod val="120000"/>
+              </a:schemeClr>
+            </a:gs>
+          </a:gsLst>
+          <a:lin ang="5400000" scaled="0"/>
+        </a:gradFill>
+      </a:bgFillStyleLst>
+    </a:fmtScheme>
+  </a:themeElements>
+  <a:objectDefaults/>
+  <a:extraClrSchemeLst/>
+  <a:extLst>
+    <a:ext uri="{05A4C25C-085E-4340-85A3-A5531E510DB2}">
+      <thm15:themeFamily xmlns:thm15="http://schemas.microsoft.com/office/thememl/2012/main" name="Office Theme" id="{62F939B6-93AF-4DB8-9C6B-D6C7DFDC589F}" vid="{4A3C46E8-61CC-4603-A589-7422A47A8E4A}"/>
+    </a:ext>
+  </a:extLst>
+</a:theme>
 </file>
--- a/_posts/ithome/2021/19.AutoML/19.AutoML.pptx
+++ b/_posts/ithome/2021/19.AutoML/19.AutoML.pptx
@@ -5,13 +5,14 @@
     <p:sldMasterId id="2147483648" r:id="rId1"/>
   </p:sldMasterIdLst>
   <p:notesMasterIdLst>
-    <p:notesMasterId r:id="rId6"/>
+    <p:notesMasterId r:id="rId7"/>
   </p:notesMasterIdLst>
   <p:sldIdLst>
     <p:sldId id="257" r:id="rId2"/>
     <p:sldId id="256" r:id="rId3"/>
     <p:sldId id="258" r:id="rId4"/>
     <p:sldId id="259" r:id="rId5"/>
+    <p:sldId id="260" r:id="rId6"/>
   </p:sldIdLst>
   <p:sldSz cx="12192000" cy="6858000"/>
   <p:notesSz cx="6858000" cy="9144000"/>
@@ -200,7 +201,7 @@
           <a:p>
             <a:fld id="{CCE3649D-4F9F-5246-8ABA-1C70B86BDF03}" type="datetimeFigureOut">
               <a:rPr lang="en-TW" smtClean="0"/>
-              <a:t>2021/9/26</a:t>
+              <a:t>2021/9/27</a:t>
             </a:fld>
             <a:endParaRPr lang="en-TW"/>
           </a:p>
@@ -675,6 +676,102 @@
 </p:notes>
 </file>
 
+<file path=ppt/notesSlides/notesSlide3.xml><?xml version="1.0" encoding="utf-8"?>
+<p:notes xmlns:a="http://schemas.openxmlformats.org/drawingml/2006/main" xmlns:r="http://schemas.openxmlformats.org/officeDocument/2006/relationships" xmlns:p="http://schemas.openxmlformats.org/presentationml/2006/main">
+  <p:cSld>
+    <p:spTree>
+      <p:nvGrpSpPr>
+        <p:cNvPr id="1" name=""/>
+        <p:cNvGrpSpPr/>
+        <p:nvPr/>
+      </p:nvGrpSpPr>
+      <p:grpSpPr>
+        <a:xfrm>
+          <a:off x="0" y="0"/>
+          <a:ext cx="0" cy="0"/>
+          <a:chOff x="0" y="0"/>
+          <a:chExt cx="0" cy="0"/>
+        </a:xfrm>
+      </p:grpSpPr>
+      <p:sp>
+        <p:nvSpPr>
+          <p:cNvPr id="2" name="Slide Image Placeholder 1"/>
+          <p:cNvSpPr>
+            <a:spLocks noGrp="1" noRot="1" noChangeAspect="1"/>
+          </p:cNvSpPr>
+          <p:nvPr>
+            <p:ph type="sldImg"/>
+          </p:nvPr>
+        </p:nvSpPr>
+        <p:spPr/>
+      </p:sp>
+      <p:sp>
+        <p:nvSpPr>
+          <p:cNvPr id="3" name="Notes Placeholder 2"/>
+          <p:cNvSpPr>
+            <a:spLocks noGrp="1"/>
+          </p:cNvSpPr>
+          <p:nvPr>
+            <p:ph type="body" idx="1"/>
+          </p:nvPr>
+        </p:nvSpPr>
+        <p:spPr/>
+        <p:txBody>
+          <a:bodyPr/>
+          <a:lstStyle/>
+          <a:p>
+            <a:r>
+              <a:rPr lang="en-US" dirty="0"/>
+              <a:t>https://</a:t>
+            </a:r>
+            <a:r>
+              <a:rPr lang="en-US" dirty="0" err="1"/>
+              <a:t>kknews.cc</a:t>
+            </a:r>
+            <a:r>
+              <a:rPr lang="en-US"/>
+              <a:t>/code/ggxp2je.html</a:t>
+            </a:r>
+            <a:endParaRPr lang="en-TW"/>
+          </a:p>
+        </p:txBody>
+      </p:sp>
+      <p:sp>
+        <p:nvSpPr>
+          <p:cNvPr id="4" name="Slide Number Placeholder 3"/>
+          <p:cNvSpPr>
+            <a:spLocks noGrp="1"/>
+          </p:cNvSpPr>
+          <p:nvPr>
+            <p:ph type="sldNum" sz="quarter" idx="5"/>
+          </p:nvPr>
+        </p:nvSpPr>
+        <p:spPr/>
+        <p:txBody>
+          <a:bodyPr/>
+          <a:lstStyle/>
+          <a:p>
+            <a:fld id="{378C6B93-7CA9-2E48-A4FF-09DB85B9BCDA}" type="slidenum">
+              <a:rPr lang="en-TW" smtClean="0"/>
+              <a:t>5</a:t>
+            </a:fld>
+            <a:endParaRPr lang="en-TW"/>
+          </a:p>
+        </p:txBody>
+      </p:sp>
+    </p:spTree>
+    <p:extLst>
+      <p:ext uri="{BB962C8B-B14F-4D97-AF65-F5344CB8AC3E}">
+        <p14:creationId xmlns:p14="http://schemas.microsoft.com/office/powerpoint/2010/main" val="635768599"/>
+      </p:ext>
+    </p:extLst>
+  </p:cSld>
+  <p:clrMapOvr>
+    <a:masterClrMapping/>
+  </p:clrMapOvr>
+</p:notes>
+</file>
+
 <file path=ppt/slideLayouts/slideLayout1.xml><?xml version="1.0" encoding="utf-8"?>
 <p:sldLayout xmlns:a="http://schemas.openxmlformats.org/drawingml/2006/main" xmlns:r="http://schemas.openxmlformats.org/officeDocument/2006/relationships" xmlns:p="http://schemas.openxmlformats.org/presentationml/2006/main" type="title" preserve="1">
   <p:cSld name="Title Slide">
@@ -824,7 +921,7 @@
           <a:p>
             <a:fld id="{FA72F50C-0205-344F-9362-2550D5A8C203}" type="datetimeFigureOut">
               <a:rPr lang="en-TW" smtClean="0"/>
-              <a:t>2021/9/26</a:t>
+              <a:t>2021/9/27</a:t>
             </a:fld>
             <a:endParaRPr lang="en-TW"/>
           </a:p>
@@ -1024,7 +1121,7 @@
           <a:p>
             <a:fld id="{FA72F50C-0205-344F-9362-2550D5A8C203}" type="datetimeFigureOut">
               <a:rPr lang="en-TW" smtClean="0"/>
-              <a:t>2021/9/26</a:t>
+              <a:t>2021/9/27</a:t>
             </a:fld>
             <a:endParaRPr lang="en-TW"/>
           </a:p>
@@ -1234,7 +1331,7 @@
           <a:p>
             <a:fld id="{FA72F50C-0205-344F-9362-2550D5A8C203}" type="datetimeFigureOut">
               <a:rPr lang="en-TW" smtClean="0"/>
-              <a:t>2021/9/26</a:t>
+              <a:t>2021/9/27</a:t>
             </a:fld>
             <a:endParaRPr lang="en-TW"/>
           </a:p>
@@ -1434,7 +1531,7 @@
           <a:p>
             <a:fld id="{FA72F50C-0205-344F-9362-2550D5A8C203}" type="datetimeFigureOut">
               <a:rPr lang="en-TW" smtClean="0"/>
-              <a:t>2021/9/26</a:t>
+              <a:t>2021/9/27</a:t>
             </a:fld>
             <a:endParaRPr lang="en-TW"/>
           </a:p>
@@ -1710,7 +1807,7 @@
           <a:p>
             <a:fld id="{FA72F50C-0205-344F-9362-2550D5A8C203}" type="datetimeFigureOut">
               <a:rPr lang="en-TW" smtClean="0"/>
-              <a:t>2021/9/26</a:t>
+              <a:t>2021/9/27</a:t>
             </a:fld>
             <a:endParaRPr lang="en-TW"/>
           </a:p>
@@ -1978,7 +2075,7 @@
           <a:p>
             <a:fld id="{FA72F50C-0205-344F-9362-2550D5A8C203}" type="datetimeFigureOut">
               <a:rPr lang="en-TW" smtClean="0"/>
-              <a:t>2021/9/26</a:t>
+              <a:t>2021/9/27</a:t>
             </a:fld>
             <a:endParaRPr lang="en-TW"/>
           </a:p>
@@ -2393,7 +2490,7 @@
           <a:p>
             <a:fld id="{FA72F50C-0205-344F-9362-2550D5A8C203}" type="datetimeFigureOut">
               <a:rPr lang="en-TW" smtClean="0"/>
-              <a:t>2021/9/26</a:t>
+              <a:t>2021/9/27</a:t>
             </a:fld>
             <a:endParaRPr lang="en-TW"/>
           </a:p>
@@ -2535,7 +2632,7 @@
           <a:p>
             <a:fld id="{FA72F50C-0205-344F-9362-2550D5A8C203}" type="datetimeFigureOut">
               <a:rPr lang="en-TW" smtClean="0"/>
-              <a:t>2021/9/26</a:t>
+              <a:t>2021/9/27</a:t>
             </a:fld>
             <a:endParaRPr lang="en-TW"/>
           </a:p>
@@ -2648,7 +2745,7 @@
           <a:p>
             <a:fld id="{FA72F50C-0205-344F-9362-2550D5A8C203}" type="datetimeFigureOut">
               <a:rPr lang="en-TW" smtClean="0"/>
-              <a:t>2021/9/26</a:t>
+              <a:t>2021/9/27</a:t>
             </a:fld>
             <a:endParaRPr lang="en-TW"/>
           </a:p>
@@ -2961,7 +3058,7 @@
           <a:p>
             <a:fld id="{FA72F50C-0205-344F-9362-2550D5A8C203}" type="datetimeFigureOut">
               <a:rPr lang="en-TW" smtClean="0"/>
-              <a:t>2021/9/26</a:t>
+              <a:t>2021/9/27</a:t>
             </a:fld>
             <a:endParaRPr lang="en-TW"/>
           </a:p>
@@ -3250,7 +3347,7 @@
           <a:p>
             <a:fld id="{FA72F50C-0205-344F-9362-2550D5A8C203}" type="datetimeFigureOut">
               <a:rPr lang="en-TW" smtClean="0"/>
-              <a:t>2021/9/26</a:t>
+              <a:t>2021/9/27</a:t>
             </a:fld>
             <a:endParaRPr lang="en-TW"/>
           </a:p>
@@ -3493,7 +3590,7 @@
           <a:p>
             <a:fld id="{FA72F50C-0205-344F-9362-2550D5A8C203}" type="datetimeFigureOut">
               <a:rPr lang="en-TW" smtClean="0"/>
-              <a:t>2021/9/26</a:t>
+              <a:t>2021/9/27</a:t>
             </a:fld>
             <a:endParaRPr lang="en-TW"/>
           </a:p>
@@ -4558,7 +4655,7 @@
               <a:effectLst/>
               <a:extLst>
                 <a:ext uri="{C572A759-6A51-4108-AA02-DFA0A04FC94B}">
-                  <ma14:wrappingTextBoxFlag xmlns="" xmlns:m="http://schemas.openxmlformats.org/officeDocument/2006/math" xmlns:a14="http://schemas.microsoft.com/office/drawing/2010/main" xmlns:ma14="http://schemas.microsoft.com/office/mac/drawingml/2011/main" val="1"/>
+                  <ma14:wrappingTextBoxFlag xmlns:ma14="http://schemas.microsoft.com/office/mac/drawingml/2011/main" xmlns:a14="http://schemas.microsoft.com/office/drawing/2010/main" xmlns:m="http://schemas.openxmlformats.org/officeDocument/2006/math" xmlns="" val="1"/>
                 </a:ext>
               </a:extLst>
             </p:spPr>
@@ -4751,7 +4848,7 @@
               <a:effectLst/>
               <a:extLst>
                 <a:ext uri="{C572A759-6A51-4108-AA02-DFA0A04FC94B}">
-                  <ma14:wrappingTextBoxFlag xmlns="" xmlns:m="http://schemas.openxmlformats.org/officeDocument/2006/math" xmlns:a14="http://schemas.microsoft.com/office/drawing/2010/main" xmlns:ma14="http://schemas.microsoft.com/office/mac/drawingml/2011/main" val="1"/>
+                  <ma14:wrappingTextBoxFlag xmlns:ma14="http://schemas.microsoft.com/office/mac/drawingml/2011/main" xmlns:a14="http://schemas.microsoft.com/office/drawing/2010/main" xmlns:m="http://schemas.openxmlformats.org/officeDocument/2006/math" xmlns="" val="1"/>
                 </a:ext>
               </a:extLst>
             </p:spPr>
@@ -4966,7 +5063,7 @@
               <a:effectLst/>
               <a:extLst>
                 <a:ext uri="{C572A759-6A51-4108-AA02-DFA0A04FC94B}">
-                  <ma14:wrappingTextBoxFlag xmlns="" xmlns:m="http://schemas.openxmlformats.org/officeDocument/2006/math" xmlns:a14="http://schemas.microsoft.com/office/drawing/2010/main" xmlns:ma14="http://schemas.microsoft.com/office/mac/drawingml/2011/main" val="1"/>
+                  <ma14:wrappingTextBoxFlag xmlns:ma14="http://schemas.microsoft.com/office/mac/drawingml/2011/main" xmlns:a14="http://schemas.microsoft.com/office/drawing/2010/main" xmlns:m="http://schemas.openxmlformats.org/officeDocument/2006/math" xmlns="" val="1"/>
                 </a:ext>
               </a:extLst>
             </p:spPr>
@@ -5251,7 +5348,7 @@
               <a:effectLst/>
               <a:extLst>
                 <a:ext uri="{C572A759-6A51-4108-AA02-DFA0A04FC94B}">
-                  <ma14:wrappingTextBoxFlag xmlns="" xmlns:m="http://schemas.openxmlformats.org/officeDocument/2006/math" xmlns:a14="http://schemas.microsoft.com/office/drawing/2010/main" xmlns:ma14="http://schemas.microsoft.com/office/mac/drawingml/2011/main" val="1"/>
+                  <ma14:wrappingTextBoxFlag xmlns:ma14="http://schemas.microsoft.com/office/mac/drawingml/2011/main" xmlns:a14="http://schemas.microsoft.com/office/drawing/2010/main" xmlns:m="http://schemas.openxmlformats.org/officeDocument/2006/math" xmlns="" val="1"/>
                 </a:ext>
               </a:extLst>
             </p:spPr>
@@ -5444,7 +5541,7 @@
               <a:effectLst/>
               <a:extLst>
                 <a:ext uri="{C572A759-6A51-4108-AA02-DFA0A04FC94B}">
-                  <ma14:wrappingTextBoxFlag xmlns="" xmlns:m="http://schemas.openxmlformats.org/officeDocument/2006/math" xmlns:a14="http://schemas.microsoft.com/office/drawing/2010/main" xmlns:ma14="http://schemas.microsoft.com/office/mac/drawingml/2011/main" val="1"/>
+                  <ma14:wrappingTextBoxFlag xmlns:ma14="http://schemas.microsoft.com/office/mac/drawingml/2011/main" xmlns:a14="http://schemas.microsoft.com/office/drawing/2010/main" xmlns:m="http://schemas.openxmlformats.org/officeDocument/2006/math" xmlns="" val="1"/>
                 </a:ext>
               </a:extLst>
             </p:spPr>
@@ -5659,7 +5756,7 @@
               <a:effectLst/>
               <a:extLst>
                 <a:ext uri="{C572A759-6A51-4108-AA02-DFA0A04FC94B}">
-                  <ma14:wrappingTextBoxFlag xmlns="" xmlns:m="http://schemas.openxmlformats.org/officeDocument/2006/math" xmlns:a14="http://schemas.microsoft.com/office/drawing/2010/main" xmlns:ma14="http://schemas.microsoft.com/office/mac/drawingml/2011/main" val="1"/>
+                  <ma14:wrappingTextBoxFlag xmlns:ma14="http://schemas.microsoft.com/office/mac/drawingml/2011/main" xmlns:a14="http://schemas.microsoft.com/office/drawing/2010/main" xmlns:m="http://schemas.openxmlformats.org/officeDocument/2006/math" xmlns="" val="1"/>
                 </a:ext>
               </a:extLst>
             </p:spPr>
@@ -7979,7 +8076,7 @@
               <a:effectLst/>
               <a:extLst>
                 <a:ext uri="{C572A759-6A51-4108-AA02-DFA0A04FC94B}">
-                  <ma14:wrappingTextBoxFlag xmlns="" xmlns:m="http://schemas.openxmlformats.org/officeDocument/2006/math" xmlns:a14="http://schemas.microsoft.com/office/drawing/2010/main" xmlns:ma14="http://schemas.microsoft.com/office/mac/drawingml/2011/main" val="1"/>
+                  <ma14:wrappingTextBoxFlag xmlns:ma14="http://schemas.microsoft.com/office/mac/drawingml/2011/main" xmlns:a14="http://schemas.microsoft.com/office/drawing/2010/main" xmlns:m="http://schemas.openxmlformats.org/officeDocument/2006/math" xmlns="" val="1"/>
                 </a:ext>
               </a:extLst>
             </p:spPr>
@@ -8172,7 +8269,7 @@
               <a:effectLst/>
               <a:extLst>
                 <a:ext uri="{C572A759-6A51-4108-AA02-DFA0A04FC94B}">
-                  <ma14:wrappingTextBoxFlag xmlns="" xmlns:m="http://schemas.openxmlformats.org/officeDocument/2006/math" xmlns:a14="http://schemas.microsoft.com/office/drawing/2010/main" xmlns:ma14="http://schemas.microsoft.com/office/mac/drawingml/2011/main" val="1"/>
+                  <ma14:wrappingTextBoxFlag xmlns:ma14="http://schemas.microsoft.com/office/mac/drawingml/2011/main" xmlns:a14="http://schemas.microsoft.com/office/drawing/2010/main" xmlns:m="http://schemas.openxmlformats.org/officeDocument/2006/math" xmlns="" val="1"/>
                 </a:ext>
               </a:extLst>
             </p:spPr>
@@ -8387,7 +8484,7 @@
               <a:effectLst/>
               <a:extLst>
                 <a:ext uri="{C572A759-6A51-4108-AA02-DFA0A04FC94B}">
-                  <ma14:wrappingTextBoxFlag xmlns="" xmlns:m="http://schemas.openxmlformats.org/officeDocument/2006/math" xmlns:a14="http://schemas.microsoft.com/office/drawing/2010/main" xmlns:ma14="http://schemas.microsoft.com/office/mac/drawingml/2011/main" val="1"/>
+                  <ma14:wrappingTextBoxFlag xmlns:ma14="http://schemas.microsoft.com/office/mac/drawingml/2011/main" xmlns:a14="http://schemas.microsoft.com/office/drawing/2010/main" xmlns:m="http://schemas.openxmlformats.org/officeDocument/2006/math" xmlns="" val="1"/>
                 </a:ext>
               </a:extLst>
             </p:spPr>
@@ -9542,7 +9639,7 @@
               <a:effectLst/>
               <a:extLst>
                 <a:ext uri="{C572A759-6A51-4108-AA02-DFA0A04FC94B}">
-                  <ma14:wrappingTextBoxFlag xmlns="" xmlns:m="http://schemas.openxmlformats.org/officeDocument/2006/math" xmlns:a14="http://schemas.microsoft.com/office/drawing/2010/main" xmlns:ma14="http://schemas.microsoft.com/office/mac/drawingml/2011/main" val="1"/>
+                  <ma14:wrappingTextBoxFlag xmlns:ma14="http://schemas.microsoft.com/office/mac/drawingml/2011/main" xmlns:a14="http://schemas.microsoft.com/office/drawing/2010/main" xmlns:m="http://schemas.openxmlformats.org/officeDocument/2006/math" xmlns="" val="1"/>
                 </a:ext>
               </a:extLst>
             </p:spPr>
@@ -9735,7 +9832,7 @@
               <a:effectLst/>
               <a:extLst>
                 <a:ext uri="{C572A759-6A51-4108-AA02-DFA0A04FC94B}">
-                  <ma14:wrappingTextBoxFlag xmlns="" xmlns:m="http://schemas.openxmlformats.org/officeDocument/2006/math" xmlns:a14="http://schemas.microsoft.com/office/drawing/2010/main" xmlns:ma14="http://schemas.microsoft.com/office/mac/drawingml/2011/main" val="1"/>
+                  <ma14:wrappingTextBoxFlag xmlns:ma14="http://schemas.microsoft.com/office/mac/drawingml/2011/main" xmlns:a14="http://schemas.microsoft.com/office/drawing/2010/main" xmlns:m="http://schemas.openxmlformats.org/officeDocument/2006/math" xmlns="" val="1"/>
                 </a:ext>
               </a:extLst>
             </p:spPr>
@@ -9950,7 +10047,7 @@
               <a:effectLst/>
               <a:extLst>
                 <a:ext uri="{C572A759-6A51-4108-AA02-DFA0A04FC94B}">
-                  <ma14:wrappingTextBoxFlag xmlns="" xmlns:m="http://schemas.openxmlformats.org/officeDocument/2006/math" xmlns:a14="http://schemas.microsoft.com/office/drawing/2010/main" xmlns:ma14="http://schemas.microsoft.com/office/mac/drawingml/2011/main" val="1"/>
+                  <ma14:wrappingTextBoxFlag xmlns:ma14="http://schemas.microsoft.com/office/mac/drawingml/2011/main" xmlns:a14="http://schemas.microsoft.com/office/drawing/2010/main" xmlns:m="http://schemas.openxmlformats.org/officeDocument/2006/math" xmlns="" val="1"/>
                 </a:ext>
               </a:extLst>
             </p:spPr>
@@ -10529,6 +10626,83 @@
     <p:extLst>
       <p:ext uri="{BB962C8B-B14F-4D97-AF65-F5344CB8AC3E}">
         <p14:creationId xmlns:p14="http://schemas.microsoft.com/office/powerpoint/2010/main" val="2257427775"/>
+      </p:ext>
+    </p:extLst>
+  </p:cSld>
+  <p:clrMapOvr>
+    <a:masterClrMapping/>
+  </p:clrMapOvr>
+</p:sld>
+</file>
+
+<file path=ppt/slides/slide5.xml><?xml version="1.0" encoding="utf-8"?>
+<p:sld xmlns:a="http://schemas.openxmlformats.org/drawingml/2006/main" xmlns:r="http://schemas.openxmlformats.org/officeDocument/2006/relationships" xmlns:p="http://schemas.openxmlformats.org/presentationml/2006/main">
+  <p:cSld>
+    <p:spTree>
+      <p:nvGrpSpPr>
+        <p:cNvPr id="1" name=""/>
+        <p:cNvGrpSpPr/>
+        <p:nvPr/>
+      </p:nvGrpSpPr>
+      <p:grpSpPr>
+        <a:xfrm>
+          <a:off x="0" y="0"/>
+          <a:ext cx="0" cy="0"/>
+          <a:chOff x="0" y="0"/>
+          <a:chExt cx="0" cy="0"/>
+        </a:xfrm>
+      </p:grpSpPr>
+      <p:pic>
+        <p:nvPicPr>
+          <p:cNvPr id="1026" name="Picture 2">
+            <a:extLst>
+              <a:ext uri="{FF2B5EF4-FFF2-40B4-BE49-F238E27FC236}">
+                <a16:creationId xmlns:a16="http://schemas.microsoft.com/office/drawing/2014/main" id="{BD9AF1E8-B990-304C-B207-BB0CF31FB84A}"/>
+              </a:ext>
+            </a:extLst>
+          </p:cNvPr>
+          <p:cNvPicPr>
+            <a:picLocks noChangeAspect="1" noChangeArrowheads="1"/>
+          </p:cNvPicPr>
+          <p:nvPr/>
+        </p:nvPicPr>
+        <p:blipFill>
+          <a:blip r:embed="rId3">
+            <a:extLst>
+              <a:ext uri="{28A0092B-C50C-407E-A947-70E740481C1C}">
+                <a14:useLocalDpi xmlns:a14="http://schemas.microsoft.com/office/drawing/2010/main" val="0"/>
+              </a:ext>
+            </a:extLst>
+          </a:blip>
+          <a:srcRect/>
+          <a:stretch>
+            <a:fillRect/>
+          </a:stretch>
+        </p:blipFill>
+        <p:spPr bwMode="auto">
+          <a:xfrm>
+            <a:off x="2032000" y="654050"/>
+            <a:ext cx="8128000" cy="5549900"/>
+          </a:xfrm>
+          <a:prstGeom prst="rect">
+            <a:avLst/>
+          </a:prstGeom>
+          <a:noFill/>
+          <a:extLst>
+            <a:ext uri="{909E8E84-426E-40DD-AFC4-6F175D3DCCD1}">
+              <a14:hiddenFill xmlns:a14="http://schemas.microsoft.com/office/drawing/2010/main">
+                <a:solidFill>
+                  <a:srgbClr val="FFFFFF"/>
+                </a:solidFill>
+              </a14:hiddenFill>
+            </a:ext>
+          </a:extLst>
+        </p:spPr>
+      </p:pic>
+    </p:spTree>
+    <p:extLst>
+      <p:ext uri="{BB962C8B-B14F-4D97-AF65-F5344CB8AC3E}">
+        <p14:creationId xmlns:p14="http://schemas.microsoft.com/office/powerpoint/2010/main" val="212453833"/>
       </p:ext>
     </p:extLst>
   </p:cSld>

--- a/_posts/ithome/2021/19.AutoML/19.AutoML.pptx
+++ b/_posts/ithome/2021/19.AutoML/19.AutoML.pptx
@@ -201,7 +201,7 @@
           <a:p>
             <a:fld id="{CCE3649D-4F9F-5246-8ABA-1C70B86BDF03}" type="datetimeFigureOut">
               <a:rPr lang="en-TW" smtClean="0"/>
-              <a:t>2021/9/27</a:t>
+              <a:t>2021/10/3</a:t>
             </a:fld>
             <a:endParaRPr lang="en-TW"/>
           </a:p>
@@ -729,10 +729,41 @@
               <a:t>kknews.cc</a:t>
             </a:r>
             <a:r>
+              <a:rPr lang="en-US" dirty="0"/>
+              <a:t>/code/ggxp2je.html</a:t>
+            </a:r>
+          </a:p>
+          <a:p>
+            <a:endParaRPr lang="en-US" dirty="0"/>
+          </a:p>
+          <a:p>
+            <a:r>
+              <a:rPr lang="en-US" dirty="0"/>
+              <a:t>https://read01.com/</a:t>
+            </a:r>
+            <a:r>
+              <a:rPr lang="en-US" dirty="0" err="1"/>
+              <a:t>zh-tw</a:t>
+            </a:r>
+            <a:r>
+              <a:rPr lang="en-US" dirty="0"/>
+              <a:t>/RMKKmza.html#.YVk7AEZBz0o</a:t>
+            </a:r>
+          </a:p>
+          <a:p>
+            <a:r>
+              <a:rPr lang="en-US" dirty="0"/>
+              <a:t>http://</a:t>
+            </a:r>
+            <a:r>
+              <a:rPr lang="en-US" dirty="0" err="1"/>
+              <a:t>imgtec.eetrend.com</a:t>
+            </a:r>
+            <a:r>
               <a:rPr lang="en-US"/>
-              <a:t>/code/ggxp2je.html</a:t>
-            </a:r>
-            <a:endParaRPr lang="en-TW"/>
+              <a:t>/blog/2019/100018057.html</a:t>
+            </a:r>
+            <a:endParaRPr lang="en-TW" dirty="0"/>
           </a:p>
         </p:txBody>
       </p:sp>
@@ -921,7 +952,7 @@
           <a:p>
             <a:fld id="{FA72F50C-0205-344F-9362-2550D5A8C203}" type="datetimeFigureOut">
               <a:rPr lang="en-TW" smtClean="0"/>
-              <a:t>2021/9/27</a:t>
+              <a:t>2021/10/3</a:t>
             </a:fld>
             <a:endParaRPr lang="en-TW"/>
           </a:p>
@@ -1121,7 +1152,7 @@
           <a:p>
             <a:fld id="{FA72F50C-0205-344F-9362-2550D5A8C203}" type="datetimeFigureOut">
               <a:rPr lang="en-TW" smtClean="0"/>
-              <a:t>2021/9/27</a:t>
+              <a:t>2021/10/3</a:t>
             </a:fld>
             <a:endParaRPr lang="en-TW"/>
           </a:p>
@@ -1331,7 +1362,7 @@
           <a:p>
             <a:fld id="{FA72F50C-0205-344F-9362-2550D5A8C203}" type="datetimeFigureOut">
               <a:rPr lang="en-TW" smtClean="0"/>
-              <a:t>2021/9/27</a:t>
+              <a:t>2021/10/3</a:t>
             </a:fld>
             <a:endParaRPr lang="en-TW"/>
           </a:p>
@@ -1531,7 +1562,7 @@
           <a:p>
             <a:fld id="{FA72F50C-0205-344F-9362-2550D5A8C203}" type="datetimeFigureOut">
               <a:rPr lang="en-TW" smtClean="0"/>
-              <a:t>2021/9/27</a:t>
+              <a:t>2021/10/3</a:t>
             </a:fld>
             <a:endParaRPr lang="en-TW"/>
           </a:p>
@@ -1807,7 +1838,7 @@
           <a:p>
             <a:fld id="{FA72F50C-0205-344F-9362-2550D5A8C203}" type="datetimeFigureOut">
               <a:rPr lang="en-TW" smtClean="0"/>
-              <a:t>2021/9/27</a:t>
+              <a:t>2021/10/3</a:t>
             </a:fld>
             <a:endParaRPr lang="en-TW"/>
           </a:p>
@@ -2075,7 +2106,7 @@
           <a:p>
             <a:fld id="{FA72F50C-0205-344F-9362-2550D5A8C203}" type="datetimeFigureOut">
               <a:rPr lang="en-TW" smtClean="0"/>
-              <a:t>2021/9/27</a:t>
+              <a:t>2021/10/3</a:t>
             </a:fld>
             <a:endParaRPr lang="en-TW"/>
           </a:p>
@@ -2490,7 +2521,7 @@
           <a:p>
             <a:fld id="{FA72F50C-0205-344F-9362-2550D5A8C203}" type="datetimeFigureOut">
               <a:rPr lang="en-TW" smtClean="0"/>
-              <a:t>2021/9/27</a:t>
+              <a:t>2021/10/3</a:t>
             </a:fld>
             <a:endParaRPr lang="en-TW"/>
           </a:p>
@@ -2632,7 +2663,7 @@
           <a:p>
             <a:fld id="{FA72F50C-0205-344F-9362-2550D5A8C203}" type="datetimeFigureOut">
               <a:rPr lang="en-TW" smtClean="0"/>
-              <a:t>2021/9/27</a:t>
+              <a:t>2021/10/3</a:t>
             </a:fld>
             <a:endParaRPr lang="en-TW"/>
           </a:p>
@@ -2745,7 +2776,7 @@
           <a:p>
             <a:fld id="{FA72F50C-0205-344F-9362-2550D5A8C203}" type="datetimeFigureOut">
               <a:rPr lang="en-TW" smtClean="0"/>
-              <a:t>2021/9/27</a:t>
+              <a:t>2021/10/3</a:t>
             </a:fld>
             <a:endParaRPr lang="en-TW"/>
           </a:p>
@@ -3058,7 +3089,7 @@
           <a:p>
             <a:fld id="{FA72F50C-0205-344F-9362-2550D5A8C203}" type="datetimeFigureOut">
               <a:rPr lang="en-TW" smtClean="0"/>
-              <a:t>2021/9/27</a:t>
+              <a:t>2021/10/3</a:t>
             </a:fld>
             <a:endParaRPr lang="en-TW"/>
           </a:p>
@@ -3347,7 +3378,7 @@
           <a:p>
             <a:fld id="{FA72F50C-0205-344F-9362-2550D5A8C203}" type="datetimeFigureOut">
               <a:rPr lang="en-TW" smtClean="0"/>
-              <a:t>2021/9/27</a:t>
+              <a:t>2021/10/3</a:t>
             </a:fld>
             <a:endParaRPr lang="en-TW"/>
           </a:p>
@@ -3590,7 +3621,7 @@
           <a:p>
             <a:fld id="{FA72F50C-0205-344F-9362-2550D5A8C203}" type="datetimeFigureOut">
               <a:rPr lang="en-TW" smtClean="0"/>
-              <a:t>2021/9/27</a:t>
+              <a:t>2021/10/3</a:t>
             </a:fld>
             <a:endParaRPr lang="en-TW"/>
           </a:p>
